--- a/Documents/demo Presentation.pptx
+++ b/Documents/demo Presentation.pptx
@@ -7,8 +7,11 @@
   <p:sldIdLst>
     <p:sldId id="256" r:id="rId2"/>
     <p:sldId id="259" r:id="rId3"/>
-    <p:sldId id="257" r:id="rId4"/>
-    <p:sldId id="258" r:id="rId5"/>
+    <p:sldId id="262" r:id="rId4"/>
+    <p:sldId id="260" r:id="rId5"/>
+    <p:sldId id="261" r:id="rId6"/>
+    <p:sldId id="257" r:id="rId7"/>
+    <p:sldId id="258" r:id="rId8"/>
   </p:sldIdLst>
   <p:sldSz cx="12192000" cy="6858000"/>
   <p:notesSz cx="6858000" cy="9144000"/>
@@ -113,6 +116,2979 @@
     </p:ext>
   </p:extLst>
 </p:presentation>
+</file>
+
+<file path=ppt/diagrams/colors1.xml><?xml version="1.0" encoding="utf-8"?>
+<dgm:colorsDef xmlns:dgm="http://schemas.openxmlformats.org/drawingml/2006/diagram" xmlns:a="http://schemas.openxmlformats.org/drawingml/2006/main" uniqueId="urn:microsoft.com/office/officeart/2005/8/colors/accent1_2">
+  <dgm:title val=""/>
+  <dgm:desc val=""/>
+  <dgm:catLst>
+    <dgm:cat type="accent1" pri="11200"/>
+  </dgm:catLst>
+  <dgm:styleLbl name="node0">
+    <dgm:fillClrLst meth="repeat">
+      <a:schemeClr val="accent1"/>
+    </dgm:fillClrLst>
+    <dgm:linClrLst meth="repeat">
+      <a:schemeClr val="lt1"/>
+    </dgm:linClrLst>
+    <dgm:effectClrLst/>
+    <dgm:txLinClrLst/>
+    <dgm:txFillClrLst/>
+    <dgm:txEffectClrLst/>
+  </dgm:styleLbl>
+  <dgm:styleLbl name="alignNode1">
+    <dgm:fillClrLst meth="repeat">
+      <a:schemeClr val="accent1"/>
+    </dgm:fillClrLst>
+    <dgm:linClrLst meth="repeat">
+      <a:schemeClr val="accent1"/>
+    </dgm:linClrLst>
+    <dgm:effectClrLst/>
+    <dgm:txLinClrLst/>
+    <dgm:txFillClrLst/>
+    <dgm:txEffectClrLst/>
+  </dgm:styleLbl>
+  <dgm:styleLbl name="node1">
+    <dgm:fillClrLst meth="repeat">
+      <a:schemeClr val="accent1"/>
+    </dgm:fillClrLst>
+    <dgm:linClrLst meth="repeat">
+      <a:schemeClr val="lt1"/>
+    </dgm:linClrLst>
+    <dgm:effectClrLst/>
+    <dgm:txLinClrLst/>
+    <dgm:txFillClrLst/>
+    <dgm:txEffectClrLst/>
+  </dgm:styleLbl>
+  <dgm:styleLbl name="lnNode1">
+    <dgm:fillClrLst meth="repeat">
+      <a:schemeClr val="accent1"/>
+    </dgm:fillClrLst>
+    <dgm:linClrLst meth="repeat">
+      <a:schemeClr val="lt1"/>
+    </dgm:linClrLst>
+    <dgm:effectClrLst/>
+    <dgm:txLinClrLst/>
+    <dgm:txFillClrLst/>
+    <dgm:txEffectClrLst/>
+  </dgm:styleLbl>
+  <dgm:styleLbl name="vennNode1">
+    <dgm:fillClrLst meth="repeat">
+      <a:schemeClr val="accent1">
+        <a:alpha val="50000"/>
+      </a:schemeClr>
+    </dgm:fillClrLst>
+    <dgm:linClrLst meth="repeat">
+      <a:schemeClr val="lt1"/>
+    </dgm:linClrLst>
+    <dgm:effectClrLst/>
+    <dgm:txLinClrLst/>
+    <dgm:txFillClrLst/>
+    <dgm:txEffectClrLst/>
+  </dgm:styleLbl>
+  <dgm:styleLbl name="node2">
+    <dgm:fillClrLst meth="repeat">
+      <a:schemeClr val="accent1"/>
+    </dgm:fillClrLst>
+    <dgm:linClrLst meth="repeat">
+      <a:schemeClr val="lt1"/>
+    </dgm:linClrLst>
+    <dgm:effectClrLst/>
+    <dgm:txLinClrLst/>
+    <dgm:txFillClrLst/>
+    <dgm:txEffectClrLst/>
+  </dgm:styleLbl>
+  <dgm:styleLbl name="node3">
+    <dgm:fillClrLst meth="repeat">
+      <a:schemeClr val="accent1"/>
+    </dgm:fillClrLst>
+    <dgm:linClrLst meth="repeat">
+      <a:schemeClr val="lt1"/>
+    </dgm:linClrLst>
+    <dgm:effectClrLst/>
+    <dgm:txLinClrLst/>
+    <dgm:txFillClrLst/>
+    <dgm:txEffectClrLst/>
+  </dgm:styleLbl>
+  <dgm:styleLbl name="node4">
+    <dgm:fillClrLst meth="repeat">
+      <a:schemeClr val="accent1"/>
+    </dgm:fillClrLst>
+    <dgm:linClrLst meth="repeat">
+      <a:schemeClr val="lt1"/>
+    </dgm:linClrLst>
+    <dgm:effectClrLst/>
+    <dgm:txLinClrLst/>
+    <dgm:txFillClrLst/>
+    <dgm:txEffectClrLst/>
+  </dgm:styleLbl>
+  <dgm:styleLbl name="fgImgPlace1">
+    <dgm:fillClrLst meth="repeat">
+      <a:schemeClr val="accent1">
+        <a:tint val="50000"/>
+      </a:schemeClr>
+    </dgm:fillClrLst>
+    <dgm:linClrLst meth="repeat">
+      <a:schemeClr val="lt1"/>
+    </dgm:linClrLst>
+    <dgm:effectClrLst/>
+    <dgm:txLinClrLst/>
+    <dgm:txFillClrLst meth="repeat">
+      <a:schemeClr val="lt1"/>
+    </dgm:txFillClrLst>
+    <dgm:txEffectClrLst/>
+  </dgm:styleLbl>
+  <dgm:styleLbl name="alignImgPlace1">
+    <dgm:fillClrLst meth="repeat">
+      <a:schemeClr val="accent1">
+        <a:tint val="50000"/>
+      </a:schemeClr>
+    </dgm:fillClrLst>
+    <dgm:linClrLst meth="repeat">
+      <a:schemeClr val="lt1"/>
+    </dgm:linClrLst>
+    <dgm:effectClrLst/>
+    <dgm:txLinClrLst/>
+    <dgm:txFillClrLst meth="repeat">
+      <a:schemeClr val="lt1"/>
+    </dgm:txFillClrLst>
+    <dgm:txEffectClrLst/>
+  </dgm:styleLbl>
+  <dgm:styleLbl name="bgImgPlace1">
+    <dgm:fillClrLst meth="repeat">
+      <a:schemeClr val="accent1">
+        <a:tint val="50000"/>
+      </a:schemeClr>
+    </dgm:fillClrLst>
+    <dgm:linClrLst meth="repeat">
+      <a:schemeClr val="lt1"/>
+    </dgm:linClrLst>
+    <dgm:effectClrLst/>
+    <dgm:txLinClrLst/>
+    <dgm:txFillClrLst meth="repeat">
+      <a:schemeClr val="lt1"/>
+    </dgm:txFillClrLst>
+    <dgm:txEffectClrLst/>
+  </dgm:styleLbl>
+  <dgm:styleLbl name="sibTrans2D1">
+    <dgm:fillClrLst meth="repeat">
+      <a:schemeClr val="accent1">
+        <a:tint val="60000"/>
+      </a:schemeClr>
+    </dgm:fillClrLst>
+    <dgm:linClrLst meth="repeat">
+      <a:schemeClr val="accent1">
+        <a:tint val="60000"/>
+      </a:schemeClr>
+    </dgm:linClrLst>
+    <dgm:effectClrLst/>
+    <dgm:txLinClrLst/>
+    <dgm:txFillClrLst/>
+    <dgm:txEffectClrLst/>
+  </dgm:styleLbl>
+  <dgm:styleLbl name="fgSibTrans2D1">
+    <dgm:fillClrLst meth="repeat">
+      <a:schemeClr val="accent1">
+        <a:tint val="60000"/>
+      </a:schemeClr>
+    </dgm:fillClrLst>
+    <dgm:linClrLst meth="repeat">
+      <a:schemeClr val="accent1">
+        <a:tint val="60000"/>
+      </a:schemeClr>
+    </dgm:linClrLst>
+    <dgm:effectClrLst/>
+    <dgm:txLinClrLst/>
+    <dgm:txFillClrLst/>
+    <dgm:txEffectClrLst/>
+  </dgm:styleLbl>
+  <dgm:styleLbl name="bgSibTrans2D1">
+    <dgm:fillClrLst meth="repeat">
+      <a:schemeClr val="accent1">
+        <a:tint val="60000"/>
+      </a:schemeClr>
+    </dgm:fillClrLst>
+    <dgm:linClrLst meth="repeat">
+      <a:schemeClr val="accent1">
+        <a:tint val="60000"/>
+      </a:schemeClr>
+    </dgm:linClrLst>
+    <dgm:effectClrLst/>
+    <dgm:txLinClrLst/>
+    <dgm:txFillClrLst/>
+    <dgm:txEffectClrLst/>
+  </dgm:styleLbl>
+  <dgm:styleLbl name="sibTrans1D1">
+    <dgm:fillClrLst meth="repeat">
+      <a:schemeClr val="accent1"/>
+    </dgm:fillClrLst>
+    <dgm:linClrLst meth="repeat">
+      <a:schemeClr val="accent1"/>
+    </dgm:linClrLst>
+    <dgm:effectClrLst/>
+    <dgm:txLinClrLst/>
+    <dgm:txFillClrLst meth="repeat">
+      <a:schemeClr val="tx1"/>
+    </dgm:txFillClrLst>
+    <dgm:txEffectClrLst/>
+  </dgm:styleLbl>
+  <dgm:styleLbl name="callout">
+    <dgm:fillClrLst meth="repeat">
+      <a:schemeClr val="accent1"/>
+    </dgm:fillClrLst>
+    <dgm:linClrLst meth="repeat">
+      <a:schemeClr val="accent1">
+        <a:tint val="50000"/>
+      </a:schemeClr>
+    </dgm:linClrLst>
+    <dgm:effectClrLst/>
+    <dgm:txLinClrLst/>
+    <dgm:txFillClrLst meth="repeat">
+      <a:schemeClr val="tx1"/>
+    </dgm:txFillClrLst>
+    <dgm:txEffectClrLst/>
+  </dgm:styleLbl>
+  <dgm:styleLbl name="asst0">
+    <dgm:fillClrLst meth="repeat">
+      <a:schemeClr val="accent1"/>
+    </dgm:fillClrLst>
+    <dgm:linClrLst meth="repeat">
+      <a:schemeClr val="lt1"/>
+    </dgm:linClrLst>
+    <dgm:effectClrLst/>
+    <dgm:txLinClrLst/>
+    <dgm:txFillClrLst/>
+    <dgm:txEffectClrLst/>
+  </dgm:styleLbl>
+  <dgm:styleLbl name="asst1">
+    <dgm:fillClrLst meth="repeat">
+      <a:schemeClr val="accent1"/>
+    </dgm:fillClrLst>
+    <dgm:linClrLst meth="repeat">
+      <a:schemeClr val="lt1"/>
+    </dgm:linClrLst>
+    <dgm:effectClrLst/>
+    <dgm:txLinClrLst/>
+    <dgm:txFillClrLst/>
+    <dgm:txEffectClrLst/>
+  </dgm:styleLbl>
+  <dgm:styleLbl name="asst2">
+    <dgm:fillClrLst meth="repeat">
+      <a:schemeClr val="accent1"/>
+    </dgm:fillClrLst>
+    <dgm:linClrLst meth="repeat">
+      <a:schemeClr val="lt1"/>
+    </dgm:linClrLst>
+    <dgm:effectClrLst/>
+    <dgm:txLinClrLst/>
+    <dgm:txFillClrLst/>
+    <dgm:txEffectClrLst/>
+  </dgm:styleLbl>
+  <dgm:styleLbl name="asst3">
+    <dgm:fillClrLst meth="repeat">
+      <a:schemeClr val="accent1"/>
+    </dgm:fillClrLst>
+    <dgm:linClrLst meth="repeat">
+      <a:schemeClr val="lt1"/>
+    </dgm:linClrLst>
+    <dgm:effectClrLst/>
+    <dgm:txLinClrLst/>
+    <dgm:txFillClrLst/>
+    <dgm:txEffectClrLst/>
+  </dgm:styleLbl>
+  <dgm:styleLbl name="asst4">
+    <dgm:fillClrLst meth="repeat">
+      <a:schemeClr val="accent1"/>
+    </dgm:fillClrLst>
+    <dgm:linClrLst meth="repeat">
+      <a:schemeClr val="lt1"/>
+    </dgm:linClrLst>
+    <dgm:effectClrLst/>
+    <dgm:txLinClrLst/>
+    <dgm:txFillClrLst/>
+    <dgm:txEffectClrLst/>
+  </dgm:styleLbl>
+  <dgm:styleLbl name="parChTrans2D1">
+    <dgm:fillClrLst meth="repeat">
+      <a:schemeClr val="accent1">
+        <a:tint val="60000"/>
+      </a:schemeClr>
+    </dgm:fillClrLst>
+    <dgm:linClrLst meth="repeat">
+      <a:schemeClr val="accent1">
+        <a:tint val="60000"/>
+      </a:schemeClr>
+    </dgm:linClrLst>
+    <dgm:effectClrLst/>
+    <dgm:txLinClrLst/>
+    <dgm:txFillClrLst meth="repeat">
+      <a:schemeClr val="lt1"/>
+    </dgm:txFillClrLst>
+    <dgm:txEffectClrLst/>
+  </dgm:styleLbl>
+  <dgm:styleLbl name="parChTrans2D2">
+    <dgm:fillClrLst meth="repeat">
+      <a:schemeClr val="accent1"/>
+    </dgm:fillClrLst>
+    <dgm:linClrLst meth="repeat">
+      <a:schemeClr val="accent1"/>
+    </dgm:linClrLst>
+    <dgm:effectClrLst/>
+    <dgm:txLinClrLst/>
+    <dgm:txFillClrLst meth="repeat">
+      <a:schemeClr val="lt1"/>
+    </dgm:txFillClrLst>
+    <dgm:txEffectClrLst/>
+  </dgm:styleLbl>
+  <dgm:styleLbl name="parChTrans2D3">
+    <dgm:fillClrLst meth="repeat">
+      <a:schemeClr val="accent1"/>
+    </dgm:fillClrLst>
+    <dgm:linClrLst meth="repeat">
+      <a:schemeClr val="accent1"/>
+    </dgm:linClrLst>
+    <dgm:effectClrLst/>
+    <dgm:txLinClrLst/>
+    <dgm:txFillClrLst meth="repeat">
+      <a:schemeClr val="lt1"/>
+    </dgm:txFillClrLst>
+    <dgm:txEffectClrLst/>
+  </dgm:styleLbl>
+  <dgm:styleLbl name="parChTrans2D4">
+    <dgm:fillClrLst meth="repeat">
+      <a:schemeClr val="accent1"/>
+    </dgm:fillClrLst>
+    <dgm:linClrLst meth="repeat">
+      <a:schemeClr val="accent1"/>
+    </dgm:linClrLst>
+    <dgm:effectClrLst/>
+    <dgm:txLinClrLst/>
+    <dgm:txFillClrLst meth="repeat">
+      <a:schemeClr val="lt1"/>
+    </dgm:txFillClrLst>
+    <dgm:txEffectClrLst/>
+  </dgm:styleLbl>
+  <dgm:styleLbl name="parChTrans1D1">
+    <dgm:fillClrLst meth="repeat">
+      <a:schemeClr val="accent1"/>
+    </dgm:fillClrLst>
+    <dgm:linClrLst meth="repeat">
+      <a:schemeClr val="accent1">
+        <a:shade val="60000"/>
+      </a:schemeClr>
+    </dgm:linClrLst>
+    <dgm:effectClrLst/>
+    <dgm:txLinClrLst/>
+    <dgm:txFillClrLst meth="repeat">
+      <a:schemeClr val="tx1"/>
+    </dgm:txFillClrLst>
+    <dgm:txEffectClrLst/>
+  </dgm:styleLbl>
+  <dgm:styleLbl name="parChTrans1D2">
+    <dgm:fillClrLst meth="repeat">
+      <a:schemeClr val="accent1"/>
+    </dgm:fillClrLst>
+    <dgm:linClrLst meth="repeat">
+      <a:schemeClr val="accent1">
+        <a:shade val="60000"/>
+      </a:schemeClr>
+    </dgm:linClrLst>
+    <dgm:effectClrLst/>
+    <dgm:txLinClrLst/>
+    <dgm:txFillClrLst meth="repeat">
+      <a:schemeClr val="tx1"/>
+    </dgm:txFillClrLst>
+    <dgm:txEffectClrLst/>
+  </dgm:styleLbl>
+  <dgm:styleLbl name="parChTrans1D3">
+    <dgm:fillClrLst meth="repeat">
+      <a:schemeClr val="accent1"/>
+    </dgm:fillClrLst>
+    <dgm:linClrLst meth="repeat">
+      <a:schemeClr val="accent1">
+        <a:shade val="80000"/>
+      </a:schemeClr>
+    </dgm:linClrLst>
+    <dgm:effectClrLst/>
+    <dgm:txLinClrLst/>
+    <dgm:txFillClrLst meth="repeat">
+      <a:schemeClr val="tx1"/>
+    </dgm:txFillClrLst>
+    <dgm:txEffectClrLst/>
+  </dgm:styleLbl>
+  <dgm:styleLbl name="parChTrans1D4">
+    <dgm:fillClrLst meth="repeat">
+      <a:schemeClr val="accent1"/>
+    </dgm:fillClrLst>
+    <dgm:linClrLst meth="repeat">
+      <a:schemeClr val="accent1">
+        <a:shade val="80000"/>
+      </a:schemeClr>
+    </dgm:linClrLst>
+    <dgm:effectClrLst/>
+    <dgm:txLinClrLst/>
+    <dgm:txFillClrLst meth="repeat">
+      <a:schemeClr val="tx1"/>
+    </dgm:txFillClrLst>
+    <dgm:txEffectClrLst/>
+  </dgm:styleLbl>
+  <dgm:styleLbl name="fgAcc1">
+    <dgm:fillClrLst meth="repeat">
+      <a:schemeClr val="lt1">
+        <a:alpha val="90000"/>
+      </a:schemeClr>
+    </dgm:fillClrLst>
+    <dgm:linClrLst meth="repeat">
+      <a:schemeClr val="accent1"/>
+    </dgm:linClrLst>
+    <dgm:effectClrLst/>
+    <dgm:txLinClrLst/>
+    <dgm:txFillClrLst meth="repeat">
+      <a:schemeClr val="dk1"/>
+    </dgm:txFillClrLst>
+    <dgm:txEffectClrLst/>
+  </dgm:styleLbl>
+  <dgm:styleLbl name="conFgAcc1">
+    <dgm:fillClrLst meth="repeat">
+      <a:schemeClr val="lt1">
+        <a:alpha val="90000"/>
+      </a:schemeClr>
+    </dgm:fillClrLst>
+    <dgm:linClrLst meth="repeat">
+      <a:schemeClr val="accent1"/>
+    </dgm:linClrLst>
+    <dgm:effectClrLst/>
+    <dgm:txLinClrLst/>
+    <dgm:txFillClrLst meth="repeat">
+      <a:schemeClr val="dk1"/>
+    </dgm:txFillClrLst>
+    <dgm:txEffectClrLst/>
+  </dgm:styleLbl>
+  <dgm:styleLbl name="alignAcc1">
+    <dgm:fillClrLst meth="repeat">
+      <a:schemeClr val="lt1">
+        <a:alpha val="90000"/>
+      </a:schemeClr>
+    </dgm:fillClrLst>
+    <dgm:linClrLst meth="repeat">
+      <a:schemeClr val="accent1"/>
+    </dgm:linClrLst>
+    <dgm:effectClrLst/>
+    <dgm:txLinClrLst/>
+    <dgm:txFillClrLst meth="repeat">
+      <a:schemeClr val="dk1"/>
+    </dgm:txFillClrLst>
+    <dgm:txEffectClrLst/>
+  </dgm:styleLbl>
+  <dgm:styleLbl name="trAlignAcc1">
+    <dgm:fillClrLst meth="repeat">
+      <a:schemeClr val="lt1">
+        <a:alpha val="40000"/>
+      </a:schemeClr>
+    </dgm:fillClrLst>
+    <dgm:linClrLst meth="repeat">
+      <a:schemeClr val="accent1"/>
+    </dgm:linClrLst>
+    <dgm:effectClrLst/>
+    <dgm:txLinClrLst/>
+    <dgm:txFillClrLst meth="repeat">
+      <a:schemeClr val="dk1"/>
+    </dgm:txFillClrLst>
+    <dgm:txEffectClrLst/>
+  </dgm:styleLbl>
+  <dgm:styleLbl name="bgAcc1">
+    <dgm:fillClrLst meth="repeat">
+      <a:schemeClr val="lt1">
+        <a:alpha val="90000"/>
+      </a:schemeClr>
+    </dgm:fillClrLst>
+    <dgm:linClrLst meth="repeat">
+      <a:schemeClr val="accent1"/>
+    </dgm:linClrLst>
+    <dgm:effectClrLst/>
+    <dgm:txLinClrLst/>
+    <dgm:txFillClrLst meth="repeat">
+      <a:schemeClr val="dk1"/>
+    </dgm:txFillClrLst>
+    <dgm:txEffectClrLst/>
+  </dgm:styleLbl>
+  <dgm:styleLbl name="solidFgAcc1">
+    <dgm:fillClrLst meth="repeat">
+      <a:schemeClr val="lt1"/>
+    </dgm:fillClrLst>
+    <dgm:linClrLst meth="repeat">
+      <a:schemeClr val="accent1"/>
+    </dgm:linClrLst>
+    <dgm:effectClrLst/>
+    <dgm:txLinClrLst/>
+    <dgm:txFillClrLst meth="repeat">
+      <a:schemeClr val="dk1"/>
+    </dgm:txFillClrLst>
+    <dgm:txEffectClrLst/>
+  </dgm:styleLbl>
+  <dgm:styleLbl name="solidAlignAcc1">
+    <dgm:fillClrLst meth="repeat">
+      <a:schemeClr val="lt1"/>
+    </dgm:fillClrLst>
+    <dgm:linClrLst meth="repeat">
+      <a:schemeClr val="accent1"/>
+    </dgm:linClrLst>
+    <dgm:effectClrLst/>
+    <dgm:txLinClrLst/>
+    <dgm:txFillClrLst meth="repeat">
+      <a:schemeClr val="dk1"/>
+    </dgm:txFillClrLst>
+    <dgm:txEffectClrLst/>
+  </dgm:styleLbl>
+  <dgm:styleLbl name="solidBgAcc1">
+    <dgm:fillClrLst meth="repeat">
+      <a:schemeClr val="lt1"/>
+    </dgm:fillClrLst>
+    <dgm:linClrLst meth="repeat">
+      <a:schemeClr val="accent1"/>
+    </dgm:linClrLst>
+    <dgm:effectClrLst/>
+    <dgm:txLinClrLst/>
+    <dgm:txFillClrLst meth="repeat">
+      <a:schemeClr val="dk1"/>
+    </dgm:txFillClrLst>
+    <dgm:txEffectClrLst/>
+  </dgm:styleLbl>
+  <dgm:styleLbl name="fgAccFollowNode1">
+    <dgm:fillClrLst meth="repeat">
+      <a:schemeClr val="accent1">
+        <a:alpha val="90000"/>
+        <a:tint val="40000"/>
+      </a:schemeClr>
+    </dgm:fillClrLst>
+    <dgm:linClrLst meth="repeat">
+      <a:schemeClr val="accent1">
+        <a:alpha val="90000"/>
+        <a:tint val="40000"/>
+      </a:schemeClr>
+    </dgm:linClrLst>
+    <dgm:effectClrLst/>
+    <dgm:txLinClrLst/>
+    <dgm:txFillClrLst meth="repeat">
+      <a:schemeClr val="dk1"/>
+    </dgm:txFillClrLst>
+    <dgm:txEffectClrLst/>
+  </dgm:styleLbl>
+  <dgm:styleLbl name="alignAccFollowNode1">
+    <dgm:fillClrLst meth="repeat">
+      <a:schemeClr val="accent1">
+        <a:alpha val="90000"/>
+        <a:tint val="40000"/>
+      </a:schemeClr>
+    </dgm:fillClrLst>
+    <dgm:linClrLst meth="repeat">
+      <a:schemeClr val="accent1">
+        <a:alpha val="90000"/>
+        <a:tint val="40000"/>
+      </a:schemeClr>
+    </dgm:linClrLst>
+    <dgm:effectClrLst/>
+    <dgm:txLinClrLst/>
+    <dgm:txFillClrLst meth="repeat">
+      <a:schemeClr val="dk1"/>
+    </dgm:txFillClrLst>
+    <dgm:txEffectClrLst/>
+  </dgm:styleLbl>
+  <dgm:styleLbl name="bgAccFollowNode1">
+    <dgm:fillClrLst meth="repeat">
+      <a:schemeClr val="accent1">
+        <a:alpha val="90000"/>
+        <a:tint val="40000"/>
+      </a:schemeClr>
+    </dgm:fillClrLst>
+    <dgm:linClrLst meth="repeat">
+      <a:schemeClr val="accent1">
+        <a:alpha val="90000"/>
+        <a:tint val="40000"/>
+      </a:schemeClr>
+    </dgm:linClrLst>
+    <dgm:effectClrLst/>
+    <dgm:txLinClrLst/>
+    <dgm:txFillClrLst meth="repeat">
+      <a:schemeClr val="dk1"/>
+    </dgm:txFillClrLst>
+    <dgm:txEffectClrLst/>
+  </dgm:styleLbl>
+  <dgm:styleLbl name="fgAcc0">
+    <dgm:fillClrLst meth="repeat">
+      <a:schemeClr val="lt1">
+        <a:alpha val="90000"/>
+      </a:schemeClr>
+    </dgm:fillClrLst>
+    <dgm:linClrLst meth="repeat">
+      <a:schemeClr val="accent1"/>
+    </dgm:linClrLst>
+    <dgm:effectClrLst/>
+    <dgm:txLinClrLst/>
+    <dgm:txFillClrLst meth="repeat">
+      <a:schemeClr val="dk1"/>
+    </dgm:txFillClrLst>
+    <dgm:txEffectClrLst/>
+  </dgm:styleLbl>
+  <dgm:styleLbl name="fgAcc2">
+    <dgm:fillClrLst meth="repeat">
+      <a:schemeClr val="lt1">
+        <a:alpha val="90000"/>
+      </a:schemeClr>
+    </dgm:fillClrLst>
+    <dgm:linClrLst meth="repeat">
+      <a:schemeClr val="accent1"/>
+    </dgm:linClrLst>
+    <dgm:effectClrLst/>
+    <dgm:txLinClrLst/>
+    <dgm:txFillClrLst meth="repeat">
+      <a:schemeClr val="dk1"/>
+    </dgm:txFillClrLst>
+    <dgm:txEffectClrLst/>
+  </dgm:styleLbl>
+  <dgm:styleLbl name="fgAcc3">
+    <dgm:fillClrLst meth="repeat">
+      <a:schemeClr val="lt1">
+        <a:alpha val="90000"/>
+      </a:schemeClr>
+    </dgm:fillClrLst>
+    <dgm:linClrLst meth="repeat">
+      <a:schemeClr val="accent1"/>
+    </dgm:linClrLst>
+    <dgm:effectClrLst/>
+    <dgm:txLinClrLst/>
+    <dgm:txFillClrLst meth="repeat">
+      <a:schemeClr val="dk1"/>
+    </dgm:txFillClrLst>
+    <dgm:txEffectClrLst/>
+  </dgm:styleLbl>
+  <dgm:styleLbl name="fgAcc4">
+    <dgm:fillClrLst meth="repeat">
+      <a:schemeClr val="lt1">
+        <a:alpha val="90000"/>
+      </a:schemeClr>
+    </dgm:fillClrLst>
+    <dgm:linClrLst meth="repeat">
+      <a:schemeClr val="accent1"/>
+    </dgm:linClrLst>
+    <dgm:effectClrLst/>
+    <dgm:txLinClrLst/>
+    <dgm:txFillClrLst meth="repeat">
+      <a:schemeClr val="dk1"/>
+    </dgm:txFillClrLst>
+    <dgm:txEffectClrLst/>
+  </dgm:styleLbl>
+  <dgm:styleLbl name="bgShp">
+    <dgm:fillClrLst meth="repeat">
+      <a:schemeClr val="accent1">
+        <a:tint val="40000"/>
+      </a:schemeClr>
+    </dgm:fillClrLst>
+    <dgm:linClrLst meth="repeat">
+      <a:schemeClr val="accent1"/>
+    </dgm:linClrLst>
+    <dgm:effectClrLst/>
+    <dgm:txLinClrLst/>
+    <dgm:txFillClrLst meth="repeat">
+      <a:schemeClr val="dk1"/>
+    </dgm:txFillClrLst>
+    <dgm:txEffectClrLst/>
+  </dgm:styleLbl>
+  <dgm:styleLbl name="dkBgShp">
+    <dgm:fillClrLst meth="repeat">
+      <a:schemeClr val="accent1">
+        <a:shade val="80000"/>
+      </a:schemeClr>
+    </dgm:fillClrLst>
+    <dgm:linClrLst meth="repeat">
+      <a:schemeClr val="accent1"/>
+    </dgm:linClrLst>
+    <dgm:effectClrLst/>
+    <dgm:txLinClrLst/>
+    <dgm:txFillClrLst meth="repeat">
+      <a:schemeClr val="lt1"/>
+    </dgm:txFillClrLst>
+    <dgm:txEffectClrLst/>
+  </dgm:styleLbl>
+  <dgm:styleLbl name="trBgShp">
+    <dgm:fillClrLst meth="repeat">
+      <a:schemeClr val="accent1">
+        <a:tint val="50000"/>
+        <a:alpha val="40000"/>
+      </a:schemeClr>
+    </dgm:fillClrLst>
+    <dgm:linClrLst meth="repeat">
+      <a:schemeClr val="accent1"/>
+    </dgm:linClrLst>
+    <dgm:effectClrLst/>
+    <dgm:txLinClrLst/>
+    <dgm:txFillClrLst meth="repeat">
+      <a:schemeClr val="lt1"/>
+    </dgm:txFillClrLst>
+    <dgm:txEffectClrLst/>
+  </dgm:styleLbl>
+  <dgm:styleLbl name="fgShp">
+    <dgm:fillClrLst meth="repeat">
+      <a:schemeClr val="accent1">
+        <a:tint val="60000"/>
+      </a:schemeClr>
+    </dgm:fillClrLst>
+    <dgm:linClrLst meth="repeat">
+      <a:schemeClr val="lt1"/>
+    </dgm:linClrLst>
+    <dgm:effectClrLst/>
+    <dgm:txLinClrLst/>
+    <dgm:txFillClrLst meth="repeat">
+      <a:schemeClr val="dk1"/>
+    </dgm:txFillClrLst>
+    <dgm:txEffectClrLst/>
+  </dgm:styleLbl>
+  <dgm:styleLbl name="revTx">
+    <dgm:fillClrLst meth="repeat">
+      <a:schemeClr val="lt1">
+        <a:alpha val="0"/>
+      </a:schemeClr>
+    </dgm:fillClrLst>
+    <dgm:linClrLst meth="repeat">
+      <a:schemeClr val="dk1">
+        <a:alpha val="0"/>
+      </a:schemeClr>
+    </dgm:linClrLst>
+    <dgm:effectClrLst/>
+    <dgm:txLinClrLst/>
+    <dgm:txFillClrLst meth="repeat">
+      <a:schemeClr val="tx1"/>
+    </dgm:txFillClrLst>
+    <dgm:txEffectClrLst/>
+  </dgm:styleLbl>
+</dgm:colorsDef>
+</file>
+
+<file path=ppt/diagrams/data1.xml><?xml version="1.0" encoding="utf-8"?>
+<dgm:dataModel xmlns:dgm="http://schemas.openxmlformats.org/drawingml/2006/diagram" xmlns:a="http://schemas.openxmlformats.org/drawingml/2006/main">
+  <dgm:ptLst>
+    <dgm:pt modelId="{8C6E3653-3A51-4D81-AB43-D5B65C5B88DA}" type="doc">
+      <dgm:prSet loTypeId="urn:microsoft.com/office/officeart/2005/8/layout/chevron2" loCatId="process" qsTypeId="urn:microsoft.com/office/officeart/2005/8/quickstyle/simple1" qsCatId="simple" csTypeId="urn:microsoft.com/office/officeart/2005/8/colors/accent1_2" csCatId="accent1" phldr="0"/>
+      <dgm:spPr/>
+      <dgm:t>
+        <a:bodyPr/>
+        <a:lstStyle/>
+        <a:p>
+          <a:endParaRPr lang="en-US"/>
+        </a:p>
+      </dgm:t>
+    </dgm:pt>
+    <dgm:pt modelId="{B05BEED1-C5BA-46BC-99DD-C5F6BBA0ACEF}">
+      <dgm:prSet phldrT="[Text]" phldr="1"/>
+      <dgm:spPr/>
+      <dgm:t>
+        <a:bodyPr/>
+        <a:lstStyle/>
+        <a:p>
+          <a:endParaRPr lang="en-US"/>
+        </a:p>
+      </dgm:t>
+    </dgm:pt>
+    <dgm:pt modelId="{0C2B1615-4315-484B-BBF5-CAEE9527BC7C}" type="parTrans" cxnId="{3B25F223-019D-47A5-8ACA-03B1FFADFC9B}">
+      <dgm:prSet/>
+      <dgm:spPr/>
+      <dgm:t>
+        <a:bodyPr/>
+        <a:lstStyle/>
+        <a:p>
+          <a:endParaRPr lang="en-US"/>
+        </a:p>
+      </dgm:t>
+    </dgm:pt>
+    <dgm:pt modelId="{4D7882BF-18C7-49B0-B48E-C00C5A502EA5}" type="sibTrans" cxnId="{3B25F223-019D-47A5-8ACA-03B1FFADFC9B}">
+      <dgm:prSet/>
+      <dgm:spPr/>
+      <dgm:t>
+        <a:bodyPr/>
+        <a:lstStyle/>
+        <a:p>
+          <a:endParaRPr lang="en-US"/>
+        </a:p>
+      </dgm:t>
+    </dgm:pt>
+    <dgm:pt modelId="{79B6CBC4-BE77-4C7D-AE24-D4A6F1E340CF}">
+      <dgm:prSet phldrT="[Text]" phldr="1"/>
+      <dgm:spPr/>
+      <dgm:t>
+        <a:bodyPr/>
+        <a:lstStyle/>
+        <a:p>
+          <a:endParaRPr lang="en-US" dirty="0"/>
+        </a:p>
+      </dgm:t>
+    </dgm:pt>
+    <dgm:pt modelId="{AA3275F4-29BF-44C4-840F-E3A23D73964D}" type="parTrans" cxnId="{7D2EA831-183E-4E26-836D-343719BE612E}">
+      <dgm:prSet/>
+      <dgm:spPr/>
+      <dgm:t>
+        <a:bodyPr/>
+        <a:lstStyle/>
+        <a:p>
+          <a:endParaRPr lang="en-US"/>
+        </a:p>
+      </dgm:t>
+    </dgm:pt>
+    <dgm:pt modelId="{A9982A41-C478-42E0-9DF9-927D0E08427D}" type="sibTrans" cxnId="{7D2EA831-183E-4E26-836D-343719BE612E}">
+      <dgm:prSet/>
+      <dgm:spPr/>
+      <dgm:t>
+        <a:bodyPr/>
+        <a:lstStyle/>
+        <a:p>
+          <a:endParaRPr lang="en-US"/>
+        </a:p>
+      </dgm:t>
+    </dgm:pt>
+    <dgm:pt modelId="{7DA534FE-5309-484A-BFE0-052A394A0CDB}">
+      <dgm:prSet phldrT="[Text]" phldr="1"/>
+      <dgm:spPr/>
+      <dgm:t>
+        <a:bodyPr/>
+        <a:lstStyle/>
+        <a:p>
+          <a:endParaRPr lang="en-US"/>
+        </a:p>
+      </dgm:t>
+    </dgm:pt>
+    <dgm:pt modelId="{5FD5553F-F87D-49EB-9CA1-04119FCB6248}" type="parTrans" cxnId="{CCAFC09E-5CA2-442F-A7BC-C24F7BD80021}">
+      <dgm:prSet/>
+      <dgm:spPr/>
+      <dgm:t>
+        <a:bodyPr/>
+        <a:lstStyle/>
+        <a:p>
+          <a:endParaRPr lang="en-US"/>
+        </a:p>
+      </dgm:t>
+    </dgm:pt>
+    <dgm:pt modelId="{84D0CB0B-719C-47A4-957E-A9D73659E594}" type="sibTrans" cxnId="{CCAFC09E-5CA2-442F-A7BC-C24F7BD80021}">
+      <dgm:prSet/>
+      <dgm:spPr/>
+      <dgm:t>
+        <a:bodyPr/>
+        <a:lstStyle/>
+        <a:p>
+          <a:endParaRPr lang="en-US"/>
+        </a:p>
+      </dgm:t>
+    </dgm:pt>
+    <dgm:pt modelId="{7B605533-AB07-4CED-B9E6-3ABE632B9E1E}">
+      <dgm:prSet phldrT="[Text]" phldr="1"/>
+      <dgm:spPr/>
+      <dgm:t>
+        <a:bodyPr/>
+        <a:lstStyle/>
+        <a:p>
+          <a:endParaRPr lang="en-US"/>
+        </a:p>
+      </dgm:t>
+    </dgm:pt>
+    <dgm:pt modelId="{34DEC261-DDE3-4D53-98C5-93A14F8C3101}" type="parTrans" cxnId="{97473A76-E807-483B-AE9B-0E10257E84FE}">
+      <dgm:prSet/>
+      <dgm:spPr/>
+      <dgm:t>
+        <a:bodyPr/>
+        <a:lstStyle/>
+        <a:p>
+          <a:endParaRPr lang="en-US"/>
+        </a:p>
+      </dgm:t>
+    </dgm:pt>
+    <dgm:pt modelId="{A3E2C37A-FD74-45A2-9D07-08610D3B85A2}" type="sibTrans" cxnId="{97473A76-E807-483B-AE9B-0E10257E84FE}">
+      <dgm:prSet/>
+      <dgm:spPr/>
+      <dgm:t>
+        <a:bodyPr/>
+        <a:lstStyle/>
+        <a:p>
+          <a:endParaRPr lang="en-US"/>
+        </a:p>
+      </dgm:t>
+    </dgm:pt>
+    <dgm:pt modelId="{536FAAD4-C0AF-4EC8-93F8-62FF8157D21E}">
+      <dgm:prSet phldrT="[Text]" phldr="1"/>
+      <dgm:spPr/>
+      <dgm:t>
+        <a:bodyPr/>
+        <a:lstStyle/>
+        <a:p>
+          <a:endParaRPr lang="en-US"/>
+        </a:p>
+      </dgm:t>
+    </dgm:pt>
+    <dgm:pt modelId="{6E975ED6-AAEE-4306-89DE-DEF58AF0430C}" type="parTrans" cxnId="{E0020623-799A-41EF-AEF1-7EAACAB83EF9}">
+      <dgm:prSet/>
+      <dgm:spPr/>
+      <dgm:t>
+        <a:bodyPr/>
+        <a:lstStyle/>
+        <a:p>
+          <a:endParaRPr lang="en-US"/>
+        </a:p>
+      </dgm:t>
+    </dgm:pt>
+    <dgm:pt modelId="{E67EF895-94FB-4122-8A42-0EA938FD86A6}" type="sibTrans" cxnId="{E0020623-799A-41EF-AEF1-7EAACAB83EF9}">
+      <dgm:prSet/>
+      <dgm:spPr/>
+      <dgm:t>
+        <a:bodyPr/>
+        <a:lstStyle/>
+        <a:p>
+          <a:endParaRPr lang="en-US"/>
+        </a:p>
+      </dgm:t>
+    </dgm:pt>
+    <dgm:pt modelId="{A8CA1CB6-B2F3-4F86-844F-75B71081F757}">
+      <dgm:prSet phldrT="[Text]" phldr="1"/>
+      <dgm:spPr/>
+      <dgm:t>
+        <a:bodyPr/>
+        <a:lstStyle/>
+        <a:p>
+          <a:endParaRPr lang="en-US"/>
+        </a:p>
+      </dgm:t>
+    </dgm:pt>
+    <dgm:pt modelId="{96B35F63-A3C8-424A-BE25-C0FC240998F8}" type="parTrans" cxnId="{DBCE5A94-7692-4A19-BDC6-B415368EEBB3}">
+      <dgm:prSet/>
+      <dgm:spPr/>
+      <dgm:t>
+        <a:bodyPr/>
+        <a:lstStyle/>
+        <a:p>
+          <a:endParaRPr lang="en-US"/>
+        </a:p>
+      </dgm:t>
+    </dgm:pt>
+    <dgm:pt modelId="{6F18FA37-DCE6-48BE-B0D0-FAC686EAF170}" type="sibTrans" cxnId="{DBCE5A94-7692-4A19-BDC6-B415368EEBB3}">
+      <dgm:prSet/>
+      <dgm:spPr/>
+      <dgm:t>
+        <a:bodyPr/>
+        <a:lstStyle/>
+        <a:p>
+          <a:endParaRPr lang="en-US"/>
+        </a:p>
+      </dgm:t>
+    </dgm:pt>
+    <dgm:pt modelId="{887775F1-6279-4B60-83B9-344BF468D7D6}">
+      <dgm:prSet phldrT="[Text]" phldr="1"/>
+      <dgm:spPr/>
+      <dgm:t>
+        <a:bodyPr/>
+        <a:lstStyle/>
+        <a:p>
+          <a:endParaRPr lang="en-US"/>
+        </a:p>
+      </dgm:t>
+    </dgm:pt>
+    <dgm:pt modelId="{F097A2F6-D1DB-4EBF-B172-E36658B32873}" type="parTrans" cxnId="{836386DD-C904-48C7-A2A8-CD5158670C8B}">
+      <dgm:prSet/>
+      <dgm:spPr/>
+      <dgm:t>
+        <a:bodyPr/>
+        <a:lstStyle/>
+        <a:p>
+          <a:endParaRPr lang="en-US"/>
+        </a:p>
+      </dgm:t>
+    </dgm:pt>
+    <dgm:pt modelId="{9E46EA20-3424-4C58-B3FE-DA3D51239720}" type="sibTrans" cxnId="{836386DD-C904-48C7-A2A8-CD5158670C8B}">
+      <dgm:prSet/>
+      <dgm:spPr/>
+      <dgm:t>
+        <a:bodyPr/>
+        <a:lstStyle/>
+        <a:p>
+          <a:endParaRPr lang="en-US"/>
+        </a:p>
+      </dgm:t>
+    </dgm:pt>
+    <dgm:pt modelId="{67F6D1EA-9150-42BF-8928-AF4CA75E3E7F}">
+      <dgm:prSet phldrT="[Text]" phldr="1"/>
+      <dgm:spPr/>
+      <dgm:t>
+        <a:bodyPr/>
+        <a:lstStyle/>
+        <a:p>
+          <a:endParaRPr lang="en-US"/>
+        </a:p>
+      </dgm:t>
+    </dgm:pt>
+    <dgm:pt modelId="{F2C512DF-EEBF-4481-86DE-2CA5E7101DE7}" type="parTrans" cxnId="{ED2DAE66-521A-466D-8F96-81CCC2F7A9E2}">
+      <dgm:prSet/>
+      <dgm:spPr/>
+      <dgm:t>
+        <a:bodyPr/>
+        <a:lstStyle/>
+        <a:p>
+          <a:endParaRPr lang="en-US"/>
+        </a:p>
+      </dgm:t>
+    </dgm:pt>
+    <dgm:pt modelId="{E7071CA5-03CD-410D-9B18-31F380B30596}" type="sibTrans" cxnId="{ED2DAE66-521A-466D-8F96-81CCC2F7A9E2}">
+      <dgm:prSet/>
+      <dgm:spPr/>
+      <dgm:t>
+        <a:bodyPr/>
+        <a:lstStyle/>
+        <a:p>
+          <a:endParaRPr lang="en-US"/>
+        </a:p>
+      </dgm:t>
+    </dgm:pt>
+    <dgm:pt modelId="{C0BBC64E-8E9F-4179-9B3B-6A62CA2F6E7C}">
+      <dgm:prSet phldrT="[Text]" phldr="1"/>
+      <dgm:spPr/>
+      <dgm:t>
+        <a:bodyPr/>
+        <a:lstStyle/>
+        <a:p>
+          <a:endParaRPr lang="en-US" dirty="0"/>
+        </a:p>
+      </dgm:t>
+    </dgm:pt>
+    <dgm:pt modelId="{42EF3D17-9C8F-4F3B-ACFC-B3768135F973}" type="parTrans" cxnId="{66D2A8F9-A2CE-4812-98EB-4871DB1C007A}">
+      <dgm:prSet/>
+      <dgm:spPr/>
+      <dgm:t>
+        <a:bodyPr/>
+        <a:lstStyle/>
+        <a:p>
+          <a:endParaRPr lang="en-US"/>
+        </a:p>
+      </dgm:t>
+    </dgm:pt>
+    <dgm:pt modelId="{E17CC174-ADA4-41DD-BDBC-376D86CD0378}" type="sibTrans" cxnId="{66D2A8F9-A2CE-4812-98EB-4871DB1C007A}">
+      <dgm:prSet/>
+      <dgm:spPr/>
+      <dgm:t>
+        <a:bodyPr/>
+        <a:lstStyle/>
+        <a:p>
+          <a:endParaRPr lang="en-US"/>
+        </a:p>
+      </dgm:t>
+    </dgm:pt>
+    <dgm:pt modelId="{6F8FAACC-5BBE-407C-93D4-11599E49DE98}" type="pres">
+      <dgm:prSet presAssocID="{8C6E3653-3A51-4D81-AB43-D5B65C5B88DA}" presName="linearFlow" presStyleCnt="0">
+        <dgm:presLayoutVars>
+          <dgm:dir/>
+          <dgm:animLvl val="lvl"/>
+          <dgm:resizeHandles val="exact"/>
+        </dgm:presLayoutVars>
+      </dgm:prSet>
+      <dgm:spPr/>
+    </dgm:pt>
+    <dgm:pt modelId="{52B153B8-8DB8-4438-9D64-BD198CDF892D}" type="pres">
+      <dgm:prSet presAssocID="{B05BEED1-C5BA-46BC-99DD-C5F6BBA0ACEF}" presName="composite" presStyleCnt="0"/>
+      <dgm:spPr/>
+    </dgm:pt>
+    <dgm:pt modelId="{391191C8-0521-451C-95E8-BD41752C1BCC}" type="pres">
+      <dgm:prSet presAssocID="{B05BEED1-C5BA-46BC-99DD-C5F6BBA0ACEF}" presName="parentText" presStyleLbl="alignNode1" presStyleIdx="0" presStyleCnt="3">
+        <dgm:presLayoutVars>
+          <dgm:chMax val="1"/>
+          <dgm:bulletEnabled val="1"/>
+        </dgm:presLayoutVars>
+      </dgm:prSet>
+      <dgm:spPr/>
+    </dgm:pt>
+    <dgm:pt modelId="{471BD463-0299-496C-89FC-1CF6B808BB2E}" type="pres">
+      <dgm:prSet presAssocID="{B05BEED1-C5BA-46BC-99DD-C5F6BBA0ACEF}" presName="descendantText" presStyleLbl="alignAcc1" presStyleIdx="0" presStyleCnt="3">
+        <dgm:presLayoutVars>
+          <dgm:bulletEnabled val="1"/>
+        </dgm:presLayoutVars>
+      </dgm:prSet>
+      <dgm:spPr/>
+    </dgm:pt>
+    <dgm:pt modelId="{A0BEDD58-A4B4-4EBB-8DB5-77BBE5F721A4}" type="pres">
+      <dgm:prSet presAssocID="{4D7882BF-18C7-49B0-B48E-C00C5A502EA5}" presName="sp" presStyleCnt="0"/>
+      <dgm:spPr/>
+    </dgm:pt>
+    <dgm:pt modelId="{0444B48F-E30A-45EA-BBAA-515A4DBDE580}" type="pres">
+      <dgm:prSet presAssocID="{7B605533-AB07-4CED-B9E6-3ABE632B9E1E}" presName="composite" presStyleCnt="0"/>
+      <dgm:spPr/>
+    </dgm:pt>
+    <dgm:pt modelId="{3CBB80AA-BFC2-4378-85F7-4F1F10E0A487}" type="pres">
+      <dgm:prSet presAssocID="{7B605533-AB07-4CED-B9E6-3ABE632B9E1E}" presName="parentText" presStyleLbl="alignNode1" presStyleIdx="1" presStyleCnt="3">
+        <dgm:presLayoutVars>
+          <dgm:chMax val="1"/>
+          <dgm:bulletEnabled val="1"/>
+        </dgm:presLayoutVars>
+      </dgm:prSet>
+      <dgm:spPr/>
+    </dgm:pt>
+    <dgm:pt modelId="{9B243252-D43B-44B1-ABB3-A68237B93428}" type="pres">
+      <dgm:prSet presAssocID="{7B605533-AB07-4CED-B9E6-3ABE632B9E1E}" presName="descendantText" presStyleLbl="alignAcc1" presStyleIdx="1" presStyleCnt="3">
+        <dgm:presLayoutVars>
+          <dgm:bulletEnabled val="1"/>
+        </dgm:presLayoutVars>
+      </dgm:prSet>
+      <dgm:spPr/>
+    </dgm:pt>
+    <dgm:pt modelId="{532B55C5-0AF9-45BD-8E4D-06D531125B63}" type="pres">
+      <dgm:prSet presAssocID="{A3E2C37A-FD74-45A2-9D07-08610D3B85A2}" presName="sp" presStyleCnt="0"/>
+      <dgm:spPr/>
+    </dgm:pt>
+    <dgm:pt modelId="{248E8952-0390-499E-BCBD-BBFC1D6CE00A}" type="pres">
+      <dgm:prSet presAssocID="{887775F1-6279-4B60-83B9-344BF468D7D6}" presName="composite" presStyleCnt="0"/>
+      <dgm:spPr/>
+    </dgm:pt>
+    <dgm:pt modelId="{5C84300A-712E-4BCC-BA48-DDC6914A5B7B}" type="pres">
+      <dgm:prSet presAssocID="{887775F1-6279-4B60-83B9-344BF468D7D6}" presName="parentText" presStyleLbl="alignNode1" presStyleIdx="2" presStyleCnt="3">
+        <dgm:presLayoutVars>
+          <dgm:chMax val="1"/>
+          <dgm:bulletEnabled val="1"/>
+        </dgm:presLayoutVars>
+      </dgm:prSet>
+      <dgm:spPr/>
+    </dgm:pt>
+    <dgm:pt modelId="{DAC2521B-4AA5-444A-93BF-4F1F6E67AB8C}" type="pres">
+      <dgm:prSet presAssocID="{887775F1-6279-4B60-83B9-344BF468D7D6}" presName="descendantText" presStyleLbl="alignAcc1" presStyleIdx="2" presStyleCnt="3">
+        <dgm:presLayoutVars>
+          <dgm:bulletEnabled val="1"/>
+        </dgm:presLayoutVars>
+      </dgm:prSet>
+      <dgm:spPr/>
+    </dgm:pt>
+  </dgm:ptLst>
+  <dgm:cxnLst>
+    <dgm:cxn modelId="{3B25F223-019D-47A5-8ACA-03B1FFADFC9B}" srcId="{8C6E3653-3A51-4D81-AB43-D5B65C5B88DA}" destId="{B05BEED1-C5BA-46BC-99DD-C5F6BBA0ACEF}" srcOrd="0" destOrd="0" parTransId="{0C2B1615-4315-484B-BBF5-CAEE9527BC7C}" sibTransId="{4D7882BF-18C7-49B0-B48E-C00C5A502EA5}"/>
+    <dgm:cxn modelId="{E0020623-799A-41EF-AEF1-7EAACAB83EF9}" srcId="{7B605533-AB07-4CED-B9E6-3ABE632B9E1E}" destId="{536FAAD4-C0AF-4EC8-93F8-62FF8157D21E}" srcOrd="0" destOrd="0" parTransId="{6E975ED6-AAEE-4306-89DE-DEF58AF0430C}" sibTransId="{E67EF895-94FB-4122-8A42-0EA938FD86A6}"/>
+    <dgm:cxn modelId="{CCAFC09E-5CA2-442F-A7BC-C24F7BD80021}" srcId="{B05BEED1-C5BA-46BC-99DD-C5F6BBA0ACEF}" destId="{7DA534FE-5309-484A-BFE0-052A394A0CDB}" srcOrd="1" destOrd="0" parTransId="{5FD5553F-F87D-49EB-9CA1-04119FCB6248}" sibTransId="{84D0CB0B-719C-47A4-957E-A9D73659E594}"/>
+    <dgm:cxn modelId="{A1305AFC-0A2A-4317-9745-B987880CE906}" type="presOf" srcId="{A8CA1CB6-B2F3-4F86-844F-75B71081F757}" destId="{9B243252-D43B-44B1-ABB3-A68237B93428}" srcOrd="0" destOrd="1" presId="urn:microsoft.com/office/officeart/2005/8/layout/chevron2"/>
+    <dgm:cxn modelId="{CB8B7AD1-0EBB-41A7-ADD6-C316173E3417}" type="presOf" srcId="{B05BEED1-C5BA-46BC-99DD-C5F6BBA0ACEF}" destId="{391191C8-0521-451C-95E8-BD41752C1BCC}" srcOrd="0" destOrd="0" presId="urn:microsoft.com/office/officeart/2005/8/layout/chevron2"/>
+    <dgm:cxn modelId="{7D2EA831-183E-4E26-836D-343719BE612E}" srcId="{B05BEED1-C5BA-46BC-99DD-C5F6BBA0ACEF}" destId="{79B6CBC4-BE77-4C7D-AE24-D4A6F1E340CF}" srcOrd="0" destOrd="0" parTransId="{AA3275F4-29BF-44C4-840F-E3A23D73964D}" sibTransId="{A9982A41-C478-42E0-9DF9-927D0E08427D}"/>
+    <dgm:cxn modelId="{ED2DAE66-521A-466D-8F96-81CCC2F7A9E2}" srcId="{887775F1-6279-4B60-83B9-344BF468D7D6}" destId="{67F6D1EA-9150-42BF-8928-AF4CA75E3E7F}" srcOrd="0" destOrd="0" parTransId="{F2C512DF-EEBF-4481-86DE-2CA5E7101DE7}" sibTransId="{E7071CA5-03CD-410D-9B18-31F380B30596}"/>
+    <dgm:cxn modelId="{C3970322-AA66-407B-86EC-6011370A4661}" type="presOf" srcId="{7DA534FE-5309-484A-BFE0-052A394A0CDB}" destId="{471BD463-0299-496C-89FC-1CF6B808BB2E}" srcOrd="0" destOrd="1" presId="urn:microsoft.com/office/officeart/2005/8/layout/chevron2"/>
+    <dgm:cxn modelId="{F18D6FE4-8F5C-4029-B41B-4EFF3EE1AC70}" type="presOf" srcId="{536FAAD4-C0AF-4EC8-93F8-62FF8157D21E}" destId="{9B243252-D43B-44B1-ABB3-A68237B93428}" srcOrd="0" destOrd="0" presId="urn:microsoft.com/office/officeart/2005/8/layout/chevron2"/>
+    <dgm:cxn modelId="{3797E15C-1561-433E-B32D-C6D3B7AA2A49}" type="presOf" srcId="{C0BBC64E-8E9F-4179-9B3B-6A62CA2F6E7C}" destId="{DAC2521B-4AA5-444A-93BF-4F1F6E67AB8C}" srcOrd="0" destOrd="1" presId="urn:microsoft.com/office/officeart/2005/8/layout/chevron2"/>
+    <dgm:cxn modelId="{66D2A8F9-A2CE-4812-98EB-4871DB1C007A}" srcId="{887775F1-6279-4B60-83B9-344BF468D7D6}" destId="{C0BBC64E-8E9F-4179-9B3B-6A62CA2F6E7C}" srcOrd="1" destOrd="0" parTransId="{42EF3D17-9C8F-4F3B-ACFC-B3768135F973}" sibTransId="{E17CC174-ADA4-41DD-BDBC-376D86CD0378}"/>
+    <dgm:cxn modelId="{AAB58ED4-8F91-4F01-A8D1-476D46D531A2}" type="presOf" srcId="{67F6D1EA-9150-42BF-8928-AF4CA75E3E7F}" destId="{DAC2521B-4AA5-444A-93BF-4F1F6E67AB8C}" srcOrd="0" destOrd="0" presId="urn:microsoft.com/office/officeart/2005/8/layout/chevron2"/>
+    <dgm:cxn modelId="{97473A76-E807-483B-AE9B-0E10257E84FE}" srcId="{8C6E3653-3A51-4D81-AB43-D5B65C5B88DA}" destId="{7B605533-AB07-4CED-B9E6-3ABE632B9E1E}" srcOrd="1" destOrd="0" parTransId="{34DEC261-DDE3-4D53-98C5-93A14F8C3101}" sibTransId="{A3E2C37A-FD74-45A2-9D07-08610D3B85A2}"/>
+    <dgm:cxn modelId="{3FD8CDA0-7DD5-49CE-BE84-75A0FBC0649B}" type="presOf" srcId="{8C6E3653-3A51-4D81-AB43-D5B65C5B88DA}" destId="{6F8FAACC-5BBE-407C-93D4-11599E49DE98}" srcOrd="0" destOrd="0" presId="urn:microsoft.com/office/officeart/2005/8/layout/chevron2"/>
+    <dgm:cxn modelId="{DBCE5A94-7692-4A19-BDC6-B415368EEBB3}" srcId="{7B605533-AB07-4CED-B9E6-3ABE632B9E1E}" destId="{A8CA1CB6-B2F3-4F86-844F-75B71081F757}" srcOrd="1" destOrd="0" parTransId="{96B35F63-A3C8-424A-BE25-C0FC240998F8}" sibTransId="{6F18FA37-DCE6-48BE-B0D0-FAC686EAF170}"/>
+    <dgm:cxn modelId="{2F6C0D55-EED2-40C8-A9B1-90FD1CD10D03}" type="presOf" srcId="{7B605533-AB07-4CED-B9E6-3ABE632B9E1E}" destId="{3CBB80AA-BFC2-4378-85F7-4F1F10E0A487}" srcOrd="0" destOrd="0" presId="urn:microsoft.com/office/officeart/2005/8/layout/chevron2"/>
+    <dgm:cxn modelId="{836386DD-C904-48C7-A2A8-CD5158670C8B}" srcId="{8C6E3653-3A51-4D81-AB43-D5B65C5B88DA}" destId="{887775F1-6279-4B60-83B9-344BF468D7D6}" srcOrd="2" destOrd="0" parTransId="{F097A2F6-D1DB-4EBF-B172-E36658B32873}" sibTransId="{9E46EA20-3424-4C58-B3FE-DA3D51239720}"/>
+    <dgm:cxn modelId="{DE47C84E-5056-4A1D-8014-BA7CC5DDC204}" type="presOf" srcId="{887775F1-6279-4B60-83B9-344BF468D7D6}" destId="{5C84300A-712E-4BCC-BA48-DDC6914A5B7B}" srcOrd="0" destOrd="0" presId="urn:microsoft.com/office/officeart/2005/8/layout/chevron2"/>
+    <dgm:cxn modelId="{867E75ED-6B30-4381-815C-82FD5726BD64}" type="presOf" srcId="{79B6CBC4-BE77-4C7D-AE24-D4A6F1E340CF}" destId="{471BD463-0299-496C-89FC-1CF6B808BB2E}" srcOrd="0" destOrd="0" presId="urn:microsoft.com/office/officeart/2005/8/layout/chevron2"/>
+    <dgm:cxn modelId="{59768176-9888-4022-A48C-6A461FFB1C51}" type="presParOf" srcId="{6F8FAACC-5BBE-407C-93D4-11599E49DE98}" destId="{52B153B8-8DB8-4438-9D64-BD198CDF892D}" srcOrd="0" destOrd="0" presId="urn:microsoft.com/office/officeart/2005/8/layout/chevron2"/>
+    <dgm:cxn modelId="{8E4696DB-8D84-4704-A9BC-C3DD73408BFA}" type="presParOf" srcId="{52B153B8-8DB8-4438-9D64-BD198CDF892D}" destId="{391191C8-0521-451C-95E8-BD41752C1BCC}" srcOrd="0" destOrd="0" presId="urn:microsoft.com/office/officeart/2005/8/layout/chevron2"/>
+    <dgm:cxn modelId="{823734A5-AB25-4F9F-ABA3-C7A93067B3CE}" type="presParOf" srcId="{52B153B8-8DB8-4438-9D64-BD198CDF892D}" destId="{471BD463-0299-496C-89FC-1CF6B808BB2E}" srcOrd="1" destOrd="0" presId="urn:microsoft.com/office/officeart/2005/8/layout/chevron2"/>
+    <dgm:cxn modelId="{CEDAA4AF-77E9-42A1-8E43-708A0B7A2BC1}" type="presParOf" srcId="{6F8FAACC-5BBE-407C-93D4-11599E49DE98}" destId="{A0BEDD58-A4B4-4EBB-8DB5-77BBE5F721A4}" srcOrd="1" destOrd="0" presId="urn:microsoft.com/office/officeart/2005/8/layout/chevron2"/>
+    <dgm:cxn modelId="{E68C4004-5596-4F5F-ABEA-4BDEB5CE9090}" type="presParOf" srcId="{6F8FAACC-5BBE-407C-93D4-11599E49DE98}" destId="{0444B48F-E30A-45EA-BBAA-515A4DBDE580}" srcOrd="2" destOrd="0" presId="urn:microsoft.com/office/officeart/2005/8/layout/chevron2"/>
+    <dgm:cxn modelId="{D538045B-81EF-4D90-8F42-58F99D7AF32B}" type="presParOf" srcId="{0444B48F-E30A-45EA-BBAA-515A4DBDE580}" destId="{3CBB80AA-BFC2-4378-85F7-4F1F10E0A487}" srcOrd="0" destOrd="0" presId="urn:microsoft.com/office/officeart/2005/8/layout/chevron2"/>
+    <dgm:cxn modelId="{AEB3E396-AC11-440E-9683-06ABE21CC266}" type="presParOf" srcId="{0444B48F-E30A-45EA-BBAA-515A4DBDE580}" destId="{9B243252-D43B-44B1-ABB3-A68237B93428}" srcOrd="1" destOrd="0" presId="urn:microsoft.com/office/officeart/2005/8/layout/chevron2"/>
+    <dgm:cxn modelId="{10391A14-6A0F-44CF-A9C3-B202DA43A97A}" type="presParOf" srcId="{6F8FAACC-5BBE-407C-93D4-11599E49DE98}" destId="{532B55C5-0AF9-45BD-8E4D-06D531125B63}" srcOrd="3" destOrd="0" presId="urn:microsoft.com/office/officeart/2005/8/layout/chevron2"/>
+    <dgm:cxn modelId="{5D9D19F0-7703-4481-8FD4-400E22D9DFD7}" type="presParOf" srcId="{6F8FAACC-5BBE-407C-93D4-11599E49DE98}" destId="{248E8952-0390-499E-BCBD-BBFC1D6CE00A}" srcOrd="4" destOrd="0" presId="urn:microsoft.com/office/officeart/2005/8/layout/chevron2"/>
+    <dgm:cxn modelId="{C7D12C2A-312E-4468-A577-5B273F50F022}" type="presParOf" srcId="{248E8952-0390-499E-BCBD-BBFC1D6CE00A}" destId="{5C84300A-712E-4BCC-BA48-DDC6914A5B7B}" srcOrd="0" destOrd="0" presId="urn:microsoft.com/office/officeart/2005/8/layout/chevron2"/>
+    <dgm:cxn modelId="{441B5061-D0DA-489C-BB90-01149F6F1504}" type="presParOf" srcId="{248E8952-0390-499E-BCBD-BBFC1D6CE00A}" destId="{DAC2521B-4AA5-444A-93BF-4F1F6E67AB8C}" srcOrd="1" destOrd="0" presId="urn:microsoft.com/office/officeart/2005/8/layout/chevron2"/>
+  </dgm:cxnLst>
+  <dgm:bg/>
+  <dgm:whole/>
+  <dgm:extLst>
+    <a:ext uri="http://schemas.microsoft.com/office/drawing/2008/diagram">
+      <dsp:dataModelExt xmlns:dsp="http://schemas.microsoft.com/office/drawing/2008/diagram" relId="rId6" minVer="http://schemas.openxmlformats.org/drawingml/2006/diagram"/>
+    </a:ext>
+  </dgm:extLst>
+</dgm:dataModel>
+</file>
+
+<file path=ppt/diagrams/drawing1.xml><?xml version="1.0" encoding="utf-8"?>
+<dsp:drawing xmlns:dgm="http://schemas.openxmlformats.org/drawingml/2006/diagram" xmlns:dsp="http://schemas.microsoft.com/office/drawing/2008/diagram" xmlns:a="http://schemas.openxmlformats.org/drawingml/2006/main">
+  <dsp:spTree>
+    <dsp:nvGrpSpPr>
+      <dsp:cNvPr id="0" name=""/>
+      <dsp:cNvGrpSpPr/>
+    </dsp:nvGrpSpPr>
+    <dsp:grpSpPr/>
+    <dsp:sp modelId="{391191C8-0521-451C-95E8-BD41752C1BCC}">
+      <dsp:nvSpPr>
+        <dsp:cNvPr id="0" name=""/>
+        <dsp:cNvSpPr/>
+      </dsp:nvSpPr>
+      <dsp:spPr>
+        <a:xfrm rot="5400000">
+          <a:off x="-252427" y="253298"/>
+          <a:ext cx="1682849" cy="1177994"/>
+        </a:xfrm>
+        <a:prstGeom prst="chevron">
+          <a:avLst/>
+        </a:prstGeom>
+        <a:solidFill>
+          <a:schemeClr val="accent1">
+            <a:hueOff val="0"/>
+            <a:satOff val="0"/>
+            <a:lumOff val="0"/>
+            <a:alphaOff val="0"/>
+          </a:schemeClr>
+        </a:solidFill>
+        <a:ln w="12700" cap="flat" cmpd="sng" algn="ctr">
+          <a:solidFill>
+            <a:schemeClr val="accent1">
+              <a:hueOff val="0"/>
+              <a:satOff val="0"/>
+              <a:lumOff val="0"/>
+              <a:alphaOff val="0"/>
+            </a:schemeClr>
+          </a:solidFill>
+          <a:prstDash val="solid"/>
+          <a:miter lim="800000"/>
+        </a:ln>
+        <a:effectLst/>
+      </dsp:spPr>
+      <dsp:style>
+        <a:lnRef idx="2">
+          <a:scrgbClr r="0" g="0" b="0"/>
+        </a:lnRef>
+        <a:fillRef idx="1">
+          <a:scrgbClr r="0" g="0" b="0"/>
+        </a:fillRef>
+        <a:effectRef idx="0">
+          <a:scrgbClr r="0" g="0" b="0"/>
+        </a:effectRef>
+        <a:fontRef idx="minor">
+          <a:schemeClr val="lt1"/>
+        </a:fontRef>
+      </dsp:style>
+      <dsp:txBody>
+        <a:bodyPr spcFirstLastPara="0" vert="horz" wrap="square" lIns="20955" tIns="20955" rIns="20955" bIns="20955" numCol="1" spcCol="1270" anchor="ctr" anchorCtr="0">
+          <a:noAutofit/>
+        </a:bodyPr>
+        <a:lstStyle/>
+        <a:p>
+          <a:pPr lvl="0" algn="ctr" defTabSz="1466850">
+            <a:lnSpc>
+              <a:spcPct val="90000"/>
+            </a:lnSpc>
+            <a:spcBef>
+              <a:spcPct val="0"/>
+            </a:spcBef>
+            <a:spcAft>
+              <a:spcPct val="35000"/>
+            </a:spcAft>
+          </a:pPr>
+          <a:endParaRPr lang="en-US" sz="3300" kern="1200"/>
+        </a:p>
+      </dsp:txBody>
+      <dsp:txXfrm rot="-5400000">
+        <a:off x="1" y="589867"/>
+        <a:ext cx="1177994" cy="504855"/>
+      </dsp:txXfrm>
+    </dsp:sp>
+    <dsp:sp modelId="{471BD463-0299-496C-89FC-1CF6B808BB2E}">
+      <dsp:nvSpPr>
+        <dsp:cNvPr id="0" name=""/>
+        <dsp:cNvSpPr/>
+      </dsp:nvSpPr>
+      <dsp:spPr>
+        <a:xfrm rot="5400000">
+          <a:off x="3243902" y="-2065035"/>
+          <a:ext cx="1093852" cy="5225667"/>
+        </a:xfrm>
+        <a:prstGeom prst="round2SameRect">
+          <a:avLst/>
+        </a:prstGeom>
+        <a:solidFill>
+          <a:schemeClr val="lt1">
+            <a:alpha val="90000"/>
+            <a:hueOff val="0"/>
+            <a:satOff val="0"/>
+            <a:lumOff val="0"/>
+            <a:alphaOff val="0"/>
+          </a:schemeClr>
+        </a:solidFill>
+        <a:ln w="12700" cap="flat" cmpd="sng" algn="ctr">
+          <a:solidFill>
+            <a:schemeClr val="accent1">
+              <a:hueOff val="0"/>
+              <a:satOff val="0"/>
+              <a:lumOff val="0"/>
+              <a:alphaOff val="0"/>
+            </a:schemeClr>
+          </a:solidFill>
+          <a:prstDash val="solid"/>
+          <a:miter lim="800000"/>
+        </a:ln>
+        <a:effectLst/>
+      </dsp:spPr>
+      <dsp:style>
+        <a:lnRef idx="2">
+          <a:scrgbClr r="0" g="0" b="0"/>
+        </a:lnRef>
+        <a:fillRef idx="1">
+          <a:scrgbClr r="0" g="0" b="0"/>
+        </a:fillRef>
+        <a:effectRef idx="0">
+          <a:scrgbClr r="0" g="0" b="0"/>
+        </a:effectRef>
+        <a:fontRef idx="minor"/>
+      </dsp:style>
+      <dsp:txBody>
+        <a:bodyPr spcFirstLastPara="0" vert="horz" wrap="square" lIns="220472" tIns="19685" rIns="19685" bIns="19685" numCol="1" spcCol="1270" anchor="ctr" anchorCtr="0">
+          <a:noAutofit/>
+        </a:bodyPr>
+        <a:lstStyle/>
+        <a:p>
+          <a:pPr marL="285750" lvl="1" indent="-285750" algn="l" defTabSz="1377950">
+            <a:lnSpc>
+              <a:spcPct val="90000"/>
+            </a:lnSpc>
+            <a:spcBef>
+              <a:spcPct val="0"/>
+            </a:spcBef>
+            <a:spcAft>
+              <a:spcPct val="15000"/>
+            </a:spcAft>
+            <a:buChar char="••"/>
+          </a:pPr>
+          <a:endParaRPr lang="en-US" sz="3100" kern="1200"/>
+        </a:p>
+        <a:p>
+          <a:pPr marL="285750" lvl="1" indent="-285750" algn="l" defTabSz="1377950">
+            <a:lnSpc>
+              <a:spcPct val="90000"/>
+            </a:lnSpc>
+            <a:spcBef>
+              <a:spcPct val="0"/>
+            </a:spcBef>
+            <a:spcAft>
+              <a:spcPct val="15000"/>
+            </a:spcAft>
+            <a:buChar char="••"/>
+          </a:pPr>
+          <a:endParaRPr lang="en-US" sz="3100" kern="1200" dirty="0"/>
+        </a:p>
+      </dsp:txBody>
+      <dsp:txXfrm rot="-5400000">
+        <a:off x="1177995" y="54269"/>
+        <a:ext cx="5172270" cy="987058"/>
+      </dsp:txXfrm>
+    </dsp:sp>
+    <dsp:sp modelId="{3CBB80AA-BFC2-4378-85F7-4F1F10E0A487}">
+      <dsp:nvSpPr>
+        <dsp:cNvPr id="0" name=""/>
+        <dsp:cNvSpPr/>
+      </dsp:nvSpPr>
+      <dsp:spPr>
+        <a:xfrm rot="5400000">
+          <a:off x="-252427" y="1742854"/>
+          <a:ext cx="1682849" cy="1177994"/>
+        </a:xfrm>
+        <a:prstGeom prst="chevron">
+          <a:avLst/>
+        </a:prstGeom>
+        <a:solidFill>
+          <a:schemeClr val="accent1">
+            <a:hueOff val="0"/>
+            <a:satOff val="0"/>
+            <a:lumOff val="0"/>
+            <a:alphaOff val="0"/>
+          </a:schemeClr>
+        </a:solidFill>
+        <a:ln w="12700" cap="flat" cmpd="sng" algn="ctr">
+          <a:solidFill>
+            <a:schemeClr val="accent1">
+              <a:hueOff val="0"/>
+              <a:satOff val="0"/>
+              <a:lumOff val="0"/>
+              <a:alphaOff val="0"/>
+            </a:schemeClr>
+          </a:solidFill>
+          <a:prstDash val="solid"/>
+          <a:miter lim="800000"/>
+        </a:ln>
+        <a:effectLst/>
+      </dsp:spPr>
+      <dsp:style>
+        <a:lnRef idx="2">
+          <a:scrgbClr r="0" g="0" b="0"/>
+        </a:lnRef>
+        <a:fillRef idx="1">
+          <a:scrgbClr r="0" g="0" b="0"/>
+        </a:fillRef>
+        <a:effectRef idx="0">
+          <a:scrgbClr r="0" g="0" b="0"/>
+        </a:effectRef>
+        <a:fontRef idx="minor">
+          <a:schemeClr val="lt1"/>
+        </a:fontRef>
+      </dsp:style>
+      <dsp:txBody>
+        <a:bodyPr spcFirstLastPara="0" vert="horz" wrap="square" lIns="20955" tIns="20955" rIns="20955" bIns="20955" numCol="1" spcCol="1270" anchor="ctr" anchorCtr="0">
+          <a:noAutofit/>
+        </a:bodyPr>
+        <a:lstStyle/>
+        <a:p>
+          <a:pPr lvl="0" algn="ctr" defTabSz="1466850">
+            <a:lnSpc>
+              <a:spcPct val="90000"/>
+            </a:lnSpc>
+            <a:spcBef>
+              <a:spcPct val="0"/>
+            </a:spcBef>
+            <a:spcAft>
+              <a:spcPct val="35000"/>
+            </a:spcAft>
+          </a:pPr>
+          <a:endParaRPr lang="en-US" sz="3300" kern="1200"/>
+        </a:p>
+      </dsp:txBody>
+      <dsp:txXfrm rot="-5400000">
+        <a:off x="1" y="2079423"/>
+        <a:ext cx="1177994" cy="504855"/>
+      </dsp:txXfrm>
+    </dsp:sp>
+    <dsp:sp modelId="{9B243252-D43B-44B1-ABB3-A68237B93428}">
+      <dsp:nvSpPr>
+        <dsp:cNvPr id="0" name=""/>
+        <dsp:cNvSpPr/>
+      </dsp:nvSpPr>
+      <dsp:spPr>
+        <a:xfrm rot="5400000">
+          <a:off x="3243902" y="-575480"/>
+          <a:ext cx="1093852" cy="5225667"/>
+        </a:xfrm>
+        <a:prstGeom prst="round2SameRect">
+          <a:avLst/>
+        </a:prstGeom>
+        <a:solidFill>
+          <a:schemeClr val="lt1">
+            <a:alpha val="90000"/>
+            <a:hueOff val="0"/>
+            <a:satOff val="0"/>
+            <a:lumOff val="0"/>
+            <a:alphaOff val="0"/>
+          </a:schemeClr>
+        </a:solidFill>
+        <a:ln w="12700" cap="flat" cmpd="sng" algn="ctr">
+          <a:solidFill>
+            <a:schemeClr val="accent1">
+              <a:hueOff val="0"/>
+              <a:satOff val="0"/>
+              <a:lumOff val="0"/>
+              <a:alphaOff val="0"/>
+            </a:schemeClr>
+          </a:solidFill>
+          <a:prstDash val="solid"/>
+          <a:miter lim="800000"/>
+        </a:ln>
+        <a:effectLst/>
+      </dsp:spPr>
+      <dsp:style>
+        <a:lnRef idx="2">
+          <a:scrgbClr r="0" g="0" b="0"/>
+        </a:lnRef>
+        <a:fillRef idx="1">
+          <a:scrgbClr r="0" g="0" b="0"/>
+        </a:fillRef>
+        <a:effectRef idx="0">
+          <a:scrgbClr r="0" g="0" b="0"/>
+        </a:effectRef>
+        <a:fontRef idx="minor"/>
+      </dsp:style>
+      <dsp:txBody>
+        <a:bodyPr spcFirstLastPara="0" vert="horz" wrap="square" lIns="220472" tIns="19685" rIns="19685" bIns="19685" numCol="1" spcCol="1270" anchor="ctr" anchorCtr="0">
+          <a:noAutofit/>
+        </a:bodyPr>
+        <a:lstStyle/>
+        <a:p>
+          <a:pPr marL="285750" lvl="1" indent="-285750" algn="l" defTabSz="1377950">
+            <a:lnSpc>
+              <a:spcPct val="90000"/>
+            </a:lnSpc>
+            <a:spcBef>
+              <a:spcPct val="0"/>
+            </a:spcBef>
+            <a:spcAft>
+              <a:spcPct val="15000"/>
+            </a:spcAft>
+            <a:buChar char="••"/>
+          </a:pPr>
+          <a:endParaRPr lang="en-US" sz="3100" kern="1200"/>
+        </a:p>
+        <a:p>
+          <a:pPr marL="285750" lvl="1" indent="-285750" algn="l" defTabSz="1377950">
+            <a:lnSpc>
+              <a:spcPct val="90000"/>
+            </a:lnSpc>
+            <a:spcBef>
+              <a:spcPct val="0"/>
+            </a:spcBef>
+            <a:spcAft>
+              <a:spcPct val="15000"/>
+            </a:spcAft>
+            <a:buChar char="••"/>
+          </a:pPr>
+          <a:endParaRPr lang="en-US" sz="3100" kern="1200"/>
+        </a:p>
+      </dsp:txBody>
+      <dsp:txXfrm rot="-5400000">
+        <a:off x="1177995" y="1543824"/>
+        <a:ext cx="5172270" cy="987058"/>
+      </dsp:txXfrm>
+    </dsp:sp>
+    <dsp:sp modelId="{5C84300A-712E-4BCC-BA48-DDC6914A5B7B}">
+      <dsp:nvSpPr>
+        <dsp:cNvPr id="0" name=""/>
+        <dsp:cNvSpPr/>
+      </dsp:nvSpPr>
+      <dsp:spPr>
+        <a:xfrm rot="5400000">
+          <a:off x="-252427" y="3232409"/>
+          <a:ext cx="1682849" cy="1177994"/>
+        </a:xfrm>
+        <a:prstGeom prst="chevron">
+          <a:avLst/>
+        </a:prstGeom>
+        <a:solidFill>
+          <a:schemeClr val="accent1">
+            <a:hueOff val="0"/>
+            <a:satOff val="0"/>
+            <a:lumOff val="0"/>
+            <a:alphaOff val="0"/>
+          </a:schemeClr>
+        </a:solidFill>
+        <a:ln w="12700" cap="flat" cmpd="sng" algn="ctr">
+          <a:solidFill>
+            <a:schemeClr val="accent1">
+              <a:hueOff val="0"/>
+              <a:satOff val="0"/>
+              <a:lumOff val="0"/>
+              <a:alphaOff val="0"/>
+            </a:schemeClr>
+          </a:solidFill>
+          <a:prstDash val="solid"/>
+          <a:miter lim="800000"/>
+        </a:ln>
+        <a:effectLst/>
+      </dsp:spPr>
+      <dsp:style>
+        <a:lnRef idx="2">
+          <a:scrgbClr r="0" g="0" b="0"/>
+        </a:lnRef>
+        <a:fillRef idx="1">
+          <a:scrgbClr r="0" g="0" b="0"/>
+        </a:fillRef>
+        <a:effectRef idx="0">
+          <a:scrgbClr r="0" g="0" b="0"/>
+        </a:effectRef>
+        <a:fontRef idx="minor">
+          <a:schemeClr val="lt1"/>
+        </a:fontRef>
+      </dsp:style>
+      <dsp:txBody>
+        <a:bodyPr spcFirstLastPara="0" vert="horz" wrap="square" lIns="20955" tIns="20955" rIns="20955" bIns="20955" numCol="1" spcCol="1270" anchor="ctr" anchorCtr="0">
+          <a:noAutofit/>
+        </a:bodyPr>
+        <a:lstStyle/>
+        <a:p>
+          <a:pPr lvl="0" algn="ctr" defTabSz="1466850">
+            <a:lnSpc>
+              <a:spcPct val="90000"/>
+            </a:lnSpc>
+            <a:spcBef>
+              <a:spcPct val="0"/>
+            </a:spcBef>
+            <a:spcAft>
+              <a:spcPct val="35000"/>
+            </a:spcAft>
+          </a:pPr>
+          <a:endParaRPr lang="en-US" sz="3300" kern="1200"/>
+        </a:p>
+      </dsp:txBody>
+      <dsp:txXfrm rot="-5400000">
+        <a:off x="1" y="3568978"/>
+        <a:ext cx="1177994" cy="504855"/>
+      </dsp:txXfrm>
+    </dsp:sp>
+    <dsp:sp modelId="{DAC2521B-4AA5-444A-93BF-4F1F6E67AB8C}">
+      <dsp:nvSpPr>
+        <dsp:cNvPr id="0" name=""/>
+        <dsp:cNvSpPr/>
+      </dsp:nvSpPr>
+      <dsp:spPr>
+        <a:xfrm rot="5400000">
+          <a:off x="3243902" y="914074"/>
+          <a:ext cx="1093852" cy="5225667"/>
+        </a:xfrm>
+        <a:prstGeom prst="round2SameRect">
+          <a:avLst/>
+        </a:prstGeom>
+        <a:solidFill>
+          <a:schemeClr val="lt1">
+            <a:alpha val="90000"/>
+            <a:hueOff val="0"/>
+            <a:satOff val="0"/>
+            <a:lumOff val="0"/>
+            <a:alphaOff val="0"/>
+          </a:schemeClr>
+        </a:solidFill>
+        <a:ln w="12700" cap="flat" cmpd="sng" algn="ctr">
+          <a:solidFill>
+            <a:schemeClr val="accent1">
+              <a:hueOff val="0"/>
+              <a:satOff val="0"/>
+              <a:lumOff val="0"/>
+              <a:alphaOff val="0"/>
+            </a:schemeClr>
+          </a:solidFill>
+          <a:prstDash val="solid"/>
+          <a:miter lim="800000"/>
+        </a:ln>
+        <a:effectLst/>
+      </dsp:spPr>
+      <dsp:style>
+        <a:lnRef idx="2">
+          <a:scrgbClr r="0" g="0" b="0"/>
+        </a:lnRef>
+        <a:fillRef idx="1">
+          <a:scrgbClr r="0" g="0" b="0"/>
+        </a:fillRef>
+        <a:effectRef idx="0">
+          <a:scrgbClr r="0" g="0" b="0"/>
+        </a:effectRef>
+        <a:fontRef idx="minor"/>
+      </dsp:style>
+      <dsp:txBody>
+        <a:bodyPr spcFirstLastPara="0" vert="horz" wrap="square" lIns="220472" tIns="19685" rIns="19685" bIns="19685" numCol="1" spcCol="1270" anchor="ctr" anchorCtr="0">
+          <a:noAutofit/>
+        </a:bodyPr>
+        <a:lstStyle/>
+        <a:p>
+          <a:pPr marL="285750" lvl="1" indent="-285750" algn="l" defTabSz="1377950">
+            <a:lnSpc>
+              <a:spcPct val="90000"/>
+            </a:lnSpc>
+            <a:spcBef>
+              <a:spcPct val="0"/>
+            </a:spcBef>
+            <a:spcAft>
+              <a:spcPct val="15000"/>
+            </a:spcAft>
+            <a:buChar char="••"/>
+          </a:pPr>
+          <a:endParaRPr lang="en-US" sz="3100" kern="1200"/>
+        </a:p>
+        <a:p>
+          <a:pPr marL="285750" lvl="1" indent="-285750" algn="l" defTabSz="1377950">
+            <a:lnSpc>
+              <a:spcPct val="90000"/>
+            </a:lnSpc>
+            <a:spcBef>
+              <a:spcPct val="0"/>
+            </a:spcBef>
+            <a:spcAft>
+              <a:spcPct val="15000"/>
+            </a:spcAft>
+            <a:buChar char="••"/>
+          </a:pPr>
+          <a:endParaRPr lang="en-US" sz="3100" kern="1200" dirty="0"/>
+        </a:p>
+      </dsp:txBody>
+      <dsp:txXfrm rot="-5400000">
+        <a:off x="1177995" y="3033379"/>
+        <a:ext cx="5172270" cy="987058"/>
+      </dsp:txXfrm>
+    </dsp:sp>
+  </dsp:spTree>
+</dsp:drawing>
+</file>
+
+<file path=ppt/diagrams/layout1.xml><?xml version="1.0" encoding="utf-8"?>
+<dgm:layoutDef xmlns:dgm="http://schemas.openxmlformats.org/drawingml/2006/diagram" xmlns:a="http://schemas.openxmlformats.org/drawingml/2006/main" uniqueId="urn:microsoft.com/office/officeart/2005/8/layout/chevron2">
+  <dgm:title val=""/>
+  <dgm:desc val=""/>
+  <dgm:catLst>
+    <dgm:cat type="process" pri="12000"/>
+    <dgm:cat type="list" pri="16000"/>
+    <dgm:cat type="convert" pri="11000"/>
+  </dgm:catLst>
+  <dgm:sampData>
+    <dgm:dataModel>
+      <dgm:ptLst>
+        <dgm:pt modelId="0" type="doc"/>
+        <dgm:pt modelId="1">
+          <dgm:prSet phldr="1"/>
+        </dgm:pt>
+        <dgm:pt modelId="11">
+          <dgm:prSet phldr="1"/>
+        </dgm:pt>
+        <dgm:pt modelId="12">
+          <dgm:prSet phldr="1"/>
+        </dgm:pt>
+        <dgm:pt modelId="2">
+          <dgm:prSet phldr="1"/>
+        </dgm:pt>
+        <dgm:pt modelId="21">
+          <dgm:prSet phldr="1"/>
+        </dgm:pt>
+        <dgm:pt modelId="22">
+          <dgm:prSet phldr="1"/>
+        </dgm:pt>
+        <dgm:pt modelId="3">
+          <dgm:prSet phldr="1"/>
+        </dgm:pt>
+        <dgm:pt modelId="31">
+          <dgm:prSet phldr="1"/>
+        </dgm:pt>
+        <dgm:pt modelId="32">
+          <dgm:prSet phldr="1"/>
+        </dgm:pt>
+      </dgm:ptLst>
+      <dgm:cxnLst>
+        <dgm:cxn modelId="4" srcId="0" destId="1" srcOrd="0" destOrd="0"/>
+        <dgm:cxn modelId="5" srcId="0" destId="2" srcOrd="1" destOrd="0"/>
+        <dgm:cxn modelId="6" srcId="0" destId="3" srcOrd="2" destOrd="0"/>
+        <dgm:cxn modelId="13" srcId="1" destId="11" srcOrd="0" destOrd="0"/>
+        <dgm:cxn modelId="14" srcId="1" destId="12" srcOrd="1" destOrd="0"/>
+        <dgm:cxn modelId="23" srcId="2" destId="21" srcOrd="0" destOrd="0"/>
+        <dgm:cxn modelId="24" srcId="2" destId="22" srcOrd="1" destOrd="0"/>
+        <dgm:cxn modelId="33" srcId="3" destId="31" srcOrd="0" destOrd="0"/>
+        <dgm:cxn modelId="34" srcId="3" destId="32" srcOrd="1" destOrd="0"/>
+      </dgm:cxnLst>
+      <dgm:bg/>
+      <dgm:whole/>
+    </dgm:dataModel>
+  </dgm:sampData>
+  <dgm:styleData>
+    <dgm:dataModel>
+      <dgm:ptLst>
+        <dgm:pt modelId="0" type="doc"/>
+        <dgm:pt modelId="1"/>
+      </dgm:ptLst>
+      <dgm:cxnLst>
+        <dgm:cxn modelId="4" srcId="0" destId="1" srcOrd="0" destOrd="0"/>
+      </dgm:cxnLst>
+      <dgm:bg/>
+      <dgm:whole/>
+    </dgm:dataModel>
+  </dgm:styleData>
+  <dgm:clrData>
+    <dgm:dataModel>
+      <dgm:ptLst>
+        <dgm:pt modelId="0" type="doc"/>
+        <dgm:pt modelId="1"/>
+        <dgm:pt modelId="11"/>
+        <dgm:pt modelId="2"/>
+        <dgm:pt modelId="21"/>
+        <dgm:pt modelId="3"/>
+        <dgm:pt modelId="31"/>
+        <dgm:pt modelId="4"/>
+        <dgm:pt modelId="41"/>
+      </dgm:ptLst>
+      <dgm:cxnLst>
+        <dgm:cxn modelId="5" srcId="0" destId="1" srcOrd="0" destOrd="0"/>
+        <dgm:cxn modelId="6" srcId="0" destId="2" srcOrd="1" destOrd="0"/>
+        <dgm:cxn modelId="7" srcId="0" destId="3" srcOrd="2" destOrd="0"/>
+        <dgm:cxn modelId="8" srcId="0" destId="4" srcOrd="3" destOrd="0"/>
+        <dgm:cxn modelId="13" srcId="1" destId="11" srcOrd="0" destOrd="0"/>
+        <dgm:cxn modelId="23" srcId="2" destId="21" srcOrd="0" destOrd="0"/>
+        <dgm:cxn modelId="33" srcId="3" destId="31" srcOrd="0" destOrd="0"/>
+        <dgm:cxn modelId="43" srcId="4" destId="41" srcOrd="0" destOrd="0"/>
+      </dgm:cxnLst>
+      <dgm:bg/>
+      <dgm:whole/>
+    </dgm:dataModel>
+  </dgm:clrData>
+  <dgm:layoutNode name="linearFlow">
+    <dgm:varLst>
+      <dgm:dir/>
+      <dgm:animLvl val="lvl"/>
+      <dgm:resizeHandles val="exact"/>
+    </dgm:varLst>
+    <dgm:alg type="lin">
+      <dgm:param type="linDir" val="fromT"/>
+      <dgm:param type="nodeHorzAlign" val="l"/>
+    </dgm:alg>
+    <dgm:shape xmlns:r="http://schemas.openxmlformats.org/officeDocument/2006/relationships" r:blip="">
+      <dgm:adjLst/>
+    </dgm:shape>
+    <dgm:presOf/>
+    <dgm:constrLst>
+      <dgm:constr type="h" for="ch" forName="composite" refType="h"/>
+      <dgm:constr type="w" for="ch" forName="composite" refType="w"/>
+      <dgm:constr type="h" for="des" forName="parentText" op="equ"/>
+      <dgm:constr type="h" for="ch" forName="sp" val="-14.88"/>
+      <dgm:constr type="h" for="ch" forName="sp" refType="w" refFor="des" refForName="parentText" op="gte" fact="-0.3"/>
+      <dgm:constr type="primFontSz" for="des" forName="parentText" op="equ" val="65"/>
+      <dgm:constr type="primFontSz" for="des" forName="descendantText" op="equ" val="65"/>
+    </dgm:constrLst>
+    <dgm:ruleLst/>
+    <dgm:forEach name="Name0" axis="ch" ptType="node">
+      <dgm:layoutNode name="composite">
+        <dgm:alg type="composite"/>
+        <dgm:shape xmlns:r="http://schemas.openxmlformats.org/officeDocument/2006/relationships" r:blip="">
+          <dgm:adjLst/>
+        </dgm:shape>
+        <dgm:presOf/>
+        <dgm:choose name="Name1">
+          <dgm:if name="Name2" func="var" arg="dir" op="equ" val="norm">
+            <dgm:constrLst>
+              <dgm:constr type="t" for="ch" forName="parentText"/>
+              <dgm:constr type="l" for="ch" forName="parentText"/>
+              <dgm:constr type="w" for="ch" forName="parentText" refType="w" fact="0.4"/>
+              <dgm:constr type="h" for="ch" forName="parentText" refType="h"/>
+              <dgm:constr type="w" for="ch" forName="parentText" refType="w" op="lte" fact="0.5"/>
+              <dgm:constr type="w" for="ch" forName="parentText" refType="h" refFor="ch" refForName="parentText" op="lte" fact="0.7"/>
+              <dgm:constr type="h" for="ch" forName="parentText" refType="w" refFor="ch" refForName="parentText" op="lte" fact="3"/>
+              <dgm:constr type="l" for="ch" forName="descendantText" refType="w" refFor="ch" refForName="parentText"/>
+              <dgm:constr type="w" for="ch" forName="descendantText" refType="w"/>
+              <dgm:constr type="wOff" for="ch" forName="descendantText" refType="w" refFor="ch" refForName="parentText" fact="-1"/>
+              <dgm:constr type="t" for="ch" forName="descendantText"/>
+              <dgm:constr type="b" for="ch" forName="descendantText" refType="h" refFor="ch" refForName="parentText"/>
+              <dgm:constr type="bOff" for="ch" forName="descendantText" refType="w" refFor="ch" refForName="parentText" fact="-0.5"/>
+            </dgm:constrLst>
+          </dgm:if>
+          <dgm:else name="Name3">
+            <dgm:constrLst>
+              <dgm:constr type="t" for="ch" forName="parentText"/>
+              <dgm:constr type="r" for="ch" forName="parentText" refType="w"/>
+              <dgm:constr type="w" for="ch" forName="parentText" refType="w" fact="0.4"/>
+              <dgm:constr type="h" for="ch" forName="parentText" refType="h"/>
+              <dgm:constr type="w" for="ch" forName="parentText" refType="w" op="lte" fact="0.5"/>
+              <dgm:constr type="w" for="ch" forName="parentText" refType="h" refFor="ch" refForName="parentText" op="lte" fact="0.7"/>
+              <dgm:constr type="h" for="ch" forName="parentText" refType="w" refFor="ch" refForName="parentText" op="lte" fact="3"/>
+              <dgm:constr type="l" for="ch" forName="descendantText"/>
+              <dgm:constr type="w" for="ch" forName="descendantText" refType="w"/>
+              <dgm:constr type="wOff" for="ch" forName="descendantText" refType="w" refFor="ch" refForName="parentText" fact="-1"/>
+              <dgm:constr type="t" for="ch" forName="descendantText"/>
+              <dgm:constr type="b" for="ch" forName="descendantText" refType="h" refFor="ch" refForName="parentText"/>
+              <dgm:constr type="bOff" for="ch" forName="descendantText" refType="w" refFor="ch" refForName="parentText" fact="-0.5"/>
+            </dgm:constrLst>
+          </dgm:else>
+        </dgm:choose>
+        <dgm:ruleLst/>
+        <dgm:layoutNode name="parentText" styleLbl="alignNode1">
+          <dgm:varLst>
+            <dgm:chMax val="1"/>
+            <dgm:bulletEnabled val="1"/>
+          </dgm:varLst>
+          <dgm:alg type="tx"/>
+          <dgm:shape xmlns:r="http://schemas.openxmlformats.org/officeDocument/2006/relationships" rot="90" type="chevron" r:blip="">
+            <dgm:adjLst/>
+          </dgm:shape>
+          <dgm:presOf axis="self" ptType="node"/>
+          <dgm:constrLst>
+            <dgm:constr type="lMarg" refType="primFontSz" fact="0.05"/>
+            <dgm:constr type="rMarg" refType="primFontSz" fact="0.05"/>
+            <dgm:constr type="tMarg" refType="primFontSz" fact="0.05"/>
+            <dgm:constr type="bMarg" refType="primFontSz" fact="0.05"/>
+          </dgm:constrLst>
+          <dgm:ruleLst>
+            <dgm:rule type="h" val="100" fact="NaN" max="NaN"/>
+            <dgm:rule type="primFontSz" val="24" fact="NaN" max="NaN"/>
+            <dgm:rule type="h" val="110" fact="NaN" max="NaN"/>
+            <dgm:rule type="primFontSz" val="18" fact="NaN" max="NaN"/>
+            <dgm:rule type="h" val="INF" fact="NaN" max="NaN"/>
+            <dgm:rule type="primFontSz" val="5" fact="NaN" max="NaN"/>
+          </dgm:ruleLst>
+        </dgm:layoutNode>
+        <dgm:layoutNode name="descendantText" styleLbl="alignAcc1">
+          <dgm:varLst>
+            <dgm:bulletEnabled val="1"/>
+          </dgm:varLst>
+          <dgm:choose name="Name4">
+            <dgm:if name="Name5" func="var" arg="dir" op="equ" val="norm">
+              <dgm:alg type="tx">
+                <dgm:param type="stBulletLvl" val="1"/>
+                <dgm:param type="txAnchorVertCh" val="mid"/>
+              </dgm:alg>
+              <dgm:shape xmlns:r="http://schemas.openxmlformats.org/officeDocument/2006/relationships" rot="90" type="round2SameRect" r:blip="">
+                <dgm:adjLst/>
+              </dgm:shape>
+            </dgm:if>
+            <dgm:else name="Name6">
+              <dgm:alg type="tx">
+                <dgm:param type="stBulletLvl" val="1"/>
+                <dgm:param type="txAnchorVertCh" val="mid"/>
+              </dgm:alg>
+              <dgm:shape xmlns:r="http://schemas.openxmlformats.org/officeDocument/2006/relationships" rot="-90" type="round2SameRect" r:blip="">
+                <dgm:adjLst/>
+              </dgm:shape>
+            </dgm:else>
+          </dgm:choose>
+          <dgm:presOf axis="des" ptType="node"/>
+          <dgm:choose name="Name7">
+            <dgm:if name="Name8" func="var" arg="dir" op="equ" val="norm">
+              <dgm:constrLst>
+                <dgm:constr type="secFontSz" refType="primFontSz"/>
+                <dgm:constr type="tMarg" refType="primFontSz" fact="0.05"/>
+                <dgm:constr type="bMarg" refType="primFontSz" fact="0.05"/>
+                <dgm:constr type="rMarg" refType="primFontSz" fact="0.05"/>
+              </dgm:constrLst>
+            </dgm:if>
+            <dgm:else name="Name9">
+              <dgm:constrLst>
+                <dgm:constr type="secFontSz" refType="primFontSz"/>
+                <dgm:constr type="tMarg" refType="primFontSz" fact="0.05"/>
+                <dgm:constr type="bMarg" refType="primFontSz" fact="0.05"/>
+                <dgm:constr type="lMarg" refType="primFontSz" fact="0.05"/>
+              </dgm:constrLst>
+            </dgm:else>
+          </dgm:choose>
+          <dgm:ruleLst>
+            <dgm:rule type="primFontSz" val="5" fact="NaN" max="NaN"/>
+          </dgm:ruleLst>
+        </dgm:layoutNode>
+      </dgm:layoutNode>
+      <dgm:forEach name="Name10" axis="followSib" ptType="sibTrans" cnt="1">
+        <dgm:layoutNode name="sp">
+          <dgm:alg type="sp"/>
+          <dgm:shape xmlns:r="http://schemas.openxmlformats.org/officeDocument/2006/relationships" r:blip="">
+            <dgm:adjLst/>
+          </dgm:shape>
+          <dgm:presOf axis="self"/>
+          <dgm:constrLst>
+            <dgm:constr type="w" val="1"/>
+            <dgm:constr type="h" val="37.5"/>
+          </dgm:constrLst>
+          <dgm:ruleLst/>
+        </dgm:layoutNode>
+      </dgm:forEach>
+    </dgm:forEach>
+  </dgm:layoutNode>
+</dgm:layoutDef>
+</file>
+
+<file path=ppt/diagrams/quickStyle1.xml><?xml version="1.0" encoding="utf-8"?>
+<dgm:styleDef xmlns:dgm="http://schemas.openxmlformats.org/drawingml/2006/diagram" xmlns:a="http://schemas.openxmlformats.org/drawingml/2006/main" uniqueId="urn:microsoft.com/office/officeart/2005/8/quickstyle/simple1">
+  <dgm:title val=""/>
+  <dgm:desc val=""/>
+  <dgm:catLst>
+    <dgm:cat type="simple" pri="10100"/>
+  </dgm:catLst>
+  <dgm:scene3d>
+    <a:camera prst="orthographicFront"/>
+    <a:lightRig rig="threePt" dir="t"/>
+  </dgm:scene3d>
+  <dgm:styleLbl name="node0">
+    <dgm:scene3d>
+      <a:camera prst="orthographicFront"/>
+      <a:lightRig rig="threePt" dir="t"/>
+    </dgm:scene3d>
+    <dgm:sp3d/>
+    <dgm:txPr/>
+    <dgm:style>
+      <a:lnRef idx="2">
+        <a:scrgbClr r="0" g="0" b="0"/>
+      </a:lnRef>
+      <a:fillRef idx="1">
+        <a:scrgbClr r="0" g="0" b="0"/>
+      </a:fillRef>
+      <a:effectRef idx="0">
+        <a:scrgbClr r="0" g="0" b="0"/>
+      </a:effectRef>
+      <a:fontRef idx="minor">
+        <a:schemeClr val="lt1"/>
+      </a:fontRef>
+    </dgm:style>
+  </dgm:styleLbl>
+  <dgm:styleLbl name="lnNode1">
+    <dgm:scene3d>
+      <a:camera prst="orthographicFront"/>
+      <a:lightRig rig="threePt" dir="t"/>
+    </dgm:scene3d>
+    <dgm:sp3d/>
+    <dgm:txPr/>
+    <dgm:style>
+      <a:lnRef idx="2">
+        <a:scrgbClr r="0" g="0" b="0"/>
+      </a:lnRef>
+      <a:fillRef idx="1">
+        <a:scrgbClr r="0" g="0" b="0"/>
+      </a:fillRef>
+      <a:effectRef idx="0">
+        <a:scrgbClr r="0" g="0" b="0"/>
+      </a:effectRef>
+      <a:fontRef idx="minor">
+        <a:schemeClr val="lt1"/>
+      </a:fontRef>
+    </dgm:style>
+  </dgm:styleLbl>
+  <dgm:styleLbl name="vennNode1">
+    <dgm:scene3d>
+      <a:camera prst="orthographicFront"/>
+      <a:lightRig rig="threePt" dir="t"/>
+    </dgm:scene3d>
+    <dgm:sp3d/>
+    <dgm:txPr/>
+    <dgm:style>
+      <a:lnRef idx="2">
+        <a:scrgbClr r="0" g="0" b="0"/>
+      </a:lnRef>
+      <a:fillRef idx="1">
+        <a:scrgbClr r="0" g="0" b="0"/>
+      </a:fillRef>
+      <a:effectRef idx="0">
+        <a:scrgbClr r="0" g="0" b="0"/>
+      </a:effectRef>
+      <a:fontRef idx="minor">
+        <a:schemeClr val="tx1"/>
+      </a:fontRef>
+    </dgm:style>
+  </dgm:styleLbl>
+  <dgm:styleLbl name="alignNode1">
+    <dgm:scene3d>
+      <a:camera prst="orthographicFront"/>
+      <a:lightRig rig="threePt" dir="t"/>
+    </dgm:scene3d>
+    <dgm:sp3d/>
+    <dgm:txPr/>
+    <dgm:style>
+      <a:lnRef idx="2">
+        <a:scrgbClr r="0" g="0" b="0"/>
+      </a:lnRef>
+      <a:fillRef idx="1">
+        <a:scrgbClr r="0" g="0" b="0"/>
+      </a:fillRef>
+      <a:effectRef idx="0">
+        <a:scrgbClr r="0" g="0" b="0"/>
+      </a:effectRef>
+      <a:fontRef idx="minor">
+        <a:schemeClr val="lt1"/>
+      </a:fontRef>
+    </dgm:style>
+  </dgm:styleLbl>
+  <dgm:styleLbl name="node1">
+    <dgm:scene3d>
+      <a:camera prst="orthographicFront"/>
+      <a:lightRig rig="threePt" dir="t"/>
+    </dgm:scene3d>
+    <dgm:sp3d/>
+    <dgm:txPr/>
+    <dgm:style>
+      <a:lnRef idx="2">
+        <a:scrgbClr r="0" g="0" b="0"/>
+      </a:lnRef>
+      <a:fillRef idx="1">
+        <a:scrgbClr r="0" g="0" b="0"/>
+      </a:fillRef>
+      <a:effectRef idx="0">
+        <a:scrgbClr r="0" g="0" b="0"/>
+      </a:effectRef>
+      <a:fontRef idx="minor">
+        <a:schemeClr val="lt1"/>
+      </a:fontRef>
+    </dgm:style>
+  </dgm:styleLbl>
+  <dgm:styleLbl name="node2">
+    <dgm:scene3d>
+      <a:camera prst="orthographicFront"/>
+      <a:lightRig rig="threePt" dir="t"/>
+    </dgm:scene3d>
+    <dgm:sp3d/>
+    <dgm:txPr/>
+    <dgm:style>
+      <a:lnRef idx="2">
+        <a:scrgbClr r="0" g="0" b="0"/>
+      </a:lnRef>
+      <a:fillRef idx="1">
+        <a:scrgbClr r="0" g="0" b="0"/>
+      </a:fillRef>
+      <a:effectRef idx="0">
+        <a:scrgbClr r="0" g="0" b="0"/>
+      </a:effectRef>
+      <a:fontRef idx="minor">
+        <a:schemeClr val="lt1"/>
+      </a:fontRef>
+    </dgm:style>
+  </dgm:styleLbl>
+  <dgm:styleLbl name="node3">
+    <dgm:scene3d>
+      <a:camera prst="orthographicFront"/>
+      <a:lightRig rig="threePt" dir="t"/>
+    </dgm:scene3d>
+    <dgm:sp3d/>
+    <dgm:txPr/>
+    <dgm:style>
+      <a:lnRef idx="2">
+        <a:scrgbClr r="0" g="0" b="0"/>
+      </a:lnRef>
+      <a:fillRef idx="1">
+        <a:scrgbClr r="0" g="0" b="0"/>
+      </a:fillRef>
+      <a:effectRef idx="0">
+        <a:scrgbClr r="0" g="0" b="0"/>
+      </a:effectRef>
+      <a:fontRef idx="minor">
+        <a:schemeClr val="lt1"/>
+      </a:fontRef>
+    </dgm:style>
+  </dgm:styleLbl>
+  <dgm:styleLbl name="node4">
+    <dgm:scene3d>
+      <a:camera prst="orthographicFront"/>
+      <a:lightRig rig="threePt" dir="t"/>
+    </dgm:scene3d>
+    <dgm:sp3d/>
+    <dgm:txPr/>
+    <dgm:style>
+      <a:lnRef idx="2">
+        <a:scrgbClr r="0" g="0" b="0"/>
+      </a:lnRef>
+      <a:fillRef idx="1">
+        <a:scrgbClr r="0" g="0" b="0"/>
+      </a:fillRef>
+      <a:effectRef idx="0">
+        <a:scrgbClr r="0" g="0" b="0"/>
+      </a:effectRef>
+      <a:fontRef idx="minor">
+        <a:schemeClr val="lt1"/>
+      </a:fontRef>
+    </dgm:style>
+  </dgm:styleLbl>
+  <dgm:styleLbl name="fgImgPlace1">
+    <dgm:scene3d>
+      <a:camera prst="orthographicFront"/>
+      <a:lightRig rig="threePt" dir="t"/>
+    </dgm:scene3d>
+    <dgm:sp3d/>
+    <dgm:txPr/>
+    <dgm:style>
+      <a:lnRef idx="2">
+        <a:scrgbClr r="0" g="0" b="0"/>
+      </a:lnRef>
+      <a:fillRef idx="1">
+        <a:scrgbClr r="0" g="0" b="0"/>
+      </a:fillRef>
+      <a:effectRef idx="0">
+        <a:scrgbClr r="0" g="0" b="0"/>
+      </a:effectRef>
+      <a:fontRef idx="minor"/>
+    </dgm:style>
+  </dgm:styleLbl>
+  <dgm:styleLbl name="alignImgPlace1">
+    <dgm:scene3d>
+      <a:camera prst="orthographicFront"/>
+      <a:lightRig rig="threePt" dir="t"/>
+    </dgm:scene3d>
+    <dgm:sp3d/>
+    <dgm:txPr/>
+    <dgm:style>
+      <a:lnRef idx="2">
+        <a:scrgbClr r="0" g="0" b="0"/>
+      </a:lnRef>
+      <a:fillRef idx="1">
+        <a:scrgbClr r="0" g="0" b="0"/>
+      </a:fillRef>
+      <a:effectRef idx="0">
+        <a:scrgbClr r="0" g="0" b="0"/>
+      </a:effectRef>
+      <a:fontRef idx="minor"/>
+    </dgm:style>
+  </dgm:styleLbl>
+  <dgm:styleLbl name="bgImgPlace1">
+    <dgm:scene3d>
+      <a:camera prst="orthographicFront"/>
+      <a:lightRig rig="threePt" dir="t"/>
+    </dgm:scene3d>
+    <dgm:sp3d/>
+    <dgm:txPr/>
+    <dgm:style>
+      <a:lnRef idx="2">
+        <a:scrgbClr r="0" g="0" b="0"/>
+      </a:lnRef>
+      <a:fillRef idx="1">
+        <a:scrgbClr r="0" g="0" b="0"/>
+      </a:fillRef>
+      <a:effectRef idx="0">
+        <a:scrgbClr r="0" g="0" b="0"/>
+      </a:effectRef>
+      <a:fontRef idx="minor"/>
+    </dgm:style>
+  </dgm:styleLbl>
+  <dgm:styleLbl name="sibTrans2D1">
+    <dgm:scene3d>
+      <a:camera prst="orthographicFront"/>
+      <a:lightRig rig="threePt" dir="t"/>
+    </dgm:scene3d>
+    <dgm:sp3d/>
+    <dgm:txPr/>
+    <dgm:style>
+      <a:lnRef idx="0">
+        <a:scrgbClr r="0" g="0" b="0"/>
+      </a:lnRef>
+      <a:fillRef idx="1">
+        <a:scrgbClr r="0" g="0" b="0"/>
+      </a:fillRef>
+      <a:effectRef idx="0">
+        <a:scrgbClr r="0" g="0" b="0"/>
+      </a:effectRef>
+      <a:fontRef idx="minor">
+        <a:schemeClr val="lt1"/>
+      </a:fontRef>
+    </dgm:style>
+  </dgm:styleLbl>
+  <dgm:styleLbl name="fgSibTrans2D1">
+    <dgm:scene3d>
+      <a:camera prst="orthographicFront"/>
+      <a:lightRig rig="threePt" dir="t"/>
+    </dgm:scene3d>
+    <dgm:sp3d/>
+    <dgm:txPr/>
+    <dgm:style>
+      <a:lnRef idx="0">
+        <a:scrgbClr r="0" g="0" b="0"/>
+      </a:lnRef>
+      <a:fillRef idx="1">
+        <a:scrgbClr r="0" g="0" b="0"/>
+      </a:fillRef>
+      <a:effectRef idx="0">
+        <a:scrgbClr r="0" g="0" b="0"/>
+      </a:effectRef>
+      <a:fontRef idx="minor">
+        <a:schemeClr val="lt1"/>
+      </a:fontRef>
+    </dgm:style>
+  </dgm:styleLbl>
+  <dgm:styleLbl name="bgSibTrans2D1">
+    <dgm:scene3d>
+      <a:camera prst="orthographicFront"/>
+      <a:lightRig rig="threePt" dir="t"/>
+    </dgm:scene3d>
+    <dgm:sp3d/>
+    <dgm:txPr/>
+    <dgm:style>
+      <a:lnRef idx="0">
+        <a:scrgbClr r="0" g="0" b="0"/>
+      </a:lnRef>
+      <a:fillRef idx="1">
+        <a:scrgbClr r="0" g="0" b="0"/>
+      </a:fillRef>
+      <a:effectRef idx="0">
+        <a:scrgbClr r="0" g="0" b="0"/>
+      </a:effectRef>
+      <a:fontRef idx="minor">
+        <a:schemeClr val="lt1"/>
+      </a:fontRef>
+    </dgm:style>
+  </dgm:styleLbl>
+  <dgm:styleLbl name="sibTrans1D1">
+    <dgm:scene3d>
+      <a:camera prst="orthographicFront"/>
+      <a:lightRig rig="threePt" dir="t"/>
+    </dgm:scene3d>
+    <dgm:sp3d/>
+    <dgm:txPr/>
+    <dgm:style>
+      <a:lnRef idx="1">
+        <a:scrgbClr r="0" g="0" b="0"/>
+      </a:lnRef>
+      <a:fillRef idx="0">
+        <a:scrgbClr r="0" g="0" b="0"/>
+      </a:fillRef>
+      <a:effectRef idx="0">
+        <a:scrgbClr r="0" g="0" b="0"/>
+      </a:effectRef>
+      <a:fontRef idx="minor"/>
+    </dgm:style>
+  </dgm:styleLbl>
+  <dgm:styleLbl name="callout">
+    <dgm:scene3d>
+      <a:camera prst="orthographicFront"/>
+      <a:lightRig rig="threePt" dir="t"/>
+    </dgm:scene3d>
+    <dgm:sp3d/>
+    <dgm:txPr/>
+    <dgm:style>
+      <a:lnRef idx="2">
+        <a:scrgbClr r="0" g="0" b="0"/>
+      </a:lnRef>
+      <a:fillRef idx="1">
+        <a:scrgbClr r="0" g="0" b="0"/>
+      </a:fillRef>
+      <a:effectRef idx="0">
+        <a:scrgbClr r="0" g="0" b="0"/>
+      </a:effectRef>
+      <a:fontRef idx="minor"/>
+    </dgm:style>
+  </dgm:styleLbl>
+  <dgm:styleLbl name="asst0">
+    <dgm:scene3d>
+      <a:camera prst="orthographicFront"/>
+      <a:lightRig rig="threePt" dir="t"/>
+    </dgm:scene3d>
+    <dgm:sp3d/>
+    <dgm:txPr/>
+    <dgm:style>
+      <a:lnRef idx="2">
+        <a:scrgbClr r="0" g="0" b="0"/>
+      </a:lnRef>
+      <a:fillRef idx="1">
+        <a:scrgbClr r="0" g="0" b="0"/>
+      </a:fillRef>
+      <a:effectRef idx="0">
+        <a:scrgbClr r="0" g="0" b="0"/>
+      </a:effectRef>
+      <a:fontRef idx="minor">
+        <a:schemeClr val="lt1"/>
+      </a:fontRef>
+    </dgm:style>
+  </dgm:styleLbl>
+  <dgm:styleLbl name="asst1">
+    <dgm:scene3d>
+      <a:camera prst="orthographicFront"/>
+      <a:lightRig rig="threePt" dir="t"/>
+    </dgm:scene3d>
+    <dgm:sp3d/>
+    <dgm:txPr/>
+    <dgm:style>
+      <a:lnRef idx="2">
+        <a:scrgbClr r="0" g="0" b="0"/>
+      </a:lnRef>
+      <a:fillRef idx="1">
+        <a:scrgbClr r="0" g="0" b="0"/>
+      </a:fillRef>
+      <a:effectRef idx="0">
+        <a:scrgbClr r="0" g="0" b="0"/>
+      </a:effectRef>
+      <a:fontRef idx="minor">
+        <a:schemeClr val="lt1"/>
+      </a:fontRef>
+    </dgm:style>
+  </dgm:styleLbl>
+  <dgm:styleLbl name="asst2">
+    <dgm:scene3d>
+      <a:camera prst="orthographicFront"/>
+      <a:lightRig rig="threePt" dir="t"/>
+    </dgm:scene3d>
+    <dgm:sp3d/>
+    <dgm:txPr/>
+    <dgm:style>
+      <a:lnRef idx="2">
+        <a:scrgbClr r="0" g="0" b="0"/>
+      </a:lnRef>
+      <a:fillRef idx="1">
+        <a:scrgbClr r="0" g="0" b="0"/>
+      </a:fillRef>
+      <a:effectRef idx="0">
+        <a:scrgbClr r="0" g="0" b="0"/>
+      </a:effectRef>
+      <a:fontRef idx="minor">
+        <a:schemeClr val="lt1"/>
+      </a:fontRef>
+    </dgm:style>
+  </dgm:styleLbl>
+  <dgm:styleLbl name="asst3">
+    <dgm:scene3d>
+      <a:camera prst="orthographicFront"/>
+      <a:lightRig rig="threePt" dir="t"/>
+    </dgm:scene3d>
+    <dgm:sp3d/>
+    <dgm:txPr/>
+    <dgm:style>
+      <a:lnRef idx="2">
+        <a:scrgbClr r="0" g="0" b="0"/>
+      </a:lnRef>
+      <a:fillRef idx="1">
+        <a:scrgbClr r="0" g="0" b="0"/>
+      </a:fillRef>
+      <a:effectRef idx="0">
+        <a:scrgbClr r="0" g="0" b="0"/>
+      </a:effectRef>
+      <a:fontRef idx="minor">
+        <a:schemeClr val="lt1"/>
+      </a:fontRef>
+    </dgm:style>
+  </dgm:styleLbl>
+  <dgm:styleLbl name="asst4">
+    <dgm:scene3d>
+      <a:camera prst="orthographicFront"/>
+      <a:lightRig rig="threePt" dir="t"/>
+    </dgm:scene3d>
+    <dgm:sp3d/>
+    <dgm:txPr/>
+    <dgm:style>
+      <a:lnRef idx="2">
+        <a:scrgbClr r="0" g="0" b="0"/>
+      </a:lnRef>
+      <a:fillRef idx="1">
+        <a:scrgbClr r="0" g="0" b="0"/>
+      </a:fillRef>
+      <a:effectRef idx="0">
+        <a:scrgbClr r="0" g="0" b="0"/>
+      </a:effectRef>
+      <a:fontRef idx="minor">
+        <a:schemeClr val="lt1"/>
+      </a:fontRef>
+    </dgm:style>
+  </dgm:styleLbl>
+  <dgm:styleLbl name="parChTrans2D1">
+    <dgm:scene3d>
+      <a:camera prst="orthographicFront"/>
+      <a:lightRig rig="threePt" dir="t"/>
+    </dgm:scene3d>
+    <dgm:sp3d/>
+    <dgm:txPr/>
+    <dgm:style>
+      <a:lnRef idx="2">
+        <a:scrgbClr r="0" g="0" b="0"/>
+      </a:lnRef>
+      <a:fillRef idx="1">
+        <a:scrgbClr r="0" g="0" b="0"/>
+      </a:fillRef>
+      <a:effectRef idx="0">
+        <a:scrgbClr r="0" g="0" b="0"/>
+      </a:effectRef>
+      <a:fontRef idx="minor">
+        <a:schemeClr val="lt1"/>
+      </a:fontRef>
+    </dgm:style>
+  </dgm:styleLbl>
+  <dgm:styleLbl name="parChTrans2D2">
+    <dgm:scene3d>
+      <a:camera prst="orthographicFront"/>
+      <a:lightRig rig="threePt" dir="t"/>
+    </dgm:scene3d>
+    <dgm:sp3d/>
+    <dgm:txPr/>
+    <dgm:style>
+      <a:lnRef idx="2">
+        <a:scrgbClr r="0" g="0" b="0"/>
+      </a:lnRef>
+      <a:fillRef idx="1">
+        <a:scrgbClr r="0" g="0" b="0"/>
+      </a:fillRef>
+      <a:effectRef idx="0">
+        <a:scrgbClr r="0" g="0" b="0"/>
+      </a:effectRef>
+      <a:fontRef idx="minor">
+        <a:schemeClr val="lt1"/>
+      </a:fontRef>
+    </dgm:style>
+  </dgm:styleLbl>
+  <dgm:styleLbl name="parChTrans2D3">
+    <dgm:scene3d>
+      <a:camera prst="orthographicFront"/>
+      <a:lightRig rig="threePt" dir="t"/>
+    </dgm:scene3d>
+    <dgm:sp3d/>
+    <dgm:txPr/>
+    <dgm:style>
+      <a:lnRef idx="2">
+        <a:scrgbClr r="0" g="0" b="0"/>
+      </a:lnRef>
+      <a:fillRef idx="1">
+        <a:scrgbClr r="0" g="0" b="0"/>
+      </a:fillRef>
+      <a:effectRef idx="0">
+        <a:scrgbClr r="0" g="0" b="0"/>
+      </a:effectRef>
+      <a:fontRef idx="minor">
+        <a:schemeClr val="lt1"/>
+      </a:fontRef>
+    </dgm:style>
+  </dgm:styleLbl>
+  <dgm:styleLbl name="parChTrans2D4">
+    <dgm:scene3d>
+      <a:camera prst="orthographicFront"/>
+      <a:lightRig rig="threePt" dir="t"/>
+    </dgm:scene3d>
+    <dgm:sp3d/>
+    <dgm:txPr/>
+    <dgm:style>
+      <a:lnRef idx="2">
+        <a:scrgbClr r="0" g="0" b="0"/>
+      </a:lnRef>
+      <a:fillRef idx="1">
+        <a:scrgbClr r="0" g="0" b="0"/>
+      </a:fillRef>
+      <a:effectRef idx="0">
+        <a:scrgbClr r="0" g="0" b="0"/>
+      </a:effectRef>
+      <a:fontRef idx="minor">
+        <a:schemeClr val="lt1"/>
+      </a:fontRef>
+    </dgm:style>
+  </dgm:styleLbl>
+  <dgm:styleLbl name="parChTrans1D1">
+    <dgm:scene3d>
+      <a:camera prst="orthographicFront"/>
+      <a:lightRig rig="threePt" dir="t"/>
+    </dgm:scene3d>
+    <dgm:sp3d/>
+    <dgm:txPr/>
+    <dgm:style>
+      <a:lnRef idx="2">
+        <a:scrgbClr r="0" g="0" b="0"/>
+      </a:lnRef>
+      <a:fillRef idx="0">
+        <a:scrgbClr r="0" g="0" b="0"/>
+      </a:fillRef>
+      <a:effectRef idx="0">
+        <a:scrgbClr r="0" g="0" b="0"/>
+      </a:effectRef>
+      <a:fontRef idx="minor"/>
+    </dgm:style>
+  </dgm:styleLbl>
+  <dgm:styleLbl name="parChTrans1D2">
+    <dgm:scene3d>
+      <a:camera prst="orthographicFront"/>
+      <a:lightRig rig="threePt" dir="t"/>
+    </dgm:scene3d>
+    <dgm:sp3d/>
+    <dgm:txPr/>
+    <dgm:style>
+      <a:lnRef idx="2">
+        <a:scrgbClr r="0" g="0" b="0"/>
+      </a:lnRef>
+      <a:fillRef idx="0">
+        <a:scrgbClr r="0" g="0" b="0"/>
+      </a:fillRef>
+      <a:effectRef idx="0">
+        <a:scrgbClr r="0" g="0" b="0"/>
+      </a:effectRef>
+      <a:fontRef idx="minor"/>
+    </dgm:style>
+  </dgm:styleLbl>
+  <dgm:styleLbl name="parChTrans1D3">
+    <dgm:scene3d>
+      <a:camera prst="orthographicFront"/>
+      <a:lightRig rig="threePt" dir="t"/>
+    </dgm:scene3d>
+    <dgm:sp3d/>
+    <dgm:txPr/>
+    <dgm:style>
+      <a:lnRef idx="2">
+        <a:scrgbClr r="0" g="0" b="0"/>
+      </a:lnRef>
+      <a:fillRef idx="0">
+        <a:scrgbClr r="0" g="0" b="0"/>
+      </a:fillRef>
+      <a:effectRef idx="0">
+        <a:scrgbClr r="0" g="0" b="0"/>
+      </a:effectRef>
+      <a:fontRef idx="minor"/>
+    </dgm:style>
+  </dgm:styleLbl>
+  <dgm:styleLbl name="parChTrans1D4">
+    <dgm:scene3d>
+      <a:camera prst="orthographicFront"/>
+      <a:lightRig rig="threePt" dir="t"/>
+    </dgm:scene3d>
+    <dgm:sp3d/>
+    <dgm:txPr/>
+    <dgm:style>
+      <a:lnRef idx="2">
+        <a:scrgbClr r="0" g="0" b="0"/>
+      </a:lnRef>
+      <a:fillRef idx="0">
+        <a:scrgbClr r="0" g="0" b="0"/>
+      </a:fillRef>
+      <a:effectRef idx="0">
+        <a:scrgbClr r="0" g="0" b="0"/>
+      </a:effectRef>
+      <a:fontRef idx="minor"/>
+    </dgm:style>
+  </dgm:styleLbl>
+  <dgm:styleLbl name="fgAcc1">
+    <dgm:scene3d>
+      <a:camera prst="orthographicFront"/>
+      <a:lightRig rig="threePt" dir="t"/>
+    </dgm:scene3d>
+    <dgm:sp3d/>
+    <dgm:txPr/>
+    <dgm:style>
+      <a:lnRef idx="2">
+        <a:scrgbClr r="0" g="0" b="0"/>
+      </a:lnRef>
+      <a:fillRef idx="1">
+        <a:scrgbClr r="0" g="0" b="0"/>
+      </a:fillRef>
+      <a:effectRef idx="0">
+        <a:scrgbClr r="0" g="0" b="0"/>
+      </a:effectRef>
+      <a:fontRef idx="minor"/>
+    </dgm:style>
+  </dgm:styleLbl>
+  <dgm:styleLbl name="conFgAcc1">
+    <dgm:scene3d>
+      <a:camera prst="orthographicFront"/>
+      <a:lightRig rig="threePt" dir="t"/>
+    </dgm:scene3d>
+    <dgm:sp3d/>
+    <dgm:txPr/>
+    <dgm:style>
+      <a:lnRef idx="2">
+        <a:scrgbClr r="0" g="0" b="0"/>
+      </a:lnRef>
+      <a:fillRef idx="1">
+        <a:scrgbClr r="0" g="0" b="0"/>
+      </a:fillRef>
+      <a:effectRef idx="0">
+        <a:scrgbClr r="0" g="0" b="0"/>
+      </a:effectRef>
+      <a:fontRef idx="minor"/>
+    </dgm:style>
+  </dgm:styleLbl>
+  <dgm:styleLbl name="alignAcc1">
+    <dgm:scene3d>
+      <a:camera prst="orthographicFront"/>
+      <a:lightRig rig="threePt" dir="t"/>
+    </dgm:scene3d>
+    <dgm:sp3d/>
+    <dgm:txPr/>
+    <dgm:style>
+      <a:lnRef idx="2">
+        <a:scrgbClr r="0" g="0" b="0"/>
+      </a:lnRef>
+      <a:fillRef idx="1">
+        <a:scrgbClr r="0" g="0" b="0"/>
+      </a:fillRef>
+      <a:effectRef idx="0">
+        <a:scrgbClr r="0" g="0" b="0"/>
+      </a:effectRef>
+      <a:fontRef idx="minor"/>
+    </dgm:style>
+  </dgm:styleLbl>
+  <dgm:styleLbl name="trAlignAcc1">
+    <dgm:scene3d>
+      <a:camera prst="orthographicFront"/>
+      <a:lightRig rig="threePt" dir="t"/>
+    </dgm:scene3d>
+    <dgm:sp3d/>
+    <dgm:txPr/>
+    <dgm:style>
+      <a:lnRef idx="1">
+        <a:scrgbClr r="0" g="0" b="0"/>
+      </a:lnRef>
+      <a:fillRef idx="1">
+        <a:scrgbClr r="0" g="0" b="0"/>
+      </a:fillRef>
+      <a:effectRef idx="0">
+        <a:scrgbClr r="0" g="0" b="0"/>
+      </a:effectRef>
+      <a:fontRef idx="minor"/>
+    </dgm:style>
+  </dgm:styleLbl>
+  <dgm:styleLbl name="bgAcc1">
+    <dgm:scene3d>
+      <a:camera prst="orthographicFront"/>
+      <a:lightRig rig="threePt" dir="t"/>
+    </dgm:scene3d>
+    <dgm:sp3d/>
+    <dgm:txPr/>
+    <dgm:style>
+      <a:lnRef idx="2">
+        <a:scrgbClr r="0" g="0" b="0"/>
+      </a:lnRef>
+      <a:fillRef idx="1">
+        <a:scrgbClr r="0" g="0" b="0"/>
+      </a:fillRef>
+      <a:effectRef idx="0">
+        <a:scrgbClr r="0" g="0" b="0"/>
+      </a:effectRef>
+      <a:fontRef idx="minor"/>
+    </dgm:style>
+  </dgm:styleLbl>
+  <dgm:styleLbl name="solidFgAcc1">
+    <dgm:scene3d>
+      <a:camera prst="orthographicFront"/>
+      <a:lightRig rig="threePt" dir="t"/>
+    </dgm:scene3d>
+    <dgm:sp3d/>
+    <dgm:txPr/>
+    <dgm:style>
+      <a:lnRef idx="2">
+        <a:scrgbClr r="0" g="0" b="0"/>
+      </a:lnRef>
+      <a:fillRef idx="1">
+        <a:scrgbClr r="0" g="0" b="0"/>
+      </a:fillRef>
+      <a:effectRef idx="0">
+        <a:scrgbClr r="0" g="0" b="0"/>
+      </a:effectRef>
+      <a:fontRef idx="minor"/>
+    </dgm:style>
+  </dgm:styleLbl>
+  <dgm:styleLbl name="solidAlignAcc1">
+    <dgm:scene3d>
+      <a:camera prst="orthographicFront"/>
+      <a:lightRig rig="threePt" dir="t"/>
+    </dgm:scene3d>
+    <dgm:sp3d/>
+    <dgm:txPr/>
+    <dgm:style>
+      <a:lnRef idx="2">
+        <a:scrgbClr r="0" g="0" b="0"/>
+      </a:lnRef>
+      <a:fillRef idx="1">
+        <a:scrgbClr r="0" g="0" b="0"/>
+      </a:fillRef>
+      <a:effectRef idx="0">
+        <a:scrgbClr r="0" g="0" b="0"/>
+      </a:effectRef>
+      <a:fontRef idx="minor"/>
+    </dgm:style>
+  </dgm:styleLbl>
+  <dgm:styleLbl name="solidBgAcc1">
+    <dgm:scene3d>
+      <a:camera prst="orthographicFront"/>
+      <a:lightRig rig="threePt" dir="t"/>
+    </dgm:scene3d>
+    <dgm:sp3d/>
+    <dgm:txPr/>
+    <dgm:style>
+      <a:lnRef idx="2">
+        <a:scrgbClr r="0" g="0" b="0"/>
+      </a:lnRef>
+      <a:fillRef idx="1">
+        <a:scrgbClr r="0" g="0" b="0"/>
+      </a:fillRef>
+      <a:effectRef idx="0">
+        <a:scrgbClr r="0" g="0" b="0"/>
+      </a:effectRef>
+      <a:fontRef idx="minor"/>
+    </dgm:style>
+  </dgm:styleLbl>
+  <dgm:styleLbl name="fgAccFollowNode1">
+    <dgm:scene3d>
+      <a:camera prst="orthographicFront"/>
+      <a:lightRig rig="threePt" dir="t"/>
+    </dgm:scene3d>
+    <dgm:sp3d/>
+    <dgm:txPr/>
+    <dgm:style>
+      <a:lnRef idx="2">
+        <a:scrgbClr r="0" g="0" b="0"/>
+      </a:lnRef>
+      <a:fillRef idx="1">
+        <a:scrgbClr r="0" g="0" b="0"/>
+      </a:fillRef>
+      <a:effectRef idx="0">
+        <a:scrgbClr r="0" g="0" b="0"/>
+      </a:effectRef>
+      <a:fontRef idx="minor"/>
+    </dgm:style>
+  </dgm:styleLbl>
+  <dgm:styleLbl name="alignAccFollowNode1">
+    <dgm:scene3d>
+      <a:camera prst="orthographicFront"/>
+      <a:lightRig rig="threePt" dir="t"/>
+    </dgm:scene3d>
+    <dgm:sp3d/>
+    <dgm:txPr/>
+    <dgm:style>
+      <a:lnRef idx="2">
+        <a:scrgbClr r="0" g="0" b="0"/>
+      </a:lnRef>
+      <a:fillRef idx="1">
+        <a:scrgbClr r="0" g="0" b="0"/>
+      </a:fillRef>
+      <a:effectRef idx="0">
+        <a:scrgbClr r="0" g="0" b="0"/>
+      </a:effectRef>
+      <a:fontRef idx="minor"/>
+    </dgm:style>
+  </dgm:styleLbl>
+  <dgm:styleLbl name="bgAccFollowNode1">
+    <dgm:scene3d>
+      <a:camera prst="orthographicFront"/>
+      <a:lightRig rig="threePt" dir="t"/>
+    </dgm:scene3d>
+    <dgm:sp3d/>
+    <dgm:txPr/>
+    <dgm:style>
+      <a:lnRef idx="2">
+        <a:scrgbClr r="0" g="0" b="0"/>
+      </a:lnRef>
+      <a:fillRef idx="1">
+        <a:scrgbClr r="0" g="0" b="0"/>
+      </a:fillRef>
+      <a:effectRef idx="0">
+        <a:scrgbClr r="0" g="0" b="0"/>
+      </a:effectRef>
+      <a:fontRef idx="minor"/>
+    </dgm:style>
+  </dgm:styleLbl>
+  <dgm:styleLbl name="fgAcc0">
+    <dgm:scene3d>
+      <a:camera prst="orthographicFront"/>
+      <a:lightRig rig="threePt" dir="t"/>
+    </dgm:scene3d>
+    <dgm:sp3d/>
+    <dgm:txPr/>
+    <dgm:style>
+      <a:lnRef idx="2">
+        <a:scrgbClr r="0" g="0" b="0"/>
+      </a:lnRef>
+      <a:fillRef idx="1">
+        <a:scrgbClr r="0" g="0" b="0"/>
+      </a:fillRef>
+      <a:effectRef idx="0">
+        <a:scrgbClr r="0" g="0" b="0"/>
+      </a:effectRef>
+      <a:fontRef idx="minor"/>
+    </dgm:style>
+  </dgm:styleLbl>
+  <dgm:styleLbl name="fgAcc2">
+    <dgm:scene3d>
+      <a:camera prst="orthographicFront"/>
+      <a:lightRig rig="threePt" dir="t"/>
+    </dgm:scene3d>
+    <dgm:sp3d/>
+    <dgm:txPr/>
+    <dgm:style>
+      <a:lnRef idx="2">
+        <a:scrgbClr r="0" g="0" b="0"/>
+      </a:lnRef>
+      <a:fillRef idx="1">
+        <a:scrgbClr r="0" g="0" b="0"/>
+      </a:fillRef>
+      <a:effectRef idx="0">
+        <a:scrgbClr r="0" g="0" b="0"/>
+      </a:effectRef>
+      <a:fontRef idx="minor"/>
+    </dgm:style>
+  </dgm:styleLbl>
+  <dgm:styleLbl name="fgAcc3">
+    <dgm:scene3d>
+      <a:camera prst="orthographicFront"/>
+      <a:lightRig rig="threePt" dir="t"/>
+    </dgm:scene3d>
+    <dgm:sp3d/>
+    <dgm:txPr/>
+    <dgm:style>
+      <a:lnRef idx="2">
+        <a:scrgbClr r="0" g="0" b="0"/>
+      </a:lnRef>
+      <a:fillRef idx="1">
+        <a:scrgbClr r="0" g="0" b="0"/>
+      </a:fillRef>
+      <a:effectRef idx="0">
+        <a:scrgbClr r="0" g="0" b="0"/>
+      </a:effectRef>
+      <a:fontRef idx="minor"/>
+    </dgm:style>
+  </dgm:styleLbl>
+  <dgm:styleLbl name="fgAcc4">
+    <dgm:scene3d>
+      <a:camera prst="orthographicFront"/>
+      <a:lightRig rig="threePt" dir="t"/>
+    </dgm:scene3d>
+    <dgm:sp3d/>
+    <dgm:txPr/>
+    <dgm:style>
+      <a:lnRef idx="2">
+        <a:scrgbClr r="0" g="0" b="0"/>
+      </a:lnRef>
+      <a:fillRef idx="1">
+        <a:scrgbClr r="0" g="0" b="0"/>
+      </a:fillRef>
+      <a:effectRef idx="0">
+        <a:scrgbClr r="0" g="0" b="0"/>
+      </a:effectRef>
+      <a:fontRef idx="minor"/>
+    </dgm:style>
+  </dgm:styleLbl>
+  <dgm:styleLbl name="bgShp">
+    <dgm:scene3d>
+      <a:camera prst="orthographicFront"/>
+      <a:lightRig rig="threePt" dir="t"/>
+    </dgm:scene3d>
+    <dgm:sp3d/>
+    <dgm:txPr/>
+    <dgm:style>
+      <a:lnRef idx="0">
+        <a:scrgbClr r="0" g="0" b="0"/>
+      </a:lnRef>
+      <a:fillRef idx="1">
+        <a:scrgbClr r="0" g="0" b="0"/>
+      </a:fillRef>
+      <a:effectRef idx="0">
+        <a:scrgbClr r="0" g="0" b="0"/>
+      </a:effectRef>
+      <a:fontRef idx="minor"/>
+    </dgm:style>
+  </dgm:styleLbl>
+  <dgm:styleLbl name="dkBgShp">
+    <dgm:scene3d>
+      <a:camera prst="orthographicFront"/>
+      <a:lightRig rig="threePt" dir="t"/>
+    </dgm:scene3d>
+    <dgm:sp3d/>
+    <dgm:txPr/>
+    <dgm:style>
+      <a:lnRef idx="0">
+        <a:scrgbClr r="0" g="0" b="0"/>
+      </a:lnRef>
+      <a:fillRef idx="1">
+        <a:scrgbClr r="0" g="0" b="0"/>
+      </a:fillRef>
+      <a:effectRef idx="0">
+        <a:scrgbClr r="0" g="0" b="0"/>
+      </a:effectRef>
+      <a:fontRef idx="minor"/>
+    </dgm:style>
+  </dgm:styleLbl>
+  <dgm:styleLbl name="trBgShp">
+    <dgm:scene3d>
+      <a:camera prst="orthographicFront"/>
+      <a:lightRig rig="threePt" dir="t"/>
+    </dgm:scene3d>
+    <dgm:sp3d/>
+    <dgm:txPr/>
+    <dgm:style>
+      <a:lnRef idx="0">
+        <a:scrgbClr r="0" g="0" b="0"/>
+      </a:lnRef>
+      <a:fillRef idx="1">
+        <a:scrgbClr r="0" g="0" b="0"/>
+      </a:fillRef>
+      <a:effectRef idx="0">
+        <a:scrgbClr r="0" g="0" b="0"/>
+      </a:effectRef>
+      <a:fontRef idx="minor"/>
+    </dgm:style>
+  </dgm:styleLbl>
+  <dgm:styleLbl name="fgShp">
+    <dgm:scene3d>
+      <a:camera prst="orthographicFront"/>
+      <a:lightRig rig="threePt" dir="t"/>
+    </dgm:scene3d>
+    <dgm:sp3d/>
+    <dgm:txPr/>
+    <dgm:style>
+      <a:lnRef idx="2">
+        <a:scrgbClr r="0" g="0" b="0"/>
+      </a:lnRef>
+      <a:fillRef idx="1">
+        <a:scrgbClr r="0" g="0" b="0"/>
+      </a:fillRef>
+      <a:effectRef idx="0">
+        <a:scrgbClr r="0" g="0" b="0"/>
+      </a:effectRef>
+      <a:fontRef idx="minor"/>
+    </dgm:style>
+  </dgm:styleLbl>
+  <dgm:styleLbl name="revTx">
+    <dgm:scene3d>
+      <a:camera prst="orthographicFront"/>
+      <a:lightRig rig="threePt" dir="t"/>
+    </dgm:scene3d>
+    <dgm:sp3d/>
+    <dgm:txPr/>
+    <dgm:style>
+      <a:lnRef idx="0">
+        <a:scrgbClr r="0" g="0" b="0"/>
+      </a:lnRef>
+      <a:fillRef idx="0">
+        <a:scrgbClr r="0" g="0" b="0"/>
+      </a:fillRef>
+      <a:effectRef idx="0">
+        <a:scrgbClr r="0" g="0" b="0"/>
+      </a:effectRef>
+      <a:fontRef idx="minor"/>
+    </dgm:style>
+  </dgm:styleLbl>
+</dgm:styleDef>
 </file>
 
 <file path=ppt/slideLayouts/slideLayout1.xml><?xml version="1.0" encoding="utf-8"?>
@@ -3005,7 +5981,7 @@
             <a:r>
               <a:rPr lang="en-US" sz="8000" b="1" dirty="0" smtClean="0">
                 <a:solidFill>
-                  <a:schemeClr val="bg1"/>
+                  <a:srgbClr val="F2F2EF"/>
                 </a:solidFill>
                 <a:latin typeface="+mj-lt"/>
               </a:rPr>
@@ -3013,7 +5989,7 @@
             </a:r>
             <a:endParaRPr lang="en-US" sz="8000" b="1" dirty="0">
               <a:solidFill>
-                <a:schemeClr val="bg1"/>
+                <a:srgbClr val="F2F2EF"/>
               </a:solidFill>
               <a:latin typeface="+mj-lt"/>
             </a:endParaRPr>
@@ -3126,13 +6102,13 @@
   <p:clrMapOvr>
     <a:masterClrMapping/>
   </p:clrMapOvr>
-  <mc:AlternateContent xmlns:mc="http://schemas.openxmlformats.org/markup-compatibility/2006" xmlns:p14="http://schemas.microsoft.com/office/powerpoint/2010/main">
-    <mc:Choice Requires="p14">
-      <p:transition spd="slow" p14:dur="4000">
+  <mc:AlternateContent xmlns:mc="http://schemas.openxmlformats.org/markup-compatibility/2006">
+    <mc:Choice xmlns:p14="http://schemas.microsoft.com/office/powerpoint/2010/main" Requires="p14">
+      <p:transition spd="slow" p14:dur="2000">
         <p14:vortex dir="r"/>
       </p:transition>
     </mc:Choice>
-    <mc:Fallback xmlns="">
+    <mc:Fallback>
       <p:transition spd="slow">
         <p:fade/>
       </p:transition>
@@ -3190,7 +6166,7 @@
                                     </p:set>
                                     <p:animEffect transition="in" filter="fade">
                                       <p:cBhvr>
-                                        <p:cTn id="7" dur="1000"/>
+                                        <p:cTn id="7" dur="750"/>
                                         <p:tgtEl>
                                           <p:spTgt spid="4"/>
                                         </p:tgtEl>
@@ -3198,7 +6174,7 @@
                                     </p:animEffect>
                                     <p:anim calcmode="lin" valueType="num">
                                       <p:cBhvr>
-                                        <p:cTn id="8" dur="1000" fill="hold"/>
+                                        <p:cTn id="8" dur="750" fill="hold"/>
                                         <p:tgtEl>
                                           <p:spTgt spid="4"/>
                                         </p:tgtEl>
@@ -3221,7 +6197,7 @@
                                     </p:anim>
                                     <p:anim calcmode="lin" valueType="num">
                                       <p:cBhvr>
-                                        <p:cTn id="9" dur="900" decel="100000" fill="hold"/>
+                                        <p:cTn id="9" dur="675" decel="100000" fill="hold"/>
                                         <p:tgtEl>
                                           <p:spTgt spid="4"/>
                                         </p:tgtEl>
@@ -3244,9 +6220,9 @@
                                     </p:anim>
                                     <p:anim calcmode="lin" valueType="num">
                                       <p:cBhvr>
-                                        <p:cTn id="10" dur="100" accel="100000" fill="hold">
+                                        <p:cTn id="10" dur="75" accel="100000" fill="hold">
                                           <p:stCondLst>
-                                            <p:cond delay="900"/>
+                                            <p:cond delay="675"/>
                                           </p:stCondLst>
                                         </p:cTn>
                                         <p:tgtEl>
@@ -3365,13 +6341,17 @@
           <a:lstStyle/>
           <a:p>
             <a:r>
-              <a:rPr lang="en-US" dirty="0" smtClean="0"/>
+              <a:rPr lang="en-US" dirty="0" smtClean="0">
+                <a:solidFill>
+                  <a:srgbClr val="F2F2EF"/>
+                </a:solidFill>
+              </a:rPr>
               <a:t>	</a:t>
             </a:r>
             <a:r>
               <a:rPr lang="en-US" sz="4000" b="1" dirty="0">
                 <a:solidFill>
-                  <a:schemeClr val="bg1"/>
+                  <a:srgbClr val="F2F2EF"/>
                 </a:solidFill>
               </a:rPr>
               <a:t> </a:t>
@@ -3379,12 +6359,16 @@
             <a:r>
               <a:rPr lang="en-US" sz="4000" b="1" dirty="0" smtClean="0">
                 <a:solidFill>
-                  <a:schemeClr val="bg1"/>
+                  <a:srgbClr val="F2F2EF"/>
                 </a:solidFill>
               </a:rPr>
-              <a:t>TEAM MEMBER</a:t>
+              <a:t>TEAM MEMBERS</a:t>
             </a:r>
-            <a:endParaRPr lang="en-US" sz="4000" dirty="0"/>
+            <a:endParaRPr lang="en-US" sz="4000" dirty="0">
+              <a:solidFill>
+                <a:srgbClr val="F2F2EF"/>
+              </a:solidFill>
+            </a:endParaRPr>
           </a:p>
         </p:txBody>
       </p:sp>
@@ -3416,6 +6400,16 @@
           <a:prstGeom prst="rect">
             <a:avLst/>
           </a:prstGeom>
+          <a:ln>
+            <a:noFill/>
+          </a:ln>
+          <a:effectLst>
+            <a:outerShdw blurRad="292100" dist="139700" dir="2700000" algn="tl" rotWithShape="0">
+              <a:srgbClr val="333333">
+                <a:alpha val="65000"/>
+              </a:srgbClr>
+            </a:outerShdw>
+          </a:effectLst>
         </p:spPr>
       </p:pic>
       <p:pic>
@@ -3446,6 +6440,16 @@
           <a:prstGeom prst="rect">
             <a:avLst/>
           </a:prstGeom>
+          <a:ln>
+            <a:noFill/>
+          </a:ln>
+          <a:effectLst>
+            <a:outerShdw blurRad="292100" dist="139700" dir="2700000" algn="tl" rotWithShape="0">
+              <a:srgbClr val="333333">
+                <a:alpha val="65000"/>
+              </a:srgbClr>
+            </a:outerShdw>
+          </a:effectLst>
         </p:spPr>
       </p:pic>
       <p:pic>
@@ -3476,6 +6480,16 @@
           <a:prstGeom prst="rect">
             <a:avLst/>
           </a:prstGeom>
+          <a:ln>
+            <a:noFill/>
+          </a:ln>
+          <a:effectLst>
+            <a:outerShdw blurRad="292100" dist="139700" dir="2700000" algn="tl" rotWithShape="0">
+              <a:srgbClr val="333333">
+                <a:alpha val="65000"/>
+              </a:srgbClr>
+            </a:outerShdw>
+          </a:effectLst>
         </p:spPr>
       </p:pic>
       <p:sp>
@@ -3520,36 +6534,6 @@
           </a:p>
         </p:txBody>
       </p:sp>
-      <p:pic>
-        <p:nvPicPr>
-          <p:cNvPr id="8" name="Picture 7"/>
-          <p:cNvPicPr>
-            <a:picLocks noChangeAspect="1"/>
-          </p:cNvPicPr>
-          <p:nvPr/>
-        </p:nvPicPr>
-        <p:blipFill>
-          <a:blip r:embed="rId5" cstate="print">
-            <a:extLst>
-              <a:ext uri="{28A0092B-C50C-407E-A947-70E740481C1C}">
-                <a14:useLocalDpi xmlns:a14="http://schemas.microsoft.com/office/drawing/2010/main" val="0"/>
-              </a:ext>
-            </a:extLst>
-          </a:blip>
-          <a:stretch>
-            <a:fillRect/>
-          </a:stretch>
-        </p:blipFill>
-        <p:spPr>
-          <a:xfrm>
-            <a:off x="6852267" y="1997246"/>
-            <a:ext cx="2682595" cy="1905760"/>
-          </a:xfrm>
-          <a:prstGeom prst="rect">
-            <a:avLst/>
-          </a:prstGeom>
-        </p:spPr>
-      </p:pic>
       <p:sp>
         <p:nvSpPr>
           <p:cNvPr id="10" name="TextBox 9"/>
@@ -3601,7 +6585,7 @@
           <p:nvPr/>
         </p:nvPicPr>
         <p:blipFill>
-          <a:blip r:embed="rId6">
+          <a:blip r:embed="rId5">
             <a:extLst>
               <a:ext uri="{28A0092B-C50C-407E-A947-70E740481C1C}">
                 <a14:useLocalDpi xmlns:a14="http://schemas.microsoft.com/office/drawing/2010/main" val="0"/>
@@ -3620,6 +6604,16 @@
           <a:prstGeom prst="rect">
             <a:avLst/>
           </a:prstGeom>
+          <a:ln>
+            <a:noFill/>
+          </a:ln>
+          <a:effectLst>
+            <a:outerShdw blurRad="292100" dist="139700" dir="2700000" algn="tl" rotWithShape="0">
+              <a:srgbClr val="333333">
+                <a:alpha val="65000"/>
+              </a:srgbClr>
+            </a:outerShdw>
+          </a:effectLst>
         </p:spPr>
       </p:pic>
       <p:sp>
@@ -3630,7 +6624,7 @@
         </p:nvSpPr>
         <p:spPr>
           <a:xfrm>
-            <a:off x="9744574" y="1350386"/>
+            <a:off x="9854538" y="1350386"/>
             <a:ext cx="2035049" cy="646860"/>
           </a:xfrm>
           <a:prstGeom prst="borderCallout2">
@@ -3678,7 +6672,7 @@
         </p:nvSpPr>
         <p:spPr>
           <a:xfrm>
-            <a:off x="4221183" y="1332766"/>
+            <a:off x="4317055" y="1350386"/>
             <a:ext cx="2035049" cy="646860"/>
           </a:xfrm>
           <a:prstGeom prst="borderCallout2">
@@ -3718,6 +6712,85 @@
           </a:p>
         </p:txBody>
       </p:sp>
+      <p:pic>
+        <p:nvPicPr>
+          <p:cNvPr id="4" name="Picture 3"/>
+          <p:cNvPicPr>
+            <a:picLocks noChangeAspect="1"/>
+          </p:cNvPicPr>
+          <p:nvPr/>
+        </p:nvPicPr>
+        <p:blipFill rotWithShape="1">
+          <a:blip r:embed="rId6">
+            <a:extLst>
+              <a:ext uri="{28A0092B-C50C-407E-A947-70E740481C1C}">
+                <a14:useLocalDpi xmlns:a14="http://schemas.microsoft.com/office/drawing/2010/main" val="0"/>
+              </a:ext>
+            </a:extLst>
+          </a:blip>
+          <a:srcRect t="9047" b="7929"/>
+          <a:stretch/>
+        </p:blipFill>
+        <p:spPr>
+          <a:xfrm>
+            <a:off x="1850951" y="1687840"/>
+            <a:ext cx="1778744" cy="2215166"/>
+          </a:xfrm>
+          <a:prstGeom prst="rect">
+            <a:avLst/>
+          </a:prstGeom>
+          <a:ln>
+            <a:noFill/>
+          </a:ln>
+          <a:effectLst>
+            <a:outerShdw blurRad="292100" dist="139700" dir="2700000" algn="tl" rotWithShape="0">
+              <a:srgbClr val="333333">
+                <a:alpha val="65000"/>
+              </a:srgbClr>
+            </a:outerShdw>
+          </a:effectLst>
+        </p:spPr>
+      </p:pic>
+      <p:pic>
+        <p:nvPicPr>
+          <p:cNvPr id="8" name="Picture 7"/>
+          <p:cNvPicPr>
+            <a:picLocks noChangeAspect="1"/>
+          </p:cNvPicPr>
+          <p:nvPr/>
+        </p:nvPicPr>
+        <p:blipFill>
+          <a:blip r:embed="rId7" cstate="print">
+            <a:extLst>
+              <a:ext uri="{28A0092B-C50C-407E-A947-70E740481C1C}">
+                <a14:useLocalDpi xmlns:a14="http://schemas.microsoft.com/office/drawing/2010/main" val="0"/>
+              </a:ext>
+            </a:extLst>
+          </a:blip>
+          <a:stretch>
+            <a:fillRect/>
+          </a:stretch>
+        </p:blipFill>
+        <p:spPr>
+          <a:xfrm>
+            <a:off x="6852267" y="1997246"/>
+            <a:ext cx="2682595" cy="1905760"/>
+          </a:xfrm>
+          <a:prstGeom prst="rect">
+            <a:avLst/>
+          </a:prstGeom>
+          <a:ln>
+            <a:noFill/>
+          </a:ln>
+          <a:effectLst>
+            <a:outerShdw blurRad="292100" dist="139700" dir="2700000" algn="tl" rotWithShape="0">
+              <a:srgbClr val="333333">
+                <a:alpha val="65000"/>
+              </a:srgbClr>
+            </a:outerShdw>
+          </a:effectLst>
+        </p:spPr>
+      </p:pic>
     </p:spTree>
     <p:extLst>
       <p:ext uri="{BB962C8B-B14F-4D97-AF65-F5344CB8AC3E}">
@@ -3730,12 +6803,12 @@
   </p:clrMapOvr>
   <mc:AlternateContent xmlns:mc="http://schemas.openxmlformats.org/markup-compatibility/2006">
     <mc:Choice xmlns:p15="http://schemas.microsoft.com/office/powerpoint/2012/main" Requires="p15">
-      <p:transition xmlns:p14="http://schemas.microsoft.com/office/powerpoint/2010/main" spd="slow" p14:dur="2000">
+      <p:transition>
         <p15:prstTrans prst="prestige"/>
       </p:transition>
     </mc:Choice>
     <mc:Fallback>
-      <p:transition spd="slow">
+      <p:transition>
         <p:fade/>
       </p:transition>
     </mc:Fallback>
@@ -3752,9 +6825,6 @@
                     <p:cTn id="3" fill="hold">
                       <p:stCondLst>
                         <p:cond delay="indefinite"/>
-                        <p:cond evt="onBegin" delay="0">
-                          <p:tn val="2"/>
-                        </p:cond>
                       </p:stCondLst>
                       <p:childTnLst>
                         <p:par>
@@ -3764,740 +6834,53 @@
                             </p:stCondLst>
                             <p:childTnLst>
                               <p:par>
-                                <p:cTn id="5" presetID="42" presetClass="entr" presetSubtype="0" fill="hold" nodeType="withEffect">
+                                <p:cTn id="5" presetID="1" presetClass="emph" presetSubtype="2" fill="hold" nodeType="clickEffect">
                                   <p:stCondLst>
                                     <p:cond delay="0"/>
                                   </p:stCondLst>
                                   <p:childTnLst>
-                                    <p:set>
+                                    <p:animClr clrSpc="rgb" dir="cw">
                                       <p:cBhvr>
-                                        <p:cTn id="6" dur="1" fill="hold">
-                                          <p:stCondLst>
-                                            <p:cond delay="0"/>
-                                          </p:stCondLst>
-                                        </p:cTn>
+                                        <p:cTn id="6" dur="2000" fill="hold"/>
                                         <p:tgtEl>
-                                          <p:spTgt spid="8"/>
+                                          <p:spTgt spid="4"/>
                                         </p:tgtEl>
                                         <p:attrNameLst>
-                                          <p:attrName>style.visibility</p:attrName>
+                                          <p:attrName>fillcolor</p:attrName>
                                         </p:attrNameLst>
                                       </p:cBhvr>
                                       <p:to>
-                                        <p:strVal val="visible"/>
+                                        <a:schemeClr val="accent2"/>
                                       </p:to>
-                                    </p:set>
-                                    <p:animEffect transition="in" filter="fade">
+                                    </p:animClr>
+                                    <p:set>
                                       <p:cBhvr>
-                                        <p:cTn id="7" dur="1000"/>
+                                        <p:cTn id="7" dur="2000" fill="hold"/>
                                         <p:tgtEl>
-                                          <p:spTgt spid="8"/>
-                                        </p:tgtEl>
-                                      </p:cBhvr>
-                                    </p:animEffect>
-                                    <p:anim calcmode="lin" valueType="num">
-                                      <p:cBhvr>
-                                        <p:cTn id="8" dur="1000" fill="hold"/>
-                                        <p:tgtEl>
-                                          <p:spTgt spid="8"/>
+                                          <p:spTgt spid="4"/>
                                         </p:tgtEl>
                                         <p:attrNameLst>
-                                          <p:attrName>ppt_x</p:attrName>
-                                        </p:attrNameLst>
-                                      </p:cBhvr>
-                                      <p:tavLst>
-                                        <p:tav tm="0">
-                                          <p:val>
-                                            <p:strVal val="#ppt_x"/>
-                                          </p:val>
-                                        </p:tav>
-                                        <p:tav tm="100000">
-                                          <p:val>
-                                            <p:strVal val="#ppt_x"/>
-                                          </p:val>
-                                        </p:tav>
-                                      </p:tavLst>
-                                    </p:anim>
-                                    <p:anim calcmode="lin" valueType="num">
-                                      <p:cBhvr>
-                                        <p:cTn id="9" dur="1000" fill="hold"/>
-                                        <p:tgtEl>
-                                          <p:spTgt spid="8"/>
-                                        </p:tgtEl>
-                                        <p:attrNameLst>
-                                          <p:attrName>ppt_y</p:attrName>
-                                        </p:attrNameLst>
-                                      </p:cBhvr>
-                                      <p:tavLst>
-                                        <p:tav tm="0">
-                                          <p:val>
-                                            <p:strVal val="#ppt_y+.1"/>
-                                          </p:val>
-                                        </p:tav>
-                                        <p:tav tm="100000">
-                                          <p:val>
-                                            <p:strVal val="#ppt_y"/>
-                                          </p:val>
-                                        </p:tav>
-                                      </p:tavLst>
-                                    </p:anim>
-                                  </p:childTnLst>
-                                </p:cTn>
-                              </p:par>
-                              <p:par>
-                                <p:cTn id="10" presetID="42" presetClass="entr" presetSubtype="0" fill="hold" grpId="0" nodeType="withEffect">
-                                  <p:stCondLst>
-                                    <p:cond delay="0"/>
-                                  </p:stCondLst>
-                                  <p:childTnLst>
-                                    <p:set>
-                                      <p:cBhvr>
-                                        <p:cTn id="11" dur="1" fill="hold">
-                                          <p:stCondLst>
-                                            <p:cond delay="0"/>
-                                          </p:stCondLst>
-                                        </p:cTn>
-                                        <p:tgtEl>
-                                          <p:spTgt spid="10"/>
-                                        </p:tgtEl>
-                                        <p:attrNameLst>
-                                          <p:attrName>style.visibility</p:attrName>
+                                          <p:attrName>fill.type</p:attrName>
                                         </p:attrNameLst>
                                       </p:cBhvr>
                                       <p:to>
-                                        <p:strVal val="visible"/>
+                                        <p:strVal val="solid"/>
                                       </p:to>
                                     </p:set>
-                                    <p:animEffect transition="in" filter="fade">
+                                    <p:set>
                                       <p:cBhvr>
-                                        <p:cTn id="12" dur="1000"/>
+                                        <p:cTn id="8" dur="2000" fill="hold"/>
                                         <p:tgtEl>
-                                          <p:spTgt spid="10"/>
-                                        </p:tgtEl>
-                                      </p:cBhvr>
-                                    </p:animEffect>
-                                    <p:anim calcmode="lin" valueType="num">
-                                      <p:cBhvr>
-                                        <p:cTn id="13" dur="1000" fill="hold"/>
-                                        <p:tgtEl>
-                                          <p:spTgt spid="10"/>
+                                          <p:spTgt spid="4"/>
                                         </p:tgtEl>
                                         <p:attrNameLst>
-                                          <p:attrName>ppt_x</p:attrName>
-                                        </p:attrNameLst>
-                                      </p:cBhvr>
-                                      <p:tavLst>
-                                        <p:tav tm="0">
-                                          <p:val>
-                                            <p:strVal val="#ppt_x"/>
-                                          </p:val>
-                                        </p:tav>
-                                        <p:tav tm="100000">
-                                          <p:val>
-                                            <p:strVal val="#ppt_x"/>
-                                          </p:val>
-                                        </p:tav>
-                                      </p:tavLst>
-                                    </p:anim>
-                                    <p:anim calcmode="lin" valueType="num">
-                                      <p:cBhvr>
-                                        <p:cTn id="14" dur="1000" fill="hold"/>
-                                        <p:tgtEl>
-                                          <p:spTgt spid="10"/>
-                                        </p:tgtEl>
-                                        <p:attrNameLst>
-                                          <p:attrName>ppt_y</p:attrName>
-                                        </p:attrNameLst>
-                                      </p:cBhvr>
-                                      <p:tavLst>
-                                        <p:tav tm="0">
-                                          <p:val>
-                                            <p:strVal val="#ppt_y+.1"/>
-                                          </p:val>
-                                        </p:tav>
-                                        <p:tav tm="100000">
-                                          <p:val>
-                                            <p:strVal val="#ppt_y"/>
-                                          </p:val>
-                                        </p:tav>
-                                      </p:tavLst>
-                                    </p:anim>
-                                  </p:childTnLst>
-                                </p:cTn>
-                              </p:par>
-                              <p:par>
-                                <p:cTn id="15" presetID="42" presetClass="entr" presetSubtype="0" fill="hold" grpId="0" nodeType="withEffect">
-                                  <p:stCondLst>
-                                    <p:cond delay="0"/>
-                                  </p:stCondLst>
-                                  <p:childTnLst>
-                                    <p:set>
-                                      <p:cBhvr>
-                                        <p:cTn id="16" dur="1" fill="hold">
-                                          <p:stCondLst>
-                                            <p:cond delay="0"/>
-                                          </p:stCondLst>
-                                        </p:cTn>
-                                        <p:tgtEl>
-                                          <p:spTgt spid="15"/>
-                                        </p:tgtEl>
-                                        <p:attrNameLst>
-                                          <p:attrName>style.visibility</p:attrName>
+                                          <p:attrName>fill.on</p:attrName>
                                         </p:attrNameLst>
                                       </p:cBhvr>
                                       <p:to>
-                                        <p:strVal val="visible"/>
+                                        <p:strVal val="true"/>
                                       </p:to>
                                     </p:set>
-                                    <p:animEffect transition="in" filter="fade">
-                                      <p:cBhvr>
-                                        <p:cTn id="17" dur="1000"/>
-                                        <p:tgtEl>
-                                          <p:spTgt spid="15"/>
-                                        </p:tgtEl>
-                                      </p:cBhvr>
-                                    </p:animEffect>
-                                    <p:anim calcmode="lin" valueType="num">
-                                      <p:cBhvr>
-                                        <p:cTn id="18" dur="1000" fill="hold"/>
-                                        <p:tgtEl>
-                                          <p:spTgt spid="15"/>
-                                        </p:tgtEl>
-                                        <p:attrNameLst>
-                                          <p:attrName>ppt_x</p:attrName>
-                                        </p:attrNameLst>
-                                      </p:cBhvr>
-                                      <p:tavLst>
-                                        <p:tav tm="0">
-                                          <p:val>
-                                            <p:strVal val="#ppt_x"/>
-                                          </p:val>
-                                        </p:tav>
-                                        <p:tav tm="100000">
-                                          <p:val>
-                                            <p:strVal val="#ppt_x"/>
-                                          </p:val>
-                                        </p:tav>
-                                      </p:tavLst>
-                                    </p:anim>
-                                    <p:anim calcmode="lin" valueType="num">
-                                      <p:cBhvr>
-                                        <p:cTn id="19" dur="1000" fill="hold"/>
-                                        <p:tgtEl>
-                                          <p:spTgt spid="15"/>
-                                        </p:tgtEl>
-                                        <p:attrNameLst>
-                                          <p:attrName>ppt_y</p:attrName>
-                                        </p:attrNameLst>
-                                      </p:cBhvr>
-                                      <p:tavLst>
-                                        <p:tav tm="0">
-                                          <p:val>
-                                            <p:strVal val="#ppt_y+.1"/>
-                                          </p:val>
-                                        </p:tav>
-                                        <p:tav tm="100000">
-                                          <p:val>
-                                            <p:strVal val="#ppt_y"/>
-                                          </p:val>
-                                        </p:tav>
-                                      </p:tavLst>
-                                    </p:anim>
-                                  </p:childTnLst>
-                                </p:cTn>
-                              </p:par>
-                              <p:par>
-                                <p:cTn id="20" presetID="42" presetClass="entr" presetSubtype="0" fill="hold" grpId="0" nodeType="withEffect">
-                                  <p:stCondLst>
-                                    <p:cond delay="0"/>
-                                  </p:stCondLst>
-                                  <p:childTnLst>
-                                    <p:set>
-                                      <p:cBhvr>
-                                        <p:cTn id="21" dur="1" fill="hold">
-                                          <p:stCondLst>
-                                            <p:cond delay="0"/>
-                                          </p:stCondLst>
-                                        </p:cTn>
-                                        <p:tgtEl>
-                                          <p:spTgt spid="16"/>
-                                        </p:tgtEl>
-                                        <p:attrNameLst>
-                                          <p:attrName>style.visibility</p:attrName>
-                                        </p:attrNameLst>
-                                      </p:cBhvr>
-                                      <p:to>
-                                        <p:strVal val="visible"/>
-                                      </p:to>
-                                    </p:set>
-                                    <p:animEffect transition="in" filter="fade">
-                                      <p:cBhvr>
-                                        <p:cTn id="22" dur="1000"/>
-                                        <p:tgtEl>
-                                          <p:spTgt spid="16"/>
-                                        </p:tgtEl>
-                                      </p:cBhvr>
-                                    </p:animEffect>
-                                    <p:anim calcmode="lin" valueType="num">
-                                      <p:cBhvr>
-                                        <p:cTn id="23" dur="1000" fill="hold"/>
-                                        <p:tgtEl>
-                                          <p:spTgt spid="16"/>
-                                        </p:tgtEl>
-                                        <p:attrNameLst>
-                                          <p:attrName>ppt_x</p:attrName>
-                                        </p:attrNameLst>
-                                      </p:cBhvr>
-                                      <p:tavLst>
-                                        <p:tav tm="0">
-                                          <p:val>
-                                            <p:strVal val="#ppt_x"/>
-                                          </p:val>
-                                        </p:tav>
-                                        <p:tav tm="100000">
-                                          <p:val>
-                                            <p:strVal val="#ppt_x"/>
-                                          </p:val>
-                                        </p:tav>
-                                      </p:tavLst>
-                                    </p:anim>
-                                    <p:anim calcmode="lin" valueType="num">
-                                      <p:cBhvr>
-                                        <p:cTn id="24" dur="1000" fill="hold"/>
-                                        <p:tgtEl>
-                                          <p:spTgt spid="16"/>
-                                        </p:tgtEl>
-                                        <p:attrNameLst>
-                                          <p:attrName>ppt_y</p:attrName>
-                                        </p:attrNameLst>
-                                      </p:cBhvr>
-                                      <p:tavLst>
-                                        <p:tav tm="0">
-                                          <p:val>
-                                            <p:strVal val="#ppt_y+.1"/>
-                                          </p:val>
-                                        </p:tav>
-                                        <p:tav tm="100000">
-                                          <p:val>
-                                            <p:strVal val="#ppt_y"/>
-                                          </p:val>
-                                        </p:tav>
-                                      </p:tavLst>
-                                    </p:anim>
-                                  </p:childTnLst>
-                                </p:cTn>
-                              </p:par>
-                            </p:childTnLst>
-                          </p:cTn>
-                        </p:par>
-                        <p:par>
-                          <p:cTn id="25" fill="hold">
-                            <p:stCondLst>
-                              <p:cond delay="1000"/>
-                            </p:stCondLst>
-                            <p:childTnLst>
-                              <p:par>
-                                <p:cTn id="26" presetID="42" presetClass="entr" presetSubtype="0" fill="hold" nodeType="afterEffect">
-                                  <p:stCondLst>
-                                    <p:cond delay="0"/>
-                                  </p:stCondLst>
-                                  <p:childTnLst>
-                                    <p:set>
-                                      <p:cBhvr>
-                                        <p:cTn id="27" dur="1" fill="hold">
-                                          <p:stCondLst>
-                                            <p:cond delay="0"/>
-                                          </p:stCondLst>
-                                        </p:cTn>
-                                        <p:tgtEl>
-                                          <p:spTgt spid="3"/>
-                                        </p:tgtEl>
-                                        <p:attrNameLst>
-                                          <p:attrName>style.visibility</p:attrName>
-                                        </p:attrNameLst>
-                                      </p:cBhvr>
-                                      <p:to>
-                                        <p:strVal val="visible"/>
-                                      </p:to>
-                                    </p:set>
-                                    <p:animEffect transition="in" filter="fade">
-                                      <p:cBhvr>
-                                        <p:cTn id="28" dur="1000"/>
-                                        <p:tgtEl>
-                                          <p:spTgt spid="3"/>
-                                        </p:tgtEl>
-                                      </p:cBhvr>
-                                    </p:animEffect>
-                                    <p:anim calcmode="lin" valueType="num">
-                                      <p:cBhvr>
-                                        <p:cTn id="29" dur="1000" fill="hold"/>
-                                        <p:tgtEl>
-                                          <p:spTgt spid="3"/>
-                                        </p:tgtEl>
-                                        <p:attrNameLst>
-                                          <p:attrName>ppt_x</p:attrName>
-                                        </p:attrNameLst>
-                                      </p:cBhvr>
-                                      <p:tavLst>
-                                        <p:tav tm="0">
-                                          <p:val>
-                                            <p:strVal val="#ppt_x"/>
-                                          </p:val>
-                                        </p:tav>
-                                        <p:tav tm="100000">
-                                          <p:val>
-                                            <p:strVal val="#ppt_x"/>
-                                          </p:val>
-                                        </p:tav>
-                                      </p:tavLst>
-                                    </p:anim>
-                                    <p:anim calcmode="lin" valueType="num">
-                                      <p:cBhvr>
-                                        <p:cTn id="30" dur="1000" fill="hold"/>
-                                        <p:tgtEl>
-                                          <p:spTgt spid="3"/>
-                                        </p:tgtEl>
-                                        <p:attrNameLst>
-                                          <p:attrName>ppt_y</p:attrName>
-                                        </p:attrNameLst>
-                                      </p:cBhvr>
-                                      <p:tavLst>
-                                        <p:tav tm="0">
-                                          <p:val>
-                                            <p:strVal val="#ppt_y+.1"/>
-                                          </p:val>
-                                        </p:tav>
-                                        <p:tav tm="100000">
-                                          <p:val>
-                                            <p:strVal val="#ppt_y"/>
-                                          </p:val>
-                                        </p:tav>
-                                      </p:tavLst>
-                                    </p:anim>
-                                  </p:childTnLst>
-                                </p:cTn>
-                              </p:par>
-                              <p:par>
-                                <p:cTn id="31" presetID="42" presetClass="entr" presetSubtype="0" fill="hold" nodeType="withEffect">
-                                  <p:stCondLst>
-                                    <p:cond delay="0"/>
-                                  </p:stCondLst>
-                                  <p:childTnLst>
-                                    <p:set>
-                                      <p:cBhvr>
-                                        <p:cTn id="32" dur="1" fill="hold">
-                                          <p:stCondLst>
-                                            <p:cond delay="0"/>
-                                          </p:stCondLst>
-                                        </p:cTn>
-                                        <p:tgtEl>
-                                          <p:spTgt spid="5"/>
-                                        </p:tgtEl>
-                                        <p:attrNameLst>
-                                          <p:attrName>style.visibility</p:attrName>
-                                        </p:attrNameLst>
-                                      </p:cBhvr>
-                                      <p:to>
-                                        <p:strVal val="visible"/>
-                                      </p:to>
-                                    </p:set>
-                                    <p:animEffect transition="in" filter="fade">
-                                      <p:cBhvr>
-                                        <p:cTn id="33" dur="1000"/>
-                                        <p:tgtEl>
-                                          <p:spTgt spid="5"/>
-                                        </p:tgtEl>
-                                      </p:cBhvr>
-                                    </p:animEffect>
-                                    <p:anim calcmode="lin" valueType="num">
-                                      <p:cBhvr>
-                                        <p:cTn id="34" dur="1000" fill="hold"/>
-                                        <p:tgtEl>
-                                          <p:spTgt spid="5"/>
-                                        </p:tgtEl>
-                                        <p:attrNameLst>
-                                          <p:attrName>ppt_x</p:attrName>
-                                        </p:attrNameLst>
-                                      </p:cBhvr>
-                                      <p:tavLst>
-                                        <p:tav tm="0">
-                                          <p:val>
-                                            <p:strVal val="#ppt_x"/>
-                                          </p:val>
-                                        </p:tav>
-                                        <p:tav tm="100000">
-                                          <p:val>
-                                            <p:strVal val="#ppt_x"/>
-                                          </p:val>
-                                        </p:tav>
-                                      </p:tavLst>
-                                    </p:anim>
-                                    <p:anim calcmode="lin" valueType="num">
-                                      <p:cBhvr>
-                                        <p:cTn id="35" dur="1000" fill="hold"/>
-                                        <p:tgtEl>
-                                          <p:spTgt spid="5"/>
-                                        </p:tgtEl>
-                                        <p:attrNameLst>
-                                          <p:attrName>ppt_y</p:attrName>
-                                        </p:attrNameLst>
-                                      </p:cBhvr>
-                                      <p:tavLst>
-                                        <p:tav tm="0">
-                                          <p:val>
-                                            <p:strVal val="#ppt_y+.1"/>
-                                          </p:val>
-                                        </p:tav>
-                                        <p:tav tm="100000">
-                                          <p:val>
-                                            <p:strVal val="#ppt_y"/>
-                                          </p:val>
-                                        </p:tav>
-                                      </p:tavLst>
-                                    </p:anim>
-                                  </p:childTnLst>
-                                </p:cTn>
-                              </p:par>
-                              <p:par>
-                                <p:cTn id="36" presetID="42" presetClass="entr" presetSubtype="0" fill="hold" nodeType="withEffect">
-                                  <p:stCondLst>
-                                    <p:cond delay="0"/>
-                                  </p:stCondLst>
-                                  <p:childTnLst>
-                                    <p:set>
-                                      <p:cBhvr>
-                                        <p:cTn id="37" dur="1" fill="hold">
-                                          <p:stCondLst>
-                                            <p:cond delay="0"/>
-                                          </p:stCondLst>
-                                        </p:cTn>
-                                        <p:tgtEl>
-                                          <p:spTgt spid="6"/>
-                                        </p:tgtEl>
-                                        <p:attrNameLst>
-                                          <p:attrName>style.visibility</p:attrName>
-                                        </p:attrNameLst>
-                                      </p:cBhvr>
-                                      <p:to>
-                                        <p:strVal val="visible"/>
-                                      </p:to>
-                                    </p:set>
-                                    <p:animEffect transition="in" filter="fade">
-                                      <p:cBhvr>
-                                        <p:cTn id="38" dur="1000"/>
-                                        <p:tgtEl>
-                                          <p:spTgt spid="6"/>
-                                        </p:tgtEl>
-                                      </p:cBhvr>
-                                    </p:animEffect>
-                                    <p:anim calcmode="lin" valueType="num">
-                                      <p:cBhvr>
-                                        <p:cTn id="39" dur="1000" fill="hold"/>
-                                        <p:tgtEl>
-                                          <p:spTgt spid="6"/>
-                                        </p:tgtEl>
-                                        <p:attrNameLst>
-                                          <p:attrName>ppt_x</p:attrName>
-                                        </p:attrNameLst>
-                                      </p:cBhvr>
-                                      <p:tavLst>
-                                        <p:tav tm="0">
-                                          <p:val>
-                                            <p:strVal val="#ppt_x"/>
-                                          </p:val>
-                                        </p:tav>
-                                        <p:tav tm="100000">
-                                          <p:val>
-                                            <p:strVal val="#ppt_x"/>
-                                          </p:val>
-                                        </p:tav>
-                                      </p:tavLst>
-                                    </p:anim>
-                                    <p:anim calcmode="lin" valueType="num">
-                                      <p:cBhvr>
-                                        <p:cTn id="40" dur="1000" fill="hold"/>
-                                        <p:tgtEl>
-                                          <p:spTgt spid="6"/>
-                                        </p:tgtEl>
-                                        <p:attrNameLst>
-                                          <p:attrName>ppt_y</p:attrName>
-                                        </p:attrNameLst>
-                                      </p:cBhvr>
-                                      <p:tavLst>
-                                        <p:tav tm="0">
-                                          <p:val>
-                                            <p:strVal val="#ppt_y+.1"/>
-                                          </p:val>
-                                        </p:tav>
-                                        <p:tav tm="100000">
-                                          <p:val>
-                                            <p:strVal val="#ppt_y"/>
-                                          </p:val>
-                                        </p:tav>
-                                      </p:tavLst>
-                                    </p:anim>
-                                  </p:childTnLst>
-                                </p:cTn>
-                              </p:par>
-                              <p:par>
-                                <p:cTn id="41" presetID="42" presetClass="entr" presetSubtype="0" fill="hold" nodeType="withEffect">
-                                  <p:stCondLst>
-                                    <p:cond delay="0"/>
-                                  </p:stCondLst>
-                                  <p:childTnLst>
-                                    <p:set>
-                                      <p:cBhvr>
-                                        <p:cTn id="42" dur="1" fill="hold">
-                                          <p:stCondLst>
-                                            <p:cond delay="0"/>
-                                          </p:stCondLst>
-                                        </p:cTn>
-                                        <p:tgtEl>
-                                          <p:spTgt spid="12"/>
-                                        </p:tgtEl>
-                                        <p:attrNameLst>
-                                          <p:attrName>style.visibility</p:attrName>
-                                        </p:attrNameLst>
-                                      </p:cBhvr>
-                                      <p:to>
-                                        <p:strVal val="visible"/>
-                                      </p:to>
-                                    </p:set>
-                                    <p:animEffect transition="in" filter="fade">
-                                      <p:cBhvr>
-                                        <p:cTn id="43" dur="1000"/>
-                                        <p:tgtEl>
-                                          <p:spTgt spid="12"/>
-                                        </p:tgtEl>
-                                      </p:cBhvr>
-                                    </p:animEffect>
-                                    <p:anim calcmode="lin" valueType="num">
-                                      <p:cBhvr>
-                                        <p:cTn id="44" dur="1000" fill="hold"/>
-                                        <p:tgtEl>
-                                          <p:spTgt spid="12"/>
-                                        </p:tgtEl>
-                                        <p:attrNameLst>
-                                          <p:attrName>ppt_x</p:attrName>
-                                        </p:attrNameLst>
-                                      </p:cBhvr>
-                                      <p:tavLst>
-                                        <p:tav tm="0">
-                                          <p:val>
-                                            <p:strVal val="#ppt_x"/>
-                                          </p:val>
-                                        </p:tav>
-                                        <p:tav tm="100000">
-                                          <p:val>
-                                            <p:strVal val="#ppt_x"/>
-                                          </p:val>
-                                        </p:tav>
-                                      </p:tavLst>
-                                    </p:anim>
-                                    <p:anim calcmode="lin" valueType="num">
-                                      <p:cBhvr>
-                                        <p:cTn id="45" dur="1000" fill="hold"/>
-                                        <p:tgtEl>
-                                          <p:spTgt spid="12"/>
-                                        </p:tgtEl>
-                                        <p:attrNameLst>
-                                          <p:attrName>ppt_y</p:attrName>
-                                        </p:attrNameLst>
-                                      </p:cBhvr>
-                                      <p:tavLst>
-                                        <p:tav tm="0">
-                                          <p:val>
-                                            <p:strVal val="#ppt_y+.1"/>
-                                          </p:val>
-                                        </p:tav>
-                                        <p:tav tm="100000">
-                                          <p:val>
-                                            <p:strVal val="#ppt_y"/>
-                                          </p:val>
-                                        </p:tav>
-                                      </p:tavLst>
-                                    </p:anim>
-                                  </p:childTnLst>
-                                </p:cTn>
-                              </p:par>
-                              <p:par>
-                                <p:cTn id="46" presetID="42" presetClass="entr" presetSubtype="0" fill="hold" grpId="0" nodeType="withEffect">
-                                  <p:stCondLst>
-                                    <p:cond delay="0"/>
-                                  </p:stCondLst>
-                                  <p:childTnLst>
-                                    <p:set>
-                                      <p:cBhvr>
-                                        <p:cTn id="47" dur="1" fill="hold">
-                                          <p:stCondLst>
-                                            <p:cond delay="0"/>
-                                          </p:stCondLst>
-                                        </p:cTn>
-                                        <p:tgtEl>
-                                          <p:spTgt spid="9"/>
-                                        </p:tgtEl>
-                                        <p:attrNameLst>
-                                          <p:attrName>style.visibility</p:attrName>
-                                        </p:attrNameLst>
-                                      </p:cBhvr>
-                                      <p:to>
-                                        <p:strVal val="visible"/>
-                                      </p:to>
-                                    </p:set>
-                                    <p:animEffect transition="in" filter="fade">
-                                      <p:cBhvr>
-                                        <p:cTn id="48" dur="1000"/>
-                                        <p:tgtEl>
-                                          <p:spTgt spid="9"/>
-                                        </p:tgtEl>
-                                      </p:cBhvr>
-                                    </p:animEffect>
-                                    <p:anim calcmode="lin" valueType="num">
-                                      <p:cBhvr>
-                                        <p:cTn id="49" dur="1000" fill="hold"/>
-                                        <p:tgtEl>
-                                          <p:spTgt spid="9"/>
-                                        </p:tgtEl>
-                                        <p:attrNameLst>
-                                          <p:attrName>ppt_x</p:attrName>
-                                        </p:attrNameLst>
-                                      </p:cBhvr>
-                                      <p:tavLst>
-                                        <p:tav tm="0">
-                                          <p:val>
-                                            <p:strVal val="#ppt_x"/>
-                                          </p:val>
-                                        </p:tav>
-                                        <p:tav tm="100000">
-                                          <p:val>
-                                            <p:strVal val="#ppt_x"/>
-                                          </p:val>
-                                        </p:tav>
-                                      </p:tavLst>
-                                    </p:anim>
-                                    <p:anim calcmode="lin" valueType="num">
-                                      <p:cBhvr>
-                                        <p:cTn id="50" dur="1000" fill="hold"/>
-                                        <p:tgtEl>
-                                          <p:spTgt spid="9"/>
-                                        </p:tgtEl>
-                                        <p:attrNameLst>
-                                          <p:attrName>ppt_y</p:attrName>
-                                        </p:attrNameLst>
-                                      </p:cBhvr>
-                                      <p:tavLst>
-                                        <p:tav tm="0">
-                                          <p:val>
-                                            <p:strVal val="#ppt_y+.1"/>
-                                          </p:val>
-                                        </p:tav>
-                                        <p:tav tm="100000">
-                                          <p:val>
-                                            <p:strVal val="#ppt_y"/>
-                                          </p:val>
-                                        </p:tav>
-                                      </p:tavLst>
-                                    </p:anim>
                                   </p:childTnLst>
                                 </p:cTn>
                               </p:par>
@@ -4528,17 +6911,2376 @@
         </p:cTn>
       </p:par>
     </p:tnLst>
-    <p:bldLst>
-      <p:bldP spid="9" grpId="0"/>
-      <p:bldP spid="10" grpId="0"/>
-      <p:bldP spid="15" grpId="0" animBg="1"/>
-      <p:bldP spid="16" grpId="0" animBg="1"/>
-    </p:bldLst>
   </p:timing>
 </p:sld>
 </file>
 
 <file path=ppt/slides/slide3.xml><?xml version="1.0" encoding="utf-8"?>
+<p:sld xmlns:a="http://schemas.openxmlformats.org/drawingml/2006/main" xmlns:r="http://schemas.openxmlformats.org/officeDocument/2006/relationships" xmlns:p="http://schemas.openxmlformats.org/presentationml/2006/main">
+  <p:cSld>
+    <p:spTree>
+      <p:nvGrpSpPr>
+        <p:cNvPr id="1" name=""/>
+        <p:cNvGrpSpPr/>
+        <p:nvPr/>
+      </p:nvGrpSpPr>
+      <p:grpSpPr>
+        <a:xfrm>
+          <a:off x="0" y="0"/>
+          <a:ext cx="0" cy="0"/>
+          <a:chOff x="0" y="0"/>
+          <a:chExt cx="0" cy="0"/>
+        </a:xfrm>
+      </p:grpSpPr>
+      <p:graphicFrame>
+        <p:nvGraphicFramePr>
+          <p:cNvPr id="4" name="Diagram 3"/>
+          <p:cNvGraphicFramePr/>
+          <p:nvPr>
+            <p:extLst>
+              <p:ext uri="{D42A27DB-BD31-4B8C-83A1-F6EECF244321}">
+                <p14:modId xmlns:p14="http://schemas.microsoft.com/office/powerpoint/2010/main" val="746942006"/>
+              </p:ext>
+            </p:extLst>
+          </p:nvPr>
+        </p:nvGraphicFramePr>
+        <p:xfrm>
+          <a:off x="1375179" y="1299215"/>
+          <a:ext cx="6403662" cy="4663703"/>
+        </p:xfrm>
+        <a:graphic>
+          <a:graphicData uri="http://schemas.openxmlformats.org/drawingml/2006/diagram">
+            <dgm:relIds xmlns:dgm="http://schemas.openxmlformats.org/drawingml/2006/diagram" xmlns:r="http://schemas.openxmlformats.org/officeDocument/2006/relationships" r:dm="rId2" r:lo="rId3" r:qs="rId4" r:cs="rId5"/>
+          </a:graphicData>
+        </a:graphic>
+      </p:graphicFrame>
+    </p:spTree>
+    <p:extLst>
+      <p:ext uri="{BB962C8B-B14F-4D97-AF65-F5344CB8AC3E}">
+        <p14:creationId xmlns:p14="http://schemas.microsoft.com/office/powerpoint/2010/main" val="1658249221"/>
+      </p:ext>
+    </p:extLst>
+  </p:cSld>
+  <p:clrMapOvr>
+    <a:masterClrMapping/>
+  </p:clrMapOvr>
+  <p:timing>
+    <p:tnLst>
+      <p:par>
+        <p:cTn id="1" dur="indefinite" restart="never" nodeType="tmRoot"/>
+      </p:par>
+    </p:tnLst>
+  </p:timing>
+</p:sld>
+</file>
+
+<file path=ppt/slides/slide4.xml><?xml version="1.0" encoding="utf-8"?>
+<p:sld xmlns:a="http://schemas.openxmlformats.org/drawingml/2006/main" xmlns:r="http://schemas.openxmlformats.org/officeDocument/2006/relationships" xmlns:p="http://schemas.openxmlformats.org/presentationml/2006/main">
+  <p:cSld>
+    <p:bg>
+      <p:bgPr>
+        <a:solidFill>
+          <a:schemeClr val="accent1"/>
+        </a:solidFill>
+        <a:effectLst/>
+      </p:bgPr>
+    </p:bg>
+    <p:spTree>
+      <p:nvGrpSpPr>
+        <p:cNvPr id="1" name=""/>
+        <p:cNvGrpSpPr/>
+        <p:nvPr/>
+      </p:nvGrpSpPr>
+      <p:grpSpPr>
+        <a:xfrm>
+          <a:off x="0" y="0"/>
+          <a:ext cx="0" cy="0"/>
+          <a:chOff x="0" y="0"/>
+          <a:chExt cx="0" cy="0"/>
+        </a:xfrm>
+      </p:grpSpPr>
+      <p:sp>
+        <p:nvSpPr>
+          <p:cNvPr id="3" name="TextBox 2"/>
+          <p:cNvSpPr txBox="1"/>
+          <p:nvPr/>
+        </p:nvSpPr>
+        <p:spPr>
+          <a:xfrm>
+            <a:off x="3871392" y="1015164"/>
+            <a:ext cx="4610578" cy="1323439"/>
+          </a:xfrm>
+          <a:prstGeom prst="rect">
+            <a:avLst/>
+          </a:prstGeom>
+          <a:noFill/>
+        </p:spPr>
+        <p:txBody>
+          <a:bodyPr wrap="square" rtlCol="0">
+            <a:spAutoFit/>
+          </a:bodyPr>
+          <a:lstStyle/>
+          <a:p>
+            <a:r>
+              <a:rPr lang="en-US" sz="8000" b="1" dirty="0" smtClean="0">
+                <a:solidFill>
+                  <a:srgbClr val="F2F2EF"/>
+                </a:solidFill>
+                <a:latin typeface="+mj-lt"/>
+              </a:rPr>
+              <a:t>OVERVIEW</a:t>
+            </a:r>
+            <a:endParaRPr lang="en-US" sz="8000" b="1" dirty="0">
+              <a:solidFill>
+                <a:srgbClr val="F2F2EF"/>
+              </a:solidFill>
+              <a:latin typeface="+mj-lt"/>
+            </a:endParaRPr>
+          </a:p>
+        </p:txBody>
+      </p:sp>
+      <p:graphicFrame>
+        <p:nvGraphicFramePr>
+          <p:cNvPr id="4" name="Table 3"/>
+          <p:cNvGraphicFramePr>
+            <a:graphicFrameLocks noGrp="1"/>
+          </p:cNvGraphicFramePr>
+          <p:nvPr>
+            <p:extLst>
+              <p:ext uri="{D42A27DB-BD31-4B8C-83A1-F6EECF244321}">
+                <p14:modId xmlns:p14="http://schemas.microsoft.com/office/powerpoint/2010/main" val="951956787"/>
+              </p:ext>
+            </p:extLst>
+          </p:nvPr>
+        </p:nvGraphicFramePr>
+        <p:xfrm>
+          <a:off x="1443317" y="3065928"/>
+          <a:ext cx="9305366" cy="2743200"/>
+        </p:xfrm>
+        <a:graphic>
+          <a:graphicData uri="http://schemas.openxmlformats.org/drawingml/2006/table">
+            <a:tbl>
+              <a:tblPr>
+                <a:tableStyleId>{5C22544A-7EE6-4342-B048-85BDC9FD1C3A}</a:tableStyleId>
+              </a:tblPr>
+              <a:tblGrid>
+                <a:gridCol w="1329338"/>
+                <a:gridCol w="1329338"/>
+                <a:gridCol w="1329338"/>
+                <a:gridCol w="1329338"/>
+                <a:gridCol w="1329338"/>
+                <a:gridCol w="1329338"/>
+                <a:gridCol w="1329338"/>
+              </a:tblGrid>
+              <a:tr h="548640">
+                <a:tc>
+                  <a:txBody>
+                    <a:bodyPr/>
+                    <a:lstStyle/>
+                    <a:p>
+                      <a:pPr algn="ctr"/>
+                      <a:r>
+                        <a:rPr lang="en-US" sz="2400" b="1" dirty="0" smtClean="0">
+                          <a:solidFill>
+                            <a:schemeClr val="accent1"/>
+                          </a:solidFill>
+                        </a:rPr>
+                        <a:t>SUN</a:t>
+                      </a:r>
+                      <a:endParaRPr lang="en-US" sz="2400" b="1" dirty="0">
+                        <a:solidFill>
+                          <a:schemeClr val="accent1"/>
+                        </a:solidFill>
+                      </a:endParaRPr>
+                    </a:p>
+                  </a:txBody>
+                  <a:tcPr anchor="ctr">
+                    <a:lnL w="12700" cap="flat" cmpd="sng" algn="ctr">
+                      <a:solidFill>
+                        <a:schemeClr val="accent1"/>
+                      </a:solidFill>
+                      <a:prstDash val="solid"/>
+                      <a:round/>
+                      <a:headEnd type="none" w="med" len="med"/>
+                      <a:tailEnd type="none" w="med" len="med"/>
+                    </a:lnL>
+                    <a:lnR w="12700" cap="flat" cmpd="sng" algn="ctr">
+                      <a:solidFill>
+                        <a:schemeClr val="accent1"/>
+                      </a:solidFill>
+                      <a:prstDash val="solid"/>
+                      <a:round/>
+                      <a:headEnd type="none" w="med" len="med"/>
+                      <a:tailEnd type="none" w="med" len="med"/>
+                    </a:lnR>
+                    <a:lnT w="12700" cap="flat" cmpd="sng" algn="ctr">
+                      <a:solidFill>
+                        <a:schemeClr val="accent1"/>
+                      </a:solidFill>
+                      <a:prstDash val="solid"/>
+                      <a:round/>
+                      <a:headEnd type="none" w="med" len="med"/>
+                      <a:tailEnd type="none" w="med" len="med"/>
+                    </a:lnT>
+                    <a:lnB w="12700" cap="flat" cmpd="sng" algn="ctr">
+                      <a:solidFill>
+                        <a:schemeClr val="accent1"/>
+                      </a:solidFill>
+                      <a:prstDash val="solid"/>
+                      <a:round/>
+                      <a:headEnd type="none" w="med" len="med"/>
+                      <a:tailEnd type="none" w="med" len="med"/>
+                    </a:lnB>
+                    <a:lnTlToBr w="12700" cmpd="sng">
+                      <a:noFill/>
+                      <a:prstDash val="solid"/>
+                    </a:lnTlToBr>
+                    <a:lnBlToTr w="12700" cmpd="sng">
+                      <a:noFill/>
+                      <a:prstDash val="solid"/>
+                    </a:lnBlToTr>
+                    <a:solidFill>
+                      <a:schemeClr val="bg1"/>
+                    </a:solidFill>
+                  </a:tcPr>
+                </a:tc>
+                <a:tc>
+                  <a:txBody>
+                    <a:bodyPr/>
+                    <a:lstStyle/>
+                    <a:p>
+                      <a:pPr algn="ctr"/>
+                      <a:r>
+                        <a:rPr lang="en-US" sz="2400" b="1" dirty="0" smtClean="0">
+                          <a:solidFill>
+                            <a:schemeClr val="accent1"/>
+                          </a:solidFill>
+                        </a:rPr>
+                        <a:t>MON</a:t>
+                      </a:r>
+                      <a:endParaRPr lang="en-US" sz="2400" b="1" dirty="0">
+                        <a:solidFill>
+                          <a:schemeClr val="accent1"/>
+                        </a:solidFill>
+                      </a:endParaRPr>
+                    </a:p>
+                  </a:txBody>
+                  <a:tcPr anchor="ctr">
+                    <a:lnL w="12700" cap="flat" cmpd="sng" algn="ctr">
+                      <a:solidFill>
+                        <a:schemeClr val="accent1"/>
+                      </a:solidFill>
+                      <a:prstDash val="solid"/>
+                      <a:round/>
+                      <a:headEnd type="none" w="med" len="med"/>
+                      <a:tailEnd type="none" w="med" len="med"/>
+                    </a:lnL>
+                    <a:lnR w="12700" cap="flat" cmpd="sng" algn="ctr">
+                      <a:solidFill>
+                        <a:schemeClr val="accent1"/>
+                      </a:solidFill>
+                      <a:prstDash val="solid"/>
+                      <a:round/>
+                      <a:headEnd type="none" w="med" len="med"/>
+                      <a:tailEnd type="none" w="med" len="med"/>
+                    </a:lnR>
+                    <a:lnT w="12700" cap="flat" cmpd="sng" algn="ctr">
+                      <a:solidFill>
+                        <a:schemeClr val="accent1"/>
+                      </a:solidFill>
+                      <a:prstDash val="solid"/>
+                      <a:round/>
+                      <a:headEnd type="none" w="med" len="med"/>
+                      <a:tailEnd type="none" w="med" len="med"/>
+                    </a:lnT>
+                    <a:lnB w="12700" cap="flat" cmpd="sng" algn="ctr">
+                      <a:solidFill>
+                        <a:schemeClr val="accent1"/>
+                      </a:solidFill>
+                      <a:prstDash val="solid"/>
+                      <a:round/>
+                      <a:headEnd type="none" w="med" len="med"/>
+                      <a:tailEnd type="none" w="med" len="med"/>
+                    </a:lnB>
+                    <a:lnTlToBr w="12700" cmpd="sng">
+                      <a:noFill/>
+                      <a:prstDash val="solid"/>
+                    </a:lnTlToBr>
+                    <a:lnBlToTr w="12700" cmpd="sng">
+                      <a:noFill/>
+                      <a:prstDash val="solid"/>
+                    </a:lnBlToTr>
+                    <a:solidFill>
+                      <a:schemeClr val="bg1"/>
+                    </a:solidFill>
+                  </a:tcPr>
+                </a:tc>
+                <a:tc>
+                  <a:txBody>
+                    <a:bodyPr/>
+                    <a:lstStyle/>
+                    <a:p>
+                      <a:pPr algn="ctr"/>
+                      <a:r>
+                        <a:rPr lang="en-US" sz="2400" b="1" dirty="0" smtClean="0">
+                          <a:solidFill>
+                            <a:schemeClr val="accent1"/>
+                          </a:solidFill>
+                        </a:rPr>
+                        <a:t>TUE</a:t>
+                      </a:r>
+                      <a:endParaRPr lang="en-US" sz="2400" b="1" dirty="0">
+                        <a:solidFill>
+                          <a:schemeClr val="accent1"/>
+                        </a:solidFill>
+                      </a:endParaRPr>
+                    </a:p>
+                  </a:txBody>
+                  <a:tcPr anchor="ctr">
+                    <a:lnL w="12700" cap="flat" cmpd="sng" algn="ctr">
+                      <a:solidFill>
+                        <a:schemeClr val="accent1"/>
+                      </a:solidFill>
+                      <a:prstDash val="solid"/>
+                      <a:round/>
+                      <a:headEnd type="none" w="med" len="med"/>
+                      <a:tailEnd type="none" w="med" len="med"/>
+                    </a:lnL>
+                    <a:lnR w="12700" cap="flat" cmpd="sng" algn="ctr">
+                      <a:solidFill>
+                        <a:schemeClr val="accent1"/>
+                      </a:solidFill>
+                      <a:prstDash val="solid"/>
+                      <a:round/>
+                      <a:headEnd type="none" w="med" len="med"/>
+                      <a:tailEnd type="none" w="med" len="med"/>
+                    </a:lnR>
+                    <a:lnT w="12700" cap="flat" cmpd="sng" algn="ctr">
+                      <a:solidFill>
+                        <a:schemeClr val="accent1"/>
+                      </a:solidFill>
+                      <a:prstDash val="solid"/>
+                      <a:round/>
+                      <a:headEnd type="none" w="med" len="med"/>
+                      <a:tailEnd type="none" w="med" len="med"/>
+                    </a:lnT>
+                    <a:lnB w="12700" cap="flat" cmpd="sng" algn="ctr">
+                      <a:solidFill>
+                        <a:schemeClr val="accent1"/>
+                      </a:solidFill>
+                      <a:prstDash val="solid"/>
+                      <a:round/>
+                      <a:headEnd type="none" w="med" len="med"/>
+                      <a:tailEnd type="none" w="med" len="med"/>
+                    </a:lnB>
+                    <a:lnTlToBr w="12700" cmpd="sng">
+                      <a:noFill/>
+                      <a:prstDash val="solid"/>
+                    </a:lnTlToBr>
+                    <a:lnBlToTr w="12700" cmpd="sng">
+                      <a:noFill/>
+                      <a:prstDash val="solid"/>
+                    </a:lnBlToTr>
+                    <a:solidFill>
+                      <a:schemeClr val="bg1"/>
+                    </a:solidFill>
+                  </a:tcPr>
+                </a:tc>
+                <a:tc>
+                  <a:txBody>
+                    <a:bodyPr/>
+                    <a:lstStyle/>
+                    <a:p>
+                      <a:pPr algn="ctr"/>
+                      <a:r>
+                        <a:rPr lang="en-US" sz="2400" b="1" dirty="0" smtClean="0">
+                          <a:solidFill>
+                            <a:schemeClr val="accent1"/>
+                          </a:solidFill>
+                        </a:rPr>
+                        <a:t>WED</a:t>
+                      </a:r>
+                      <a:endParaRPr lang="en-US" sz="2400" b="1" dirty="0">
+                        <a:solidFill>
+                          <a:schemeClr val="accent1"/>
+                        </a:solidFill>
+                      </a:endParaRPr>
+                    </a:p>
+                  </a:txBody>
+                  <a:tcPr anchor="ctr">
+                    <a:lnL w="12700" cap="flat" cmpd="sng" algn="ctr">
+                      <a:solidFill>
+                        <a:schemeClr val="accent1"/>
+                      </a:solidFill>
+                      <a:prstDash val="solid"/>
+                      <a:round/>
+                      <a:headEnd type="none" w="med" len="med"/>
+                      <a:tailEnd type="none" w="med" len="med"/>
+                    </a:lnL>
+                    <a:lnR w="12700" cap="flat" cmpd="sng" algn="ctr">
+                      <a:solidFill>
+                        <a:schemeClr val="accent1"/>
+                      </a:solidFill>
+                      <a:prstDash val="solid"/>
+                      <a:round/>
+                      <a:headEnd type="none" w="med" len="med"/>
+                      <a:tailEnd type="none" w="med" len="med"/>
+                    </a:lnR>
+                    <a:lnT w="12700" cap="flat" cmpd="sng" algn="ctr">
+                      <a:solidFill>
+                        <a:schemeClr val="accent1"/>
+                      </a:solidFill>
+                      <a:prstDash val="solid"/>
+                      <a:round/>
+                      <a:headEnd type="none" w="med" len="med"/>
+                      <a:tailEnd type="none" w="med" len="med"/>
+                    </a:lnT>
+                    <a:lnB w="12700" cap="flat" cmpd="sng" algn="ctr">
+                      <a:solidFill>
+                        <a:schemeClr val="accent1"/>
+                      </a:solidFill>
+                      <a:prstDash val="solid"/>
+                      <a:round/>
+                      <a:headEnd type="none" w="med" len="med"/>
+                      <a:tailEnd type="none" w="med" len="med"/>
+                    </a:lnB>
+                    <a:lnTlToBr w="12700" cmpd="sng">
+                      <a:noFill/>
+                      <a:prstDash val="solid"/>
+                    </a:lnTlToBr>
+                    <a:lnBlToTr w="12700" cmpd="sng">
+                      <a:noFill/>
+                      <a:prstDash val="solid"/>
+                    </a:lnBlToTr>
+                    <a:solidFill>
+                      <a:schemeClr val="bg1"/>
+                    </a:solidFill>
+                  </a:tcPr>
+                </a:tc>
+                <a:tc>
+                  <a:txBody>
+                    <a:bodyPr/>
+                    <a:lstStyle/>
+                    <a:p>
+                      <a:pPr algn="ctr"/>
+                      <a:r>
+                        <a:rPr lang="en-US" sz="2400" b="1" dirty="0" smtClean="0">
+                          <a:solidFill>
+                            <a:schemeClr val="accent1"/>
+                          </a:solidFill>
+                        </a:rPr>
+                        <a:t>THU</a:t>
+                      </a:r>
+                      <a:endParaRPr lang="en-US" sz="2400" b="1" dirty="0">
+                        <a:solidFill>
+                          <a:schemeClr val="accent1"/>
+                        </a:solidFill>
+                      </a:endParaRPr>
+                    </a:p>
+                  </a:txBody>
+                  <a:tcPr anchor="ctr">
+                    <a:lnL w="12700" cap="flat" cmpd="sng" algn="ctr">
+                      <a:solidFill>
+                        <a:schemeClr val="accent1"/>
+                      </a:solidFill>
+                      <a:prstDash val="solid"/>
+                      <a:round/>
+                      <a:headEnd type="none" w="med" len="med"/>
+                      <a:tailEnd type="none" w="med" len="med"/>
+                    </a:lnL>
+                    <a:lnR w="12700" cap="flat" cmpd="sng" algn="ctr">
+                      <a:solidFill>
+                        <a:schemeClr val="accent1"/>
+                      </a:solidFill>
+                      <a:prstDash val="solid"/>
+                      <a:round/>
+                      <a:headEnd type="none" w="med" len="med"/>
+                      <a:tailEnd type="none" w="med" len="med"/>
+                    </a:lnR>
+                    <a:lnT w="12700" cap="flat" cmpd="sng" algn="ctr">
+                      <a:solidFill>
+                        <a:schemeClr val="accent1"/>
+                      </a:solidFill>
+                      <a:prstDash val="solid"/>
+                      <a:round/>
+                      <a:headEnd type="none" w="med" len="med"/>
+                      <a:tailEnd type="none" w="med" len="med"/>
+                    </a:lnT>
+                    <a:lnB w="12700" cap="flat" cmpd="sng" algn="ctr">
+                      <a:solidFill>
+                        <a:schemeClr val="accent1"/>
+                      </a:solidFill>
+                      <a:prstDash val="solid"/>
+                      <a:round/>
+                      <a:headEnd type="none" w="med" len="med"/>
+                      <a:tailEnd type="none" w="med" len="med"/>
+                    </a:lnB>
+                    <a:lnTlToBr w="12700" cmpd="sng">
+                      <a:noFill/>
+                      <a:prstDash val="solid"/>
+                    </a:lnTlToBr>
+                    <a:lnBlToTr w="12700" cmpd="sng">
+                      <a:noFill/>
+                      <a:prstDash val="solid"/>
+                    </a:lnBlToTr>
+                    <a:solidFill>
+                      <a:schemeClr val="bg1"/>
+                    </a:solidFill>
+                  </a:tcPr>
+                </a:tc>
+                <a:tc>
+                  <a:txBody>
+                    <a:bodyPr/>
+                    <a:lstStyle/>
+                    <a:p>
+                      <a:pPr algn="ctr"/>
+                      <a:r>
+                        <a:rPr lang="en-US" sz="2400" b="1" dirty="0" smtClean="0">
+                          <a:solidFill>
+                            <a:schemeClr val="accent1"/>
+                          </a:solidFill>
+                        </a:rPr>
+                        <a:t>FRI</a:t>
+                      </a:r>
+                      <a:endParaRPr lang="en-US" sz="2400" b="1" dirty="0">
+                        <a:solidFill>
+                          <a:schemeClr val="accent1"/>
+                        </a:solidFill>
+                      </a:endParaRPr>
+                    </a:p>
+                  </a:txBody>
+                  <a:tcPr anchor="ctr">
+                    <a:lnL w="12700" cap="flat" cmpd="sng" algn="ctr">
+                      <a:solidFill>
+                        <a:schemeClr val="accent1"/>
+                      </a:solidFill>
+                      <a:prstDash val="solid"/>
+                      <a:round/>
+                      <a:headEnd type="none" w="med" len="med"/>
+                      <a:tailEnd type="none" w="med" len="med"/>
+                    </a:lnL>
+                    <a:lnR w="12700" cap="flat" cmpd="sng" algn="ctr">
+                      <a:solidFill>
+                        <a:schemeClr val="accent1"/>
+                      </a:solidFill>
+                      <a:prstDash val="solid"/>
+                      <a:round/>
+                      <a:headEnd type="none" w="med" len="med"/>
+                      <a:tailEnd type="none" w="med" len="med"/>
+                    </a:lnR>
+                    <a:lnT w="12700" cap="flat" cmpd="sng" algn="ctr">
+                      <a:solidFill>
+                        <a:schemeClr val="accent1"/>
+                      </a:solidFill>
+                      <a:prstDash val="solid"/>
+                      <a:round/>
+                      <a:headEnd type="none" w="med" len="med"/>
+                      <a:tailEnd type="none" w="med" len="med"/>
+                    </a:lnT>
+                    <a:lnB w="12700" cap="flat" cmpd="sng" algn="ctr">
+                      <a:solidFill>
+                        <a:schemeClr val="accent1"/>
+                      </a:solidFill>
+                      <a:prstDash val="solid"/>
+                      <a:round/>
+                      <a:headEnd type="none" w="med" len="med"/>
+                      <a:tailEnd type="none" w="med" len="med"/>
+                    </a:lnB>
+                    <a:lnTlToBr w="12700" cmpd="sng">
+                      <a:noFill/>
+                      <a:prstDash val="solid"/>
+                    </a:lnTlToBr>
+                    <a:lnBlToTr w="12700" cmpd="sng">
+                      <a:noFill/>
+                      <a:prstDash val="solid"/>
+                    </a:lnBlToTr>
+                    <a:solidFill>
+                      <a:schemeClr val="bg1"/>
+                    </a:solidFill>
+                  </a:tcPr>
+                </a:tc>
+                <a:tc>
+                  <a:txBody>
+                    <a:bodyPr/>
+                    <a:lstStyle/>
+                    <a:p>
+                      <a:pPr algn="ctr"/>
+                      <a:r>
+                        <a:rPr lang="en-US" sz="2400" b="1" dirty="0" smtClean="0">
+                          <a:solidFill>
+                            <a:schemeClr val="accent1"/>
+                          </a:solidFill>
+                        </a:rPr>
+                        <a:t>SAT</a:t>
+                      </a:r>
+                      <a:endParaRPr lang="en-US" sz="2400" b="1" dirty="0">
+                        <a:solidFill>
+                          <a:schemeClr val="accent1"/>
+                        </a:solidFill>
+                      </a:endParaRPr>
+                    </a:p>
+                  </a:txBody>
+                  <a:tcPr anchor="ctr">
+                    <a:lnL w="12700" cap="flat" cmpd="sng" algn="ctr">
+                      <a:solidFill>
+                        <a:schemeClr val="accent1"/>
+                      </a:solidFill>
+                      <a:prstDash val="solid"/>
+                      <a:round/>
+                      <a:headEnd type="none" w="med" len="med"/>
+                      <a:tailEnd type="none" w="med" len="med"/>
+                    </a:lnL>
+                    <a:lnR w="12700" cap="flat" cmpd="sng" algn="ctr">
+                      <a:solidFill>
+                        <a:schemeClr val="accent1"/>
+                      </a:solidFill>
+                      <a:prstDash val="solid"/>
+                      <a:round/>
+                      <a:headEnd type="none" w="med" len="med"/>
+                      <a:tailEnd type="none" w="med" len="med"/>
+                    </a:lnR>
+                    <a:lnT w="12700" cap="flat" cmpd="sng" algn="ctr">
+                      <a:solidFill>
+                        <a:schemeClr val="accent1"/>
+                      </a:solidFill>
+                      <a:prstDash val="solid"/>
+                      <a:round/>
+                      <a:headEnd type="none" w="med" len="med"/>
+                      <a:tailEnd type="none" w="med" len="med"/>
+                    </a:lnT>
+                    <a:lnB w="12700" cap="flat" cmpd="sng" algn="ctr">
+                      <a:solidFill>
+                        <a:schemeClr val="accent1"/>
+                      </a:solidFill>
+                      <a:prstDash val="solid"/>
+                      <a:round/>
+                      <a:headEnd type="none" w="med" len="med"/>
+                      <a:tailEnd type="none" w="med" len="med"/>
+                    </a:lnB>
+                    <a:lnTlToBr w="12700" cmpd="sng">
+                      <a:noFill/>
+                      <a:prstDash val="solid"/>
+                    </a:lnTlToBr>
+                    <a:lnBlToTr w="12700" cmpd="sng">
+                      <a:noFill/>
+                      <a:prstDash val="solid"/>
+                    </a:lnBlToTr>
+                    <a:solidFill>
+                      <a:schemeClr val="bg1"/>
+                    </a:solidFill>
+                  </a:tcPr>
+                </a:tc>
+              </a:tr>
+              <a:tr h="548640">
+                <a:tc>
+                  <a:txBody>
+                    <a:bodyPr/>
+                    <a:lstStyle/>
+                    <a:p>
+                      <a:endParaRPr lang="en-US" dirty="0"/>
+                    </a:p>
+                  </a:txBody>
+                  <a:tcPr>
+                    <a:lnL w="12700" cap="flat" cmpd="sng" algn="ctr">
+                      <a:solidFill>
+                        <a:schemeClr val="accent1"/>
+                      </a:solidFill>
+                      <a:prstDash val="solid"/>
+                      <a:round/>
+                      <a:headEnd type="none" w="med" len="med"/>
+                      <a:tailEnd type="none" w="med" len="med"/>
+                    </a:lnL>
+                    <a:lnR w="12700" cap="flat" cmpd="sng" algn="ctr">
+                      <a:solidFill>
+                        <a:schemeClr val="accent1"/>
+                      </a:solidFill>
+                      <a:prstDash val="solid"/>
+                      <a:round/>
+                      <a:headEnd type="none" w="med" len="med"/>
+                      <a:tailEnd type="none" w="med" len="med"/>
+                    </a:lnR>
+                    <a:lnT w="12700" cap="flat" cmpd="sng" algn="ctr">
+                      <a:solidFill>
+                        <a:schemeClr val="accent1"/>
+                      </a:solidFill>
+                      <a:prstDash val="solid"/>
+                      <a:round/>
+                      <a:headEnd type="none" w="med" len="med"/>
+                      <a:tailEnd type="none" w="med" len="med"/>
+                    </a:lnT>
+                    <a:lnB w="12700" cap="flat" cmpd="sng" algn="ctr">
+                      <a:solidFill>
+                        <a:schemeClr val="accent1"/>
+                      </a:solidFill>
+                      <a:prstDash val="solid"/>
+                      <a:round/>
+                      <a:headEnd type="none" w="med" len="med"/>
+                      <a:tailEnd type="none" w="med" len="med"/>
+                    </a:lnB>
+                    <a:lnTlToBr w="12700" cmpd="sng">
+                      <a:noFill/>
+                      <a:prstDash val="solid"/>
+                    </a:lnTlToBr>
+                    <a:lnBlToTr w="12700" cmpd="sng">
+                      <a:noFill/>
+                      <a:prstDash val="solid"/>
+                    </a:lnBlToTr>
+                    <a:solidFill>
+                      <a:srgbClr val="E8870B"/>
+                    </a:solidFill>
+                  </a:tcPr>
+                </a:tc>
+                <a:tc>
+                  <a:txBody>
+                    <a:bodyPr/>
+                    <a:lstStyle/>
+                    <a:p>
+                      <a:endParaRPr lang="en-US" dirty="0"/>
+                    </a:p>
+                  </a:txBody>
+                  <a:tcPr>
+                    <a:lnL w="12700" cap="flat" cmpd="sng" algn="ctr">
+                      <a:solidFill>
+                        <a:schemeClr val="accent1"/>
+                      </a:solidFill>
+                      <a:prstDash val="solid"/>
+                      <a:round/>
+                      <a:headEnd type="none" w="med" len="med"/>
+                      <a:tailEnd type="none" w="med" len="med"/>
+                    </a:lnL>
+                    <a:lnR w="12700" cap="flat" cmpd="sng" algn="ctr">
+                      <a:solidFill>
+                        <a:schemeClr val="accent1"/>
+                      </a:solidFill>
+                      <a:prstDash val="solid"/>
+                      <a:round/>
+                      <a:headEnd type="none" w="med" len="med"/>
+                      <a:tailEnd type="none" w="med" len="med"/>
+                    </a:lnR>
+                    <a:lnT w="12700" cap="flat" cmpd="sng" algn="ctr">
+                      <a:solidFill>
+                        <a:schemeClr val="accent1"/>
+                      </a:solidFill>
+                      <a:prstDash val="solid"/>
+                      <a:round/>
+                      <a:headEnd type="none" w="med" len="med"/>
+                      <a:tailEnd type="none" w="med" len="med"/>
+                    </a:lnT>
+                    <a:lnB w="12700" cap="flat" cmpd="sng" algn="ctr">
+                      <a:solidFill>
+                        <a:schemeClr val="accent1"/>
+                      </a:solidFill>
+                      <a:prstDash val="solid"/>
+                      <a:round/>
+                      <a:headEnd type="none" w="med" len="med"/>
+                      <a:tailEnd type="none" w="med" len="med"/>
+                    </a:lnB>
+                    <a:lnTlToBr w="12700" cmpd="sng">
+                      <a:noFill/>
+                      <a:prstDash val="solid"/>
+                    </a:lnTlToBr>
+                    <a:lnBlToTr w="12700" cmpd="sng">
+                      <a:noFill/>
+                      <a:prstDash val="solid"/>
+                    </a:lnBlToTr>
+                  </a:tcPr>
+                </a:tc>
+                <a:tc>
+                  <a:txBody>
+                    <a:bodyPr/>
+                    <a:lstStyle/>
+                    <a:p>
+                      <a:endParaRPr lang="en-US" dirty="0"/>
+                    </a:p>
+                  </a:txBody>
+                  <a:tcPr>
+                    <a:lnL w="12700" cap="flat" cmpd="sng" algn="ctr">
+                      <a:solidFill>
+                        <a:schemeClr val="accent1"/>
+                      </a:solidFill>
+                      <a:prstDash val="solid"/>
+                      <a:round/>
+                      <a:headEnd type="none" w="med" len="med"/>
+                      <a:tailEnd type="none" w="med" len="med"/>
+                    </a:lnL>
+                    <a:lnR w="12700" cap="flat" cmpd="sng" algn="ctr">
+                      <a:solidFill>
+                        <a:schemeClr val="accent1"/>
+                      </a:solidFill>
+                      <a:prstDash val="solid"/>
+                      <a:round/>
+                      <a:headEnd type="none" w="med" len="med"/>
+                      <a:tailEnd type="none" w="med" len="med"/>
+                    </a:lnR>
+                    <a:lnT w="12700" cap="flat" cmpd="sng" algn="ctr">
+                      <a:solidFill>
+                        <a:schemeClr val="accent1"/>
+                      </a:solidFill>
+                      <a:prstDash val="solid"/>
+                      <a:round/>
+                      <a:headEnd type="none" w="med" len="med"/>
+                      <a:tailEnd type="none" w="med" len="med"/>
+                    </a:lnT>
+                    <a:lnB w="12700" cap="flat" cmpd="sng" algn="ctr">
+                      <a:solidFill>
+                        <a:schemeClr val="accent1"/>
+                      </a:solidFill>
+                      <a:prstDash val="solid"/>
+                      <a:round/>
+                      <a:headEnd type="none" w="med" len="med"/>
+                      <a:tailEnd type="none" w="med" len="med"/>
+                    </a:lnB>
+                    <a:lnTlToBr w="12700" cmpd="sng">
+                      <a:noFill/>
+                      <a:prstDash val="solid"/>
+                    </a:lnTlToBr>
+                    <a:lnBlToTr w="12700" cmpd="sng">
+                      <a:noFill/>
+                      <a:prstDash val="solid"/>
+                    </a:lnBlToTr>
+                  </a:tcPr>
+                </a:tc>
+                <a:tc>
+                  <a:txBody>
+                    <a:bodyPr/>
+                    <a:lstStyle/>
+                    <a:p>
+                      <a:endParaRPr lang="en-US" dirty="0"/>
+                    </a:p>
+                  </a:txBody>
+                  <a:tcPr>
+                    <a:lnL w="12700" cap="flat" cmpd="sng" algn="ctr">
+                      <a:solidFill>
+                        <a:schemeClr val="accent1"/>
+                      </a:solidFill>
+                      <a:prstDash val="solid"/>
+                      <a:round/>
+                      <a:headEnd type="none" w="med" len="med"/>
+                      <a:tailEnd type="none" w="med" len="med"/>
+                    </a:lnL>
+                    <a:lnR w="12700" cap="flat" cmpd="sng" algn="ctr">
+                      <a:solidFill>
+                        <a:schemeClr val="accent1"/>
+                      </a:solidFill>
+                      <a:prstDash val="solid"/>
+                      <a:round/>
+                      <a:headEnd type="none" w="med" len="med"/>
+                      <a:tailEnd type="none" w="med" len="med"/>
+                    </a:lnR>
+                    <a:lnT w="12700" cap="flat" cmpd="sng" algn="ctr">
+                      <a:solidFill>
+                        <a:schemeClr val="accent1"/>
+                      </a:solidFill>
+                      <a:prstDash val="solid"/>
+                      <a:round/>
+                      <a:headEnd type="none" w="med" len="med"/>
+                      <a:tailEnd type="none" w="med" len="med"/>
+                    </a:lnT>
+                    <a:lnB w="12700" cap="flat" cmpd="sng" algn="ctr">
+                      <a:solidFill>
+                        <a:schemeClr val="accent1"/>
+                      </a:solidFill>
+                      <a:prstDash val="solid"/>
+                      <a:round/>
+                      <a:headEnd type="none" w="med" len="med"/>
+                      <a:tailEnd type="none" w="med" len="med"/>
+                    </a:lnB>
+                    <a:lnTlToBr w="12700" cmpd="sng">
+                      <a:noFill/>
+                      <a:prstDash val="solid"/>
+                    </a:lnTlToBr>
+                    <a:lnBlToTr w="12700" cmpd="sng">
+                      <a:noFill/>
+                      <a:prstDash val="solid"/>
+                    </a:lnBlToTr>
+                  </a:tcPr>
+                </a:tc>
+                <a:tc>
+                  <a:txBody>
+                    <a:bodyPr/>
+                    <a:lstStyle/>
+                    <a:p>
+                      <a:endParaRPr lang="en-US" dirty="0"/>
+                    </a:p>
+                  </a:txBody>
+                  <a:tcPr>
+                    <a:lnL w="12700" cap="flat" cmpd="sng" algn="ctr">
+                      <a:solidFill>
+                        <a:schemeClr val="accent1"/>
+                      </a:solidFill>
+                      <a:prstDash val="solid"/>
+                      <a:round/>
+                      <a:headEnd type="none" w="med" len="med"/>
+                      <a:tailEnd type="none" w="med" len="med"/>
+                    </a:lnL>
+                    <a:lnR w="12700" cap="flat" cmpd="sng" algn="ctr">
+                      <a:solidFill>
+                        <a:schemeClr val="accent1"/>
+                      </a:solidFill>
+                      <a:prstDash val="solid"/>
+                      <a:round/>
+                      <a:headEnd type="none" w="med" len="med"/>
+                      <a:tailEnd type="none" w="med" len="med"/>
+                    </a:lnR>
+                    <a:lnT w="12700" cap="flat" cmpd="sng" algn="ctr">
+                      <a:solidFill>
+                        <a:schemeClr val="accent1"/>
+                      </a:solidFill>
+                      <a:prstDash val="solid"/>
+                      <a:round/>
+                      <a:headEnd type="none" w="med" len="med"/>
+                      <a:tailEnd type="none" w="med" len="med"/>
+                    </a:lnT>
+                    <a:lnB w="12700" cap="flat" cmpd="sng" algn="ctr">
+                      <a:solidFill>
+                        <a:schemeClr val="accent1"/>
+                      </a:solidFill>
+                      <a:prstDash val="solid"/>
+                      <a:round/>
+                      <a:headEnd type="none" w="med" len="med"/>
+                      <a:tailEnd type="none" w="med" len="med"/>
+                    </a:lnB>
+                    <a:lnTlToBr w="12700" cmpd="sng">
+                      <a:noFill/>
+                      <a:prstDash val="solid"/>
+                    </a:lnTlToBr>
+                    <a:lnBlToTr w="12700" cmpd="sng">
+                      <a:noFill/>
+                      <a:prstDash val="solid"/>
+                    </a:lnBlToTr>
+                  </a:tcPr>
+                </a:tc>
+                <a:tc>
+                  <a:txBody>
+                    <a:bodyPr/>
+                    <a:lstStyle/>
+                    <a:p>
+                      <a:endParaRPr lang="en-US" dirty="0"/>
+                    </a:p>
+                  </a:txBody>
+                  <a:tcPr>
+                    <a:lnL w="12700" cap="flat" cmpd="sng" algn="ctr">
+                      <a:solidFill>
+                        <a:schemeClr val="accent1"/>
+                      </a:solidFill>
+                      <a:prstDash val="solid"/>
+                      <a:round/>
+                      <a:headEnd type="none" w="med" len="med"/>
+                      <a:tailEnd type="none" w="med" len="med"/>
+                    </a:lnL>
+                    <a:lnR w="12700" cap="flat" cmpd="sng" algn="ctr">
+                      <a:solidFill>
+                        <a:schemeClr val="accent1"/>
+                      </a:solidFill>
+                      <a:prstDash val="solid"/>
+                      <a:round/>
+                      <a:headEnd type="none" w="med" len="med"/>
+                      <a:tailEnd type="none" w="med" len="med"/>
+                    </a:lnR>
+                    <a:lnT w="12700" cap="flat" cmpd="sng" algn="ctr">
+                      <a:solidFill>
+                        <a:schemeClr val="accent1"/>
+                      </a:solidFill>
+                      <a:prstDash val="solid"/>
+                      <a:round/>
+                      <a:headEnd type="none" w="med" len="med"/>
+                      <a:tailEnd type="none" w="med" len="med"/>
+                    </a:lnT>
+                    <a:lnB w="12700" cap="flat" cmpd="sng" algn="ctr">
+                      <a:solidFill>
+                        <a:schemeClr val="accent1"/>
+                      </a:solidFill>
+                      <a:prstDash val="solid"/>
+                      <a:round/>
+                      <a:headEnd type="none" w="med" len="med"/>
+                      <a:tailEnd type="none" w="med" len="med"/>
+                    </a:lnB>
+                    <a:lnTlToBr w="12700" cmpd="sng">
+                      <a:noFill/>
+                      <a:prstDash val="solid"/>
+                    </a:lnTlToBr>
+                    <a:lnBlToTr w="12700" cmpd="sng">
+                      <a:noFill/>
+                      <a:prstDash val="solid"/>
+                    </a:lnBlToTr>
+                  </a:tcPr>
+                </a:tc>
+                <a:tc>
+                  <a:txBody>
+                    <a:bodyPr/>
+                    <a:lstStyle/>
+                    <a:p>
+                      <a:endParaRPr lang="en-US" dirty="0"/>
+                    </a:p>
+                  </a:txBody>
+                  <a:tcPr>
+                    <a:lnL w="12700" cap="flat" cmpd="sng" algn="ctr">
+                      <a:solidFill>
+                        <a:schemeClr val="accent1"/>
+                      </a:solidFill>
+                      <a:prstDash val="solid"/>
+                      <a:round/>
+                      <a:headEnd type="none" w="med" len="med"/>
+                      <a:tailEnd type="none" w="med" len="med"/>
+                    </a:lnL>
+                    <a:lnR w="12700" cap="flat" cmpd="sng" algn="ctr">
+                      <a:solidFill>
+                        <a:schemeClr val="accent1"/>
+                      </a:solidFill>
+                      <a:prstDash val="solid"/>
+                      <a:round/>
+                      <a:headEnd type="none" w="med" len="med"/>
+                      <a:tailEnd type="none" w="med" len="med"/>
+                    </a:lnR>
+                    <a:lnT w="12700" cap="flat" cmpd="sng" algn="ctr">
+                      <a:solidFill>
+                        <a:schemeClr val="accent1"/>
+                      </a:solidFill>
+                      <a:prstDash val="solid"/>
+                      <a:round/>
+                      <a:headEnd type="none" w="med" len="med"/>
+                      <a:tailEnd type="none" w="med" len="med"/>
+                    </a:lnT>
+                    <a:lnB w="12700" cap="flat" cmpd="sng" algn="ctr">
+                      <a:solidFill>
+                        <a:schemeClr val="accent1"/>
+                      </a:solidFill>
+                      <a:prstDash val="solid"/>
+                      <a:round/>
+                      <a:headEnd type="none" w="med" len="med"/>
+                      <a:tailEnd type="none" w="med" len="med"/>
+                    </a:lnB>
+                    <a:lnTlToBr w="12700" cmpd="sng">
+                      <a:noFill/>
+                      <a:prstDash val="solid"/>
+                    </a:lnTlToBr>
+                    <a:lnBlToTr w="12700" cmpd="sng">
+                      <a:noFill/>
+                      <a:prstDash val="solid"/>
+                    </a:lnBlToTr>
+                    <a:solidFill>
+                      <a:srgbClr val="E8870B"/>
+                    </a:solidFill>
+                  </a:tcPr>
+                </a:tc>
+              </a:tr>
+              <a:tr h="548640">
+                <a:tc>
+                  <a:txBody>
+                    <a:bodyPr/>
+                    <a:lstStyle/>
+                    <a:p>
+                      <a:endParaRPr lang="en-US" dirty="0"/>
+                    </a:p>
+                  </a:txBody>
+                  <a:tcPr>
+                    <a:lnL w="12700" cap="flat" cmpd="sng" algn="ctr">
+                      <a:solidFill>
+                        <a:schemeClr val="accent1"/>
+                      </a:solidFill>
+                      <a:prstDash val="solid"/>
+                      <a:round/>
+                      <a:headEnd type="none" w="med" len="med"/>
+                      <a:tailEnd type="none" w="med" len="med"/>
+                    </a:lnL>
+                    <a:lnR w="12700" cap="flat" cmpd="sng" algn="ctr">
+                      <a:solidFill>
+                        <a:schemeClr val="accent1"/>
+                      </a:solidFill>
+                      <a:prstDash val="solid"/>
+                      <a:round/>
+                      <a:headEnd type="none" w="med" len="med"/>
+                      <a:tailEnd type="none" w="med" len="med"/>
+                    </a:lnR>
+                    <a:lnT w="12700" cap="flat" cmpd="sng" algn="ctr">
+                      <a:solidFill>
+                        <a:schemeClr val="accent1"/>
+                      </a:solidFill>
+                      <a:prstDash val="solid"/>
+                      <a:round/>
+                      <a:headEnd type="none" w="med" len="med"/>
+                      <a:tailEnd type="none" w="med" len="med"/>
+                    </a:lnT>
+                    <a:lnB w="12700" cap="flat" cmpd="sng" algn="ctr">
+                      <a:solidFill>
+                        <a:schemeClr val="accent1"/>
+                      </a:solidFill>
+                      <a:prstDash val="solid"/>
+                      <a:round/>
+                      <a:headEnd type="none" w="med" len="med"/>
+                      <a:tailEnd type="none" w="med" len="med"/>
+                    </a:lnB>
+                    <a:lnTlToBr w="12700" cmpd="sng">
+                      <a:noFill/>
+                      <a:prstDash val="solid"/>
+                    </a:lnTlToBr>
+                    <a:lnBlToTr w="12700" cmpd="sng">
+                      <a:noFill/>
+                      <a:prstDash val="solid"/>
+                    </a:lnBlToTr>
+                  </a:tcPr>
+                </a:tc>
+                <a:tc>
+                  <a:txBody>
+                    <a:bodyPr/>
+                    <a:lstStyle/>
+                    <a:p>
+                      <a:endParaRPr lang="en-US" dirty="0"/>
+                    </a:p>
+                  </a:txBody>
+                  <a:tcPr>
+                    <a:lnL w="12700" cap="flat" cmpd="sng" algn="ctr">
+                      <a:solidFill>
+                        <a:schemeClr val="accent1"/>
+                      </a:solidFill>
+                      <a:prstDash val="solid"/>
+                      <a:round/>
+                      <a:headEnd type="none" w="med" len="med"/>
+                      <a:tailEnd type="none" w="med" len="med"/>
+                    </a:lnL>
+                    <a:lnR w="12700" cap="flat" cmpd="sng" algn="ctr">
+                      <a:solidFill>
+                        <a:schemeClr val="accent1"/>
+                      </a:solidFill>
+                      <a:prstDash val="solid"/>
+                      <a:round/>
+                      <a:headEnd type="none" w="med" len="med"/>
+                      <a:tailEnd type="none" w="med" len="med"/>
+                    </a:lnR>
+                    <a:lnT w="12700" cap="flat" cmpd="sng" algn="ctr">
+                      <a:solidFill>
+                        <a:schemeClr val="accent1"/>
+                      </a:solidFill>
+                      <a:prstDash val="solid"/>
+                      <a:round/>
+                      <a:headEnd type="none" w="med" len="med"/>
+                      <a:tailEnd type="none" w="med" len="med"/>
+                    </a:lnT>
+                    <a:lnB w="12700" cap="flat" cmpd="sng" algn="ctr">
+                      <a:solidFill>
+                        <a:schemeClr val="accent1"/>
+                      </a:solidFill>
+                      <a:prstDash val="solid"/>
+                      <a:round/>
+                      <a:headEnd type="none" w="med" len="med"/>
+                      <a:tailEnd type="none" w="med" len="med"/>
+                    </a:lnB>
+                    <a:lnTlToBr w="12700" cmpd="sng">
+                      <a:noFill/>
+                      <a:prstDash val="solid"/>
+                    </a:lnTlToBr>
+                    <a:lnBlToTr w="12700" cmpd="sng">
+                      <a:noFill/>
+                      <a:prstDash val="solid"/>
+                    </a:lnBlToTr>
+                    <a:solidFill>
+                      <a:srgbClr val="FF0000"/>
+                    </a:solidFill>
+                  </a:tcPr>
+                </a:tc>
+                <a:tc>
+                  <a:txBody>
+                    <a:bodyPr/>
+                    <a:lstStyle/>
+                    <a:p>
+                      <a:endParaRPr lang="en-US" dirty="0"/>
+                    </a:p>
+                  </a:txBody>
+                  <a:tcPr>
+                    <a:lnL w="12700" cap="flat" cmpd="sng" algn="ctr">
+                      <a:solidFill>
+                        <a:schemeClr val="accent1"/>
+                      </a:solidFill>
+                      <a:prstDash val="solid"/>
+                      <a:round/>
+                      <a:headEnd type="none" w="med" len="med"/>
+                      <a:tailEnd type="none" w="med" len="med"/>
+                    </a:lnL>
+                    <a:lnR w="12700" cap="flat" cmpd="sng" algn="ctr">
+                      <a:solidFill>
+                        <a:schemeClr val="accent1"/>
+                      </a:solidFill>
+                      <a:prstDash val="solid"/>
+                      <a:round/>
+                      <a:headEnd type="none" w="med" len="med"/>
+                      <a:tailEnd type="none" w="med" len="med"/>
+                    </a:lnR>
+                    <a:lnT w="12700" cap="flat" cmpd="sng" algn="ctr">
+                      <a:solidFill>
+                        <a:schemeClr val="accent1"/>
+                      </a:solidFill>
+                      <a:prstDash val="solid"/>
+                      <a:round/>
+                      <a:headEnd type="none" w="med" len="med"/>
+                      <a:tailEnd type="none" w="med" len="med"/>
+                    </a:lnT>
+                    <a:lnB w="12700" cap="flat" cmpd="sng" algn="ctr">
+                      <a:solidFill>
+                        <a:schemeClr val="accent1"/>
+                      </a:solidFill>
+                      <a:prstDash val="solid"/>
+                      <a:round/>
+                      <a:headEnd type="none" w="med" len="med"/>
+                      <a:tailEnd type="none" w="med" len="med"/>
+                    </a:lnB>
+                    <a:lnTlToBr w="12700" cmpd="sng">
+                      <a:noFill/>
+                      <a:prstDash val="solid"/>
+                    </a:lnTlToBr>
+                    <a:lnBlToTr w="12700" cmpd="sng">
+                      <a:noFill/>
+                      <a:prstDash val="solid"/>
+                    </a:lnBlToTr>
+                  </a:tcPr>
+                </a:tc>
+                <a:tc>
+                  <a:txBody>
+                    <a:bodyPr/>
+                    <a:lstStyle/>
+                    <a:p>
+                      <a:endParaRPr lang="en-US" dirty="0"/>
+                    </a:p>
+                  </a:txBody>
+                  <a:tcPr>
+                    <a:lnL w="12700" cap="flat" cmpd="sng" algn="ctr">
+                      <a:solidFill>
+                        <a:schemeClr val="accent1"/>
+                      </a:solidFill>
+                      <a:prstDash val="solid"/>
+                      <a:round/>
+                      <a:headEnd type="none" w="med" len="med"/>
+                      <a:tailEnd type="none" w="med" len="med"/>
+                    </a:lnL>
+                    <a:lnR w="12700" cap="flat" cmpd="sng" algn="ctr">
+                      <a:solidFill>
+                        <a:schemeClr val="accent1"/>
+                      </a:solidFill>
+                      <a:prstDash val="solid"/>
+                      <a:round/>
+                      <a:headEnd type="none" w="med" len="med"/>
+                      <a:tailEnd type="none" w="med" len="med"/>
+                    </a:lnR>
+                    <a:lnT w="12700" cap="flat" cmpd="sng" algn="ctr">
+                      <a:solidFill>
+                        <a:schemeClr val="accent1"/>
+                      </a:solidFill>
+                      <a:prstDash val="solid"/>
+                      <a:round/>
+                      <a:headEnd type="none" w="med" len="med"/>
+                      <a:tailEnd type="none" w="med" len="med"/>
+                    </a:lnT>
+                    <a:lnB w="12700" cap="flat" cmpd="sng" algn="ctr">
+                      <a:solidFill>
+                        <a:schemeClr val="accent1"/>
+                      </a:solidFill>
+                      <a:prstDash val="solid"/>
+                      <a:round/>
+                      <a:headEnd type="none" w="med" len="med"/>
+                      <a:tailEnd type="none" w="med" len="med"/>
+                    </a:lnB>
+                    <a:lnTlToBr w="12700" cmpd="sng">
+                      <a:noFill/>
+                      <a:prstDash val="solid"/>
+                    </a:lnTlToBr>
+                    <a:lnBlToTr w="12700" cmpd="sng">
+                      <a:noFill/>
+                      <a:prstDash val="solid"/>
+                    </a:lnBlToTr>
+                    <a:solidFill>
+                      <a:srgbClr val="5B9BD5"/>
+                    </a:solidFill>
+                  </a:tcPr>
+                </a:tc>
+                <a:tc>
+                  <a:txBody>
+                    <a:bodyPr/>
+                    <a:lstStyle/>
+                    <a:p>
+                      <a:endParaRPr lang="en-US" dirty="0"/>
+                    </a:p>
+                  </a:txBody>
+                  <a:tcPr>
+                    <a:lnL w="12700" cap="flat" cmpd="sng" algn="ctr">
+                      <a:solidFill>
+                        <a:schemeClr val="accent1"/>
+                      </a:solidFill>
+                      <a:prstDash val="solid"/>
+                      <a:round/>
+                      <a:headEnd type="none" w="med" len="med"/>
+                      <a:tailEnd type="none" w="med" len="med"/>
+                    </a:lnL>
+                    <a:lnR w="12700" cap="flat" cmpd="sng" algn="ctr">
+                      <a:solidFill>
+                        <a:schemeClr val="accent1"/>
+                      </a:solidFill>
+                      <a:prstDash val="solid"/>
+                      <a:round/>
+                      <a:headEnd type="none" w="med" len="med"/>
+                      <a:tailEnd type="none" w="med" len="med"/>
+                    </a:lnR>
+                    <a:lnT w="12700" cap="flat" cmpd="sng" algn="ctr">
+                      <a:solidFill>
+                        <a:schemeClr val="accent1"/>
+                      </a:solidFill>
+                      <a:prstDash val="solid"/>
+                      <a:round/>
+                      <a:headEnd type="none" w="med" len="med"/>
+                      <a:tailEnd type="none" w="med" len="med"/>
+                    </a:lnT>
+                    <a:lnB w="12700" cap="flat" cmpd="sng" algn="ctr">
+                      <a:solidFill>
+                        <a:schemeClr val="accent1"/>
+                      </a:solidFill>
+                      <a:prstDash val="solid"/>
+                      <a:round/>
+                      <a:headEnd type="none" w="med" len="med"/>
+                      <a:tailEnd type="none" w="med" len="med"/>
+                    </a:lnB>
+                    <a:lnTlToBr w="12700" cmpd="sng">
+                      <a:noFill/>
+                      <a:prstDash val="solid"/>
+                    </a:lnTlToBr>
+                    <a:lnBlToTr w="12700" cmpd="sng">
+                      <a:noFill/>
+                      <a:prstDash val="solid"/>
+                    </a:lnBlToTr>
+                  </a:tcPr>
+                </a:tc>
+                <a:tc>
+                  <a:txBody>
+                    <a:bodyPr/>
+                    <a:lstStyle/>
+                    <a:p>
+                      <a:endParaRPr lang="en-US" dirty="0"/>
+                    </a:p>
+                  </a:txBody>
+                  <a:tcPr>
+                    <a:lnL w="12700" cap="flat" cmpd="sng" algn="ctr">
+                      <a:solidFill>
+                        <a:schemeClr val="accent1"/>
+                      </a:solidFill>
+                      <a:prstDash val="solid"/>
+                      <a:round/>
+                      <a:headEnd type="none" w="med" len="med"/>
+                      <a:tailEnd type="none" w="med" len="med"/>
+                    </a:lnL>
+                    <a:lnR w="12700" cap="flat" cmpd="sng" algn="ctr">
+                      <a:solidFill>
+                        <a:schemeClr val="accent1"/>
+                      </a:solidFill>
+                      <a:prstDash val="solid"/>
+                      <a:round/>
+                      <a:headEnd type="none" w="med" len="med"/>
+                      <a:tailEnd type="none" w="med" len="med"/>
+                    </a:lnR>
+                    <a:lnT w="12700" cap="flat" cmpd="sng" algn="ctr">
+                      <a:solidFill>
+                        <a:schemeClr val="accent1"/>
+                      </a:solidFill>
+                      <a:prstDash val="solid"/>
+                      <a:round/>
+                      <a:headEnd type="none" w="med" len="med"/>
+                      <a:tailEnd type="none" w="med" len="med"/>
+                    </a:lnT>
+                    <a:lnB w="12700" cap="flat" cmpd="sng" algn="ctr">
+                      <a:solidFill>
+                        <a:schemeClr val="accent1"/>
+                      </a:solidFill>
+                      <a:prstDash val="solid"/>
+                      <a:round/>
+                      <a:headEnd type="none" w="med" len="med"/>
+                      <a:tailEnd type="none" w="med" len="med"/>
+                    </a:lnB>
+                    <a:lnTlToBr w="12700" cmpd="sng">
+                      <a:noFill/>
+                      <a:prstDash val="solid"/>
+                    </a:lnTlToBr>
+                    <a:lnBlToTr w="12700" cmpd="sng">
+                      <a:noFill/>
+                      <a:prstDash val="solid"/>
+                    </a:lnBlToTr>
+                    <a:solidFill>
+                      <a:srgbClr val="FF0000"/>
+                    </a:solidFill>
+                  </a:tcPr>
+                </a:tc>
+                <a:tc>
+                  <a:txBody>
+                    <a:bodyPr/>
+                    <a:lstStyle/>
+                    <a:p>
+                      <a:endParaRPr lang="en-US" dirty="0"/>
+                    </a:p>
+                  </a:txBody>
+                  <a:tcPr>
+                    <a:lnL w="12700" cap="flat" cmpd="sng" algn="ctr">
+                      <a:solidFill>
+                        <a:schemeClr val="accent1"/>
+                      </a:solidFill>
+                      <a:prstDash val="solid"/>
+                      <a:round/>
+                      <a:headEnd type="none" w="med" len="med"/>
+                      <a:tailEnd type="none" w="med" len="med"/>
+                    </a:lnL>
+                    <a:lnR w="12700" cap="flat" cmpd="sng" algn="ctr">
+                      <a:solidFill>
+                        <a:schemeClr val="accent1"/>
+                      </a:solidFill>
+                      <a:prstDash val="solid"/>
+                      <a:round/>
+                      <a:headEnd type="none" w="med" len="med"/>
+                      <a:tailEnd type="none" w="med" len="med"/>
+                    </a:lnR>
+                    <a:lnT w="12700" cap="flat" cmpd="sng" algn="ctr">
+                      <a:solidFill>
+                        <a:schemeClr val="accent1"/>
+                      </a:solidFill>
+                      <a:prstDash val="solid"/>
+                      <a:round/>
+                      <a:headEnd type="none" w="med" len="med"/>
+                      <a:tailEnd type="none" w="med" len="med"/>
+                    </a:lnT>
+                    <a:lnB w="12700" cap="flat" cmpd="sng" algn="ctr">
+                      <a:solidFill>
+                        <a:schemeClr val="accent1"/>
+                      </a:solidFill>
+                      <a:prstDash val="solid"/>
+                      <a:round/>
+                      <a:headEnd type="none" w="med" len="med"/>
+                      <a:tailEnd type="none" w="med" len="med"/>
+                    </a:lnB>
+                    <a:lnTlToBr w="12700" cmpd="sng">
+                      <a:noFill/>
+                      <a:prstDash val="solid"/>
+                    </a:lnTlToBr>
+                    <a:lnBlToTr w="12700" cmpd="sng">
+                      <a:noFill/>
+                      <a:prstDash val="solid"/>
+                    </a:lnBlToTr>
+                  </a:tcPr>
+                </a:tc>
+              </a:tr>
+              <a:tr h="548640">
+                <a:tc>
+                  <a:txBody>
+                    <a:bodyPr/>
+                    <a:lstStyle/>
+                    <a:p>
+                      <a:endParaRPr lang="en-US" dirty="0"/>
+                    </a:p>
+                  </a:txBody>
+                  <a:tcPr>
+                    <a:lnL w="12700" cap="flat" cmpd="sng" algn="ctr">
+                      <a:solidFill>
+                        <a:schemeClr val="accent1"/>
+                      </a:solidFill>
+                      <a:prstDash val="solid"/>
+                      <a:round/>
+                      <a:headEnd type="none" w="med" len="med"/>
+                      <a:tailEnd type="none" w="med" len="med"/>
+                    </a:lnL>
+                    <a:lnR w="12700" cap="flat" cmpd="sng" algn="ctr">
+                      <a:solidFill>
+                        <a:schemeClr val="accent1"/>
+                      </a:solidFill>
+                      <a:prstDash val="solid"/>
+                      <a:round/>
+                      <a:headEnd type="none" w="med" len="med"/>
+                      <a:tailEnd type="none" w="med" len="med"/>
+                    </a:lnR>
+                    <a:lnT w="12700" cap="flat" cmpd="sng" algn="ctr">
+                      <a:solidFill>
+                        <a:schemeClr val="accent1"/>
+                      </a:solidFill>
+                      <a:prstDash val="solid"/>
+                      <a:round/>
+                      <a:headEnd type="none" w="med" len="med"/>
+                      <a:tailEnd type="none" w="med" len="med"/>
+                    </a:lnT>
+                    <a:lnB w="12700" cap="flat" cmpd="sng" algn="ctr">
+                      <a:solidFill>
+                        <a:schemeClr val="accent1"/>
+                      </a:solidFill>
+                      <a:prstDash val="solid"/>
+                      <a:round/>
+                      <a:headEnd type="none" w="med" len="med"/>
+                      <a:tailEnd type="none" w="med" len="med"/>
+                    </a:lnB>
+                    <a:lnTlToBr w="12700" cmpd="sng">
+                      <a:noFill/>
+                      <a:prstDash val="solid"/>
+                    </a:lnTlToBr>
+                    <a:lnBlToTr w="12700" cmpd="sng">
+                      <a:noFill/>
+                      <a:prstDash val="solid"/>
+                    </a:lnBlToTr>
+                  </a:tcPr>
+                </a:tc>
+                <a:tc>
+                  <a:txBody>
+                    <a:bodyPr/>
+                    <a:lstStyle/>
+                    <a:p>
+                      <a:endParaRPr lang="en-US" dirty="0"/>
+                    </a:p>
+                  </a:txBody>
+                  <a:tcPr>
+                    <a:lnL w="12700" cap="flat" cmpd="sng" algn="ctr">
+                      <a:solidFill>
+                        <a:schemeClr val="accent1"/>
+                      </a:solidFill>
+                      <a:prstDash val="solid"/>
+                      <a:round/>
+                      <a:headEnd type="none" w="med" len="med"/>
+                      <a:tailEnd type="none" w="med" len="med"/>
+                    </a:lnL>
+                    <a:lnR w="12700" cap="flat" cmpd="sng" algn="ctr">
+                      <a:solidFill>
+                        <a:schemeClr val="accent1"/>
+                      </a:solidFill>
+                      <a:prstDash val="solid"/>
+                      <a:round/>
+                      <a:headEnd type="none" w="med" len="med"/>
+                      <a:tailEnd type="none" w="med" len="med"/>
+                    </a:lnR>
+                    <a:lnT w="12700" cap="flat" cmpd="sng" algn="ctr">
+                      <a:solidFill>
+                        <a:schemeClr val="accent1"/>
+                      </a:solidFill>
+                      <a:prstDash val="solid"/>
+                      <a:round/>
+                      <a:headEnd type="none" w="med" len="med"/>
+                      <a:tailEnd type="none" w="med" len="med"/>
+                    </a:lnT>
+                    <a:lnB w="12700" cap="flat" cmpd="sng" algn="ctr">
+                      <a:solidFill>
+                        <a:schemeClr val="accent1"/>
+                      </a:solidFill>
+                      <a:prstDash val="solid"/>
+                      <a:round/>
+                      <a:headEnd type="none" w="med" len="med"/>
+                      <a:tailEnd type="none" w="med" len="med"/>
+                    </a:lnB>
+                    <a:lnTlToBr w="12700" cmpd="sng">
+                      <a:noFill/>
+                      <a:prstDash val="solid"/>
+                    </a:lnTlToBr>
+                    <a:lnBlToTr w="12700" cmpd="sng">
+                      <a:noFill/>
+                      <a:prstDash val="solid"/>
+                    </a:lnBlToTr>
+                  </a:tcPr>
+                </a:tc>
+                <a:tc>
+                  <a:txBody>
+                    <a:bodyPr/>
+                    <a:lstStyle/>
+                    <a:p>
+                      <a:endParaRPr lang="en-US" dirty="0"/>
+                    </a:p>
+                  </a:txBody>
+                  <a:tcPr>
+                    <a:lnL w="12700" cap="flat" cmpd="sng" algn="ctr">
+                      <a:solidFill>
+                        <a:schemeClr val="accent1"/>
+                      </a:solidFill>
+                      <a:prstDash val="solid"/>
+                      <a:round/>
+                      <a:headEnd type="none" w="med" len="med"/>
+                      <a:tailEnd type="none" w="med" len="med"/>
+                    </a:lnL>
+                    <a:lnR w="12700" cap="flat" cmpd="sng" algn="ctr">
+                      <a:solidFill>
+                        <a:schemeClr val="accent1"/>
+                      </a:solidFill>
+                      <a:prstDash val="solid"/>
+                      <a:round/>
+                      <a:headEnd type="none" w="med" len="med"/>
+                      <a:tailEnd type="none" w="med" len="med"/>
+                    </a:lnR>
+                    <a:lnT w="12700" cap="flat" cmpd="sng" algn="ctr">
+                      <a:solidFill>
+                        <a:schemeClr val="accent1"/>
+                      </a:solidFill>
+                      <a:prstDash val="solid"/>
+                      <a:round/>
+                      <a:headEnd type="none" w="med" len="med"/>
+                      <a:tailEnd type="none" w="med" len="med"/>
+                    </a:lnT>
+                    <a:lnB w="12700" cap="flat" cmpd="sng" algn="ctr">
+                      <a:solidFill>
+                        <a:schemeClr val="accent1"/>
+                      </a:solidFill>
+                      <a:prstDash val="solid"/>
+                      <a:round/>
+                      <a:headEnd type="none" w="med" len="med"/>
+                      <a:tailEnd type="none" w="med" len="med"/>
+                    </a:lnB>
+                    <a:lnTlToBr w="12700" cmpd="sng">
+                      <a:noFill/>
+                      <a:prstDash val="solid"/>
+                    </a:lnTlToBr>
+                    <a:lnBlToTr w="12700" cmpd="sng">
+                      <a:noFill/>
+                      <a:prstDash val="solid"/>
+                    </a:lnBlToTr>
+                    <a:solidFill>
+                      <a:srgbClr val="7A0CE8"/>
+                    </a:solidFill>
+                  </a:tcPr>
+                </a:tc>
+                <a:tc>
+                  <a:txBody>
+                    <a:bodyPr/>
+                    <a:lstStyle/>
+                    <a:p>
+                      <a:endParaRPr lang="en-US" dirty="0"/>
+                    </a:p>
+                  </a:txBody>
+                  <a:tcPr>
+                    <a:lnL w="12700" cap="flat" cmpd="sng" algn="ctr">
+                      <a:solidFill>
+                        <a:schemeClr val="accent1"/>
+                      </a:solidFill>
+                      <a:prstDash val="solid"/>
+                      <a:round/>
+                      <a:headEnd type="none" w="med" len="med"/>
+                      <a:tailEnd type="none" w="med" len="med"/>
+                    </a:lnL>
+                    <a:lnR w="12700" cap="flat" cmpd="sng" algn="ctr">
+                      <a:solidFill>
+                        <a:schemeClr val="accent1"/>
+                      </a:solidFill>
+                      <a:prstDash val="solid"/>
+                      <a:round/>
+                      <a:headEnd type="none" w="med" len="med"/>
+                      <a:tailEnd type="none" w="med" len="med"/>
+                    </a:lnR>
+                    <a:lnT w="12700" cap="flat" cmpd="sng" algn="ctr">
+                      <a:solidFill>
+                        <a:schemeClr val="accent1"/>
+                      </a:solidFill>
+                      <a:prstDash val="solid"/>
+                      <a:round/>
+                      <a:headEnd type="none" w="med" len="med"/>
+                      <a:tailEnd type="none" w="med" len="med"/>
+                    </a:lnT>
+                    <a:lnB w="12700" cap="flat" cmpd="sng" algn="ctr">
+                      <a:solidFill>
+                        <a:schemeClr val="accent1"/>
+                      </a:solidFill>
+                      <a:prstDash val="solid"/>
+                      <a:round/>
+                      <a:headEnd type="none" w="med" len="med"/>
+                      <a:tailEnd type="none" w="med" len="med"/>
+                    </a:lnB>
+                    <a:lnTlToBr w="12700" cmpd="sng">
+                      <a:noFill/>
+                      <a:prstDash val="solid"/>
+                    </a:lnTlToBr>
+                    <a:lnBlToTr w="12700" cmpd="sng">
+                      <a:noFill/>
+                      <a:prstDash val="solid"/>
+                    </a:lnBlToTr>
+                  </a:tcPr>
+                </a:tc>
+                <a:tc>
+                  <a:txBody>
+                    <a:bodyPr/>
+                    <a:lstStyle/>
+                    <a:p>
+                      <a:endParaRPr lang="en-US" dirty="0"/>
+                    </a:p>
+                  </a:txBody>
+                  <a:tcPr>
+                    <a:lnL w="12700" cap="flat" cmpd="sng" algn="ctr">
+                      <a:solidFill>
+                        <a:schemeClr val="accent1"/>
+                      </a:solidFill>
+                      <a:prstDash val="solid"/>
+                      <a:round/>
+                      <a:headEnd type="none" w="med" len="med"/>
+                      <a:tailEnd type="none" w="med" len="med"/>
+                    </a:lnL>
+                    <a:lnR w="12700" cap="flat" cmpd="sng" algn="ctr">
+                      <a:solidFill>
+                        <a:schemeClr val="accent1"/>
+                      </a:solidFill>
+                      <a:prstDash val="solid"/>
+                      <a:round/>
+                      <a:headEnd type="none" w="med" len="med"/>
+                      <a:tailEnd type="none" w="med" len="med"/>
+                    </a:lnR>
+                    <a:lnT w="12700" cap="flat" cmpd="sng" algn="ctr">
+                      <a:solidFill>
+                        <a:schemeClr val="accent1"/>
+                      </a:solidFill>
+                      <a:prstDash val="solid"/>
+                      <a:round/>
+                      <a:headEnd type="none" w="med" len="med"/>
+                      <a:tailEnd type="none" w="med" len="med"/>
+                    </a:lnT>
+                    <a:lnB w="12700" cap="flat" cmpd="sng" algn="ctr">
+                      <a:solidFill>
+                        <a:schemeClr val="accent1"/>
+                      </a:solidFill>
+                      <a:prstDash val="solid"/>
+                      <a:round/>
+                      <a:headEnd type="none" w="med" len="med"/>
+                      <a:tailEnd type="none" w="med" len="med"/>
+                    </a:lnB>
+                    <a:lnTlToBr w="12700" cmpd="sng">
+                      <a:noFill/>
+                      <a:prstDash val="solid"/>
+                    </a:lnTlToBr>
+                    <a:lnBlToTr w="12700" cmpd="sng">
+                      <a:noFill/>
+                      <a:prstDash val="solid"/>
+                    </a:lnBlToTr>
+                    <a:solidFill>
+                      <a:srgbClr val="7A0CE8"/>
+                    </a:solidFill>
+                  </a:tcPr>
+                </a:tc>
+                <a:tc>
+                  <a:txBody>
+                    <a:bodyPr/>
+                    <a:lstStyle/>
+                    <a:p>
+                      <a:endParaRPr lang="en-US" dirty="0"/>
+                    </a:p>
+                  </a:txBody>
+                  <a:tcPr>
+                    <a:lnL w="12700" cap="flat" cmpd="sng" algn="ctr">
+                      <a:solidFill>
+                        <a:schemeClr val="accent1"/>
+                      </a:solidFill>
+                      <a:prstDash val="solid"/>
+                      <a:round/>
+                      <a:headEnd type="none" w="med" len="med"/>
+                      <a:tailEnd type="none" w="med" len="med"/>
+                    </a:lnL>
+                    <a:lnR w="12700" cap="flat" cmpd="sng" algn="ctr">
+                      <a:solidFill>
+                        <a:schemeClr val="accent1"/>
+                      </a:solidFill>
+                      <a:prstDash val="solid"/>
+                      <a:round/>
+                      <a:headEnd type="none" w="med" len="med"/>
+                      <a:tailEnd type="none" w="med" len="med"/>
+                    </a:lnR>
+                    <a:lnT w="12700" cap="flat" cmpd="sng" algn="ctr">
+                      <a:solidFill>
+                        <a:schemeClr val="accent1"/>
+                      </a:solidFill>
+                      <a:prstDash val="solid"/>
+                      <a:round/>
+                      <a:headEnd type="none" w="med" len="med"/>
+                      <a:tailEnd type="none" w="med" len="med"/>
+                    </a:lnT>
+                    <a:lnB w="12700" cap="flat" cmpd="sng" algn="ctr">
+                      <a:solidFill>
+                        <a:schemeClr val="accent1"/>
+                      </a:solidFill>
+                      <a:prstDash val="solid"/>
+                      <a:round/>
+                      <a:headEnd type="none" w="med" len="med"/>
+                      <a:tailEnd type="none" w="med" len="med"/>
+                    </a:lnB>
+                    <a:lnTlToBr w="12700" cmpd="sng">
+                      <a:noFill/>
+                      <a:prstDash val="solid"/>
+                    </a:lnTlToBr>
+                    <a:lnBlToTr w="12700" cmpd="sng">
+                      <a:noFill/>
+                      <a:prstDash val="solid"/>
+                    </a:lnBlToTr>
+                  </a:tcPr>
+                </a:tc>
+                <a:tc>
+                  <a:txBody>
+                    <a:bodyPr/>
+                    <a:lstStyle/>
+                    <a:p>
+                      <a:endParaRPr lang="en-US" dirty="0"/>
+                    </a:p>
+                  </a:txBody>
+                  <a:tcPr>
+                    <a:lnL w="12700" cap="flat" cmpd="sng" algn="ctr">
+                      <a:solidFill>
+                        <a:schemeClr val="accent1"/>
+                      </a:solidFill>
+                      <a:prstDash val="solid"/>
+                      <a:round/>
+                      <a:headEnd type="none" w="med" len="med"/>
+                      <a:tailEnd type="none" w="med" len="med"/>
+                    </a:lnL>
+                    <a:lnR w="12700" cap="flat" cmpd="sng" algn="ctr">
+                      <a:solidFill>
+                        <a:schemeClr val="accent1"/>
+                      </a:solidFill>
+                      <a:prstDash val="solid"/>
+                      <a:round/>
+                      <a:headEnd type="none" w="med" len="med"/>
+                      <a:tailEnd type="none" w="med" len="med"/>
+                    </a:lnR>
+                    <a:lnT w="12700" cap="flat" cmpd="sng" algn="ctr">
+                      <a:solidFill>
+                        <a:schemeClr val="accent1"/>
+                      </a:solidFill>
+                      <a:prstDash val="solid"/>
+                      <a:round/>
+                      <a:headEnd type="none" w="med" len="med"/>
+                      <a:tailEnd type="none" w="med" len="med"/>
+                    </a:lnT>
+                    <a:lnB w="12700" cap="flat" cmpd="sng" algn="ctr">
+                      <a:solidFill>
+                        <a:schemeClr val="accent1"/>
+                      </a:solidFill>
+                      <a:prstDash val="solid"/>
+                      <a:round/>
+                      <a:headEnd type="none" w="med" len="med"/>
+                      <a:tailEnd type="none" w="med" len="med"/>
+                    </a:lnB>
+                    <a:lnTlToBr w="12700" cmpd="sng">
+                      <a:noFill/>
+                      <a:prstDash val="solid"/>
+                    </a:lnTlToBr>
+                    <a:lnBlToTr w="12700" cmpd="sng">
+                      <a:noFill/>
+                      <a:prstDash val="solid"/>
+                    </a:lnBlToTr>
+                  </a:tcPr>
+                </a:tc>
+              </a:tr>
+              <a:tr h="548640">
+                <a:tc>
+                  <a:txBody>
+                    <a:bodyPr/>
+                    <a:lstStyle/>
+                    <a:p>
+                      <a:endParaRPr lang="en-US" dirty="0"/>
+                    </a:p>
+                  </a:txBody>
+                  <a:tcPr>
+                    <a:lnL w="12700" cap="flat" cmpd="sng" algn="ctr">
+                      <a:solidFill>
+                        <a:schemeClr val="accent1"/>
+                      </a:solidFill>
+                      <a:prstDash val="solid"/>
+                      <a:round/>
+                      <a:headEnd type="none" w="med" len="med"/>
+                      <a:tailEnd type="none" w="med" len="med"/>
+                    </a:lnL>
+                    <a:lnR w="12700" cap="flat" cmpd="sng" algn="ctr">
+                      <a:solidFill>
+                        <a:schemeClr val="accent1"/>
+                      </a:solidFill>
+                      <a:prstDash val="solid"/>
+                      <a:round/>
+                      <a:headEnd type="none" w="med" len="med"/>
+                      <a:tailEnd type="none" w="med" len="med"/>
+                    </a:lnR>
+                    <a:lnT w="12700" cap="flat" cmpd="sng" algn="ctr">
+                      <a:solidFill>
+                        <a:schemeClr val="accent1"/>
+                      </a:solidFill>
+                      <a:prstDash val="solid"/>
+                      <a:round/>
+                      <a:headEnd type="none" w="med" len="med"/>
+                      <a:tailEnd type="none" w="med" len="med"/>
+                    </a:lnT>
+                    <a:lnB w="12700" cap="flat" cmpd="sng" algn="ctr">
+                      <a:solidFill>
+                        <a:schemeClr val="accent1"/>
+                      </a:solidFill>
+                      <a:prstDash val="solid"/>
+                      <a:round/>
+                      <a:headEnd type="none" w="med" len="med"/>
+                      <a:tailEnd type="none" w="med" len="med"/>
+                    </a:lnB>
+                    <a:lnTlToBr w="12700" cmpd="sng">
+                      <a:noFill/>
+                      <a:prstDash val="solid"/>
+                    </a:lnTlToBr>
+                    <a:lnBlToTr w="12700" cmpd="sng">
+                      <a:noFill/>
+                      <a:prstDash val="solid"/>
+                    </a:lnBlToTr>
+                  </a:tcPr>
+                </a:tc>
+                <a:tc>
+                  <a:txBody>
+                    <a:bodyPr/>
+                    <a:lstStyle/>
+                    <a:p>
+                      <a:endParaRPr lang="en-US" dirty="0"/>
+                    </a:p>
+                  </a:txBody>
+                  <a:tcPr>
+                    <a:lnL w="12700" cap="flat" cmpd="sng" algn="ctr">
+                      <a:solidFill>
+                        <a:schemeClr val="accent1"/>
+                      </a:solidFill>
+                      <a:prstDash val="solid"/>
+                      <a:round/>
+                      <a:headEnd type="none" w="med" len="med"/>
+                      <a:tailEnd type="none" w="med" len="med"/>
+                    </a:lnL>
+                    <a:lnR w="12700" cap="flat" cmpd="sng" algn="ctr">
+                      <a:solidFill>
+                        <a:schemeClr val="accent1"/>
+                      </a:solidFill>
+                      <a:prstDash val="solid"/>
+                      <a:round/>
+                      <a:headEnd type="none" w="med" len="med"/>
+                      <a:tailEnd type="none" w="med" len="med"/>
+                    </a:lnR>
+                    <a:lnT w="12700" cap="flat" cmpd="sng" algn="ctr">
+                      <a:solidFill>
+                        <a:schemeClr val="accent1"/>
+                      </a:solidFill>
+                      <a:prstDash val="solid"/>
+                      <a:round/>
+                      <a:headEnd type="none" w="med" len="med"/>
+                      <a:tailEnd type="none" w="med" len="med"/>
+                    </a:lnT>
+                    <a:lnB w="12700" cap="flat" cmpd="sng" algn="ctr">
+                      <a:solidFill>
+                        <a:schemeClr val="accent1"/>
+                      </a:solidFill>
+                      <a:prstDash val="solid"/>
+                      <a:round/>
+                      <a:headEnd type="none" w="med" len="med"/>
+                      <a:tailEnd type="none" w="med" len="med"/>
+                    </a:lnB>
+                    <a:lnTlToBr w="12700" cmpd="sng">
+                      <a:noFill/>
+                      <a:prstDash val="solid"/>
+                    </a:lnTlToBr>
+                    <a:lnBlToTr w="12700" cmpd="sng">
+                      <a:noFill/>
+                      <a:prstDash val="solid"/>
+                    </a:lnBlToTr>
+                  </a:tcPr>
+                </a:tc>
+                <a:tc>
+                  <a:txBody>
+                    <a:bodyPr/>
+                    <a:lstStyle/>
+                    <a:p>
+                      <a:endParaRPr lang="en-US" dirty="0"/>
+                    </a:p>
+                  </a:txBody>
+                  <a:tcPr>
+                    <a:lnL w="12700" cap="flat" cmpd="sng" algn="ctr">
+                      <a:solidFill>
+                        <a:schemeClr val="accent1"/>
+                      </a:solidFill>
+                      <a:prstDash val="solid"/>
+                      <a:round/>
+                      <a:headEnd type="none" w="med" len="med"/>
+                      <a:tailEnd type="none" w="med" len="med"/>
+                    </a:lnL>
+                    <a:lnR w="12700" cap="flat" cmpd="sng" algn="ctr">
+                      <a:solidFill>
+                        <a:schemeClr val="accent1"/>
+                      </a:solidFill>
+                      <a:prstDash val="solid"/>
+                      <a:round/>
+                      <a:headEnd type="none" w="med" len="med"/>
+                      <a:tailEnd type="none" w="med" len="med"/>
+                    </a:lnR>
+                    <a:lnT w="12700" cap="flat" cmpd="sng" algn="ctr">
+                      <a:solidFill>
+                        <a:schemeClr val="accent1"/>
+                      </a:solidFill>
+                      <a:prstDash val="solid"/>
+                      <a:round/>
+                      <a:headEnd type="none" w="med" len="med"/>
+                      <a:tailEnd type="none" w="med" len="med"/>
+                    </a:lnT>
+                    <a:lnB w="12700" cap="flat" cmpd="sng" algn="ctr">
+                      <a:solidFill>
+                        <a:schemeClr val="accent1"/>
+                      </a:solidFill>
+                      <a:prstDash val="solid"/>
+                      <a:round/>
+                      <a:headEnd type="none" w="med" len="med"/>
+                      <a:tailEnd type="none" w="med" len="med"/>
+                    </a:lnB>
+                    <a:lnTlToBr w="12700" cmpd="sng">
+                      <a:noFill/>
+                      <a:prstDash val="solid"/>
+                    </a:lnTlToBr>
+                    <a:lnBlToTr w="12700" cmpd="sng">
+                      <a:noFill/>
+                      <a:prstDash val="solid"/>
+                    </a:lnBlToTr>
+                  </a:tcPr>
+                </a:tc>
+                <a:tc>
+                  <a:txBody>
+                    <a:bodyPr/>
+                    <a:lstStyle/>
+                    <a:p>
+                      <a:endParaRPr lang="en-US" dirty="0"/>
+                    </a:p>
+                  </a:txBody>
+                  <a:tcPr>
+                    <a:lnL w="12700" cap="flat" cmpd="sng" algn="ctr">
+                      <a:solidFill>
+                        <a:schemeClr val="accent1"/>
+                      </a:solidFill>
+                      <a:prstDash val="solid"/>
+                      <a:round/>
+                      <a:headEnd type="none" w="med" len="med"/>
+                      <a:tailEnd type="none" w="med" len="med"/>
+                    </a:lnL>
+                    <a:lnR w="12700" cap="flat" cmpd="sng" algn="ctr">
+                      <a:solidFill>
+                        <a:schemeClr val="accent1"/>
+                      </a:solidFill>
+                      <a:prstDash val="solid"/>
+                      <a:round/>
+                      <a:headEnd type="none" w="med" len="med"/>
+                      <a:tailEnd type="none" w="med" len="med"/>
+                    </a:lnR>
+                    <a:lnT w="12700" cap="flat" cmpd="sng" algn="ctr">
+                      <a:solidFill>
+                        <a:schemeClr val="accent1"/>
+                      </a:solidFill>
+                      <a:prstDash val="solid"/>
+                      <a:round/>
+                      <a:headEnd type="none" w="med" len="med"/>
+                      <a:tailEnd type="none" w="med" len="med"/>
+                    </a:lnT>
+                    <a:lnB w="12700" cap="flat" cmpd="sng" algn="ctr">
+                      <a:solidFill>
+                        <a:schemeClr val="accent1"/>
+                      </a:solidFill>
+                      <a:prstDash val="solid"/>
+                      <a:round/>
+                      <a:headEnd type="none" w="med" len="med"/>
+                      <a:tailEnd type="none" w="med" len="med"/>
+                    </a:lnB>
+                    <a:lnTlToBr w="12700" cmpd="sng">
+                      <a:noFill/>
+                      <a:prstDash val="solid"/>
+                    </a:lnTlToBr>
+                    <a:lnBlToTr w="12700" cmpd="sng">
+                      <a:noFill/>
+                      <a:prstDash val="solid"/>
+                    </a:lnBlToTr>
+                  </a:tcPr>
+                </a:tc>
+                <a:tc>
+                  <a:txBody>
+                    <a:bodyPr/>
+                    <a:lstStyle/>
+                    <a:p>
+                      <a:endParaRPr lang="en-US" dirty="0"/>
+                    </a:p>
+                  </a:txBody>
+                  <a:tcPr>
+                    <a:lnL w="12700" cap="flat" cmpd="sng" algn="ctr">
+                      <a:solidFill>
+                        <a:schemeClr val="accent1"/>
+                      </a:solidFill>
+                      <a:prstDash val="solid"/>
+                      <a:round/>
+                      <a:headEnd type="none" w="med" len="med"/>
+                      <a:tailEnd type="none" w="med" len="med"/>
+                    </a:lnL>
+                    <a:lnR w="12700" cap="flat" cmpd="sng" algn="ctr">
+                      <a:solidFill>
+                        <a:schemeClr val="accent1"/>
+                      </a:solidFill>
+                      <a:prstDash val="solid"/>
+                      <a:round/>
+                      <a:headEnd type="none" w="med" len="med"/>
+                      <a:tailEnd type="none" w="med" len="med"/>
+                    </a:lnR>
+                    <a:lnT w="12700" cap="flat" cmpd="sng" algn="ctr">
+                      <a:solidFill>
+                        <a:schemeClr val="accent1"/>
+                      </a:solidFill>
+                      <a:prstDash val="solid"/>
+                      <a:round/>
+                      <a:headEnd type="none" w="med" len="med"/>
+                      <a:tailEnd type="none" w="med" len="med"/>
+                    </a:lnT>
+                    <a:lnB w="12700" cap="flat" cmpd="sng" algn="ctr">
+                      <a:solidFill>
+                        <a:schemeClr val="accent1"/>
+                      </a:solidFill>
+                      <a:prstDash val="solid"/>
+                      <a:round/>
+                      <a:headEnd type="none" w="med" len="med"/>
+                      <a:tailEnd type="none" w="med" len="med"/>
+                    </a:lnB>
+                    <a:lnTlToBr w="12700" cmpd="sng">
+                      <a:noFill/>
+                      <a:prstDash val="solid"/>
+                    </a:lnTlToBr>
+                    <a:lnBlToTr w="12700" cmpd="sng">
+                      <a:noFill/>
+                      <a:prstDash val="solid"/>
+                    </a:lnBlToTr>
+                  </a:tcPr>
+                </a:tc>
+                <a:tc>
+                  <a:txBody>
+                    <a:bodyPr/>
+                    <a:lstStyle/>
+                    <a:p>
+                      <a:endParaRPr lang="en-US" dirty="0"/>
+                    </a:p>
+                  </a:txBody>
+                  <a:tcPr>
+                    <a:lnL w="12700" cap="flat" cmpd="sng" algn="ctr">
+                      <a:solidFill>
+                        <a:schemeClr val="accent1"/>
+                      </a:solidFill>
+                      <a:prstDash val="solid"/>
+                      <a:round/>
+                      <a:headEnd type="none" w="med" len="med"/>
+                      <a:tailEnd type="none" w="med" len="med"/>
+                    </a:lnL>
+                    <a:lnR w="12700" cap="flat" cmpd="sng" algn="ctr">
+                      <a:solidFill>
+                        <a:schemeClr val="accent1"/>
+                      </a:solidFill>
+                      <a:prstDash val="solid"/>
+                      <a:round/>
+                      <a:headEnd type="none" w="med" len="med"/>
+                      <a:tailEnd type="none" w="med" len="med"/>
+                    </a:lnR>
+                    <a:lnT w="12700" cap="flat" cmpd="sng" algn="ctr">
+                      <a:solidFill>
+                        <a:schemeClr val="accent1"/>
+                      </a:solidFill>
+                      <a:prstDash val="solid"/>
+                      <a:round/>
+                      <a:headEnd type="none" w="med" len="med"/>
+                      <a:tailEnd type="none" w="med" len="med"/>
+                    </a:lnT>
+                    <a:lnB w="12700" cap="flat" cmpd="sng" algn="ctr">
+                      <a:solidFill>
+                        <a:schemeClr val="accent1"/>
+                      </a:solidFill>
+                      <a:prstDash val="solid"/>
+                      <a:round/>
+                      <a:headEnd type="none" w="med" len="med"/>
+                      <a:tailEnd type="none" w="med" len="med"/>
+                    </a:lnB>
+                    <a:lnTlToBr w="12700" cmpd="sng">
+                      <a:noFill/>
+                      <a:prstDash val="solid"/>
+                    </a:lnTlToBr>
+                    <a:lnBlToTr w="12700" cmpd="sng">
+                      <a:noFill/>
+                      <a:prstDash val="solid"/>
+                    </a:lnBlToTr>
+                  </a:tcPr>
+                </a:tc>
+                <a:tc>
+                  <a:txBody>
+                    <a:bodyPr/>
+                    <a:lstStyle/>
+                    <a:p>
+                      <a:endParaRPr lang="en-US" dirty="0"/>
+                    </a:p>
+                  </a:txBody>
+                  <a:tcPr>
+                    <a:lnL w="12700" cap="flat" cmpd="sng" algn="ctr">
+                      <a:solidFill>
+                        <a:schemeClr val="accent1"/>
+                      </a:solidFill>
+                      <a:prstDash val="solid"/>
+                      <a:round/>
+                      <a:headEnd type="none" w="med" len="med"/>
+                      <a:tailEnd type="none" w="med" len="med"/>
+                    </a:lnL>
+                    <a:lnR w="12700" cap="flat" cmpd="sng" algn="ctr">
+                      <a:solidFill>
+                        <a:schemeClr val="accent1"/>
+                      </a:solidFill>
+                      <a:prstDash val="solid"/>
+                      <a:round/>
+                      <a:headEnd type="none" w="med" len="med"/>
+                      <a:tailEnd type="none" w="med" len="med"/>
+                    </a:lnR>
+                    <a:lnT w="12700" cap="flat" cmpd="sng" algn="ctr">
+                      <a:solidFill>
+                        <a:schemeClr val="accent1"/>
+                      </a:solidFill>
+                      <a:prstDash val="solid"/>
+                      <a:round/>
+                      <a:headEnd type="none" w="med" len="med"/>
+                      <a:tailEnd type="none" w="med" len="med"/>
+                    </a:lnT>
+                    <a:lnB w="12700" cap="flat" cmpd="sng" algn="ctr">
+                      <a:solidFill>
+                        <a:schemeClr val="accent1"/>
+                      </a:solidFill>
+                      <a:prstDash val="solid"/>
+                      <a:round/>
+                      <a:headEnd type="none" w="med" len="med"/>
+                      <a:tailEnd type="none" w="med" len="med"/>
+                    </a:lnB>
+                    <a:lnTlToBr w="12700" cmpd="sng">
+                      <a:noFill/>
+                      <a:prstDash val="solid"/>
+                    </a:lnTlToBr>
+                    <a:lnBlToTr w="12700" cmpd="sng">
+                      <a:noFill/>
+                      <a:prstDash val="solid"/>
+                    </a:lnBlToTr>
+                  </a:tcPr>
+                </a:tc>
+              </a:tr>
+            </a:tbl>
+          </a:graphicData>
+        </a:graphic>
+      </p:graphicFrame>
+    </p:spTree>
+    <p:extLst>
+      <p:ext uri="{BB962C8B-B14F-4D97-AF65-F5344CB8AC3E}">
+        <p14:creationId xmlns:p14="http://schemas.microsoft.com/office/powerpoint/2010/main" val="1927372790"/>
+      </p:ext>
+    </p:extLst>
+  </p:cSld>
+  <p:clrMapOvr>
+    <a:masterClrMapping/>
+  </p:clrMapOvr>
+  <p:transition>
+    <p:push/>
+  </p:transition>
+  <p:timing>
+    <p:tnLst>
+      <p:par>
+        <p:cTn id="1" dur="indefinite" restart="never" nodeType="tmRoot"/>
+      </p:par>
+    </p:tnLst>
+  </p:timing>
+</p:sld>
+</file>
+
+<file path=ppt/slides/slide5.xml><?xml version="1.0" encoding="utf-8"?>
+<p:sld xmlns:a="http://schemas.openxmlformats.org/drawingml/2006/main" xmlns:r="http://schemas.openxmlformats.org/officeDocument/2006/relationships" xmlns:p="http://schemas.openxmlformats.org/presentationml/2006/main">
+  <p:cSld>
+    <p:spTree>
+      <p:nvGrpSpPr>
+        <p:cNvPr id="1" name=""/>
+        <p:cNvGrpSpPr/>
+        <p:nvPr/>
+      </p:nvGrpSpPr>
+      <p:grpSpPr>
+        <a:xfrm>
+          <a:off x="0" y="0"/>
+          <a:ext cx="0" cy="0"/>
+          <a:chOff x="0" y="0"/>
+          <a:chExt cx="0" cy="0"/>
+        </a:xfrm>
+      </p:grpSpPr>
+      <p:sp>
+        <p:nvSpPr>
+          <p:cNvPr id="2" name="Right Arrow 1"/>
+          <p:cNvSpPr/>
+          <p:nvPr/>
+        </p:nvSpPr>
+        <p:spPr>
+          <a:xfrm>
+            <a:off x="0" y="-462633"/>
+            <a:ext cx="13450956" cy="1718001"/>
+          </a:xfrm>
+          <a:prstGeom prst="rightArrow">
+            <a:avLst/>
+          </a:prstGeom>
+          <a:solidFill>
+            <a:schemeClr val="accent1"/>
+          </a:solidFill>
+          <a:ln>
+            <a:noFill/>
+          </a:ln>
+        </p:spPr>
+        <p:style>
+          <a:lnRef idx="2">
+            <a:schemeClr val="accent1">
+              <a:shade val="50000"/>
+            </a:schemeClr>
+          </a:lnRef>
+          <a:fillRef idx="1">
+            <a:schemeClr val="accent1"/>
+          </a:fillRef>
+          <a:effectRef idx="0">
+            <a:schemeClr val="accent1"/>
+          </a:effectRef>
+          <a:fontRef idx="minor">
+            <a:schemeClr val="lt1"/>
+          </a:fontRef>
+        </p:style>
+        <p:txBody>
+          <a:bodyPr rtlCol="0" anchor="ctr"/>
+          <a:lstStyle/>
+          <a:p>
+            <a:r>
+              <a:rPr lang="en-US" dirty="0" smtClean="0">
+                <a:solidFill>
+                  <a:srgbClr val="F2F2EF"/>
+                </a:solidFill>
+              </a:rPr>
+              <a:t>	</a:t>
+            </a:r>
+            <a:r>
+              <a:rPr lang="en-US" sz="4000" b="1" dirty="0">
+                <a:solidFill>
+                  <a:srgbClr val="F2F2EF"/>
+                </a:solidFill>
+              </a:rPr>
+              <a:t> </a:t>
+            </a:r>
+            <a:r>
+              <a:rPr lang="en-US" sz="4000" b="1" dirty="0" smtClean="0">
+                <a:solidFill>
+                  <a:srgbClr val="F2F2EF"/>
+                </a:solidFill>
+              </a:rPr>
+              <a:t>FU’s Current</a:t>
+            </a:r>
+            <a:endParaRPr lang="en-US" sz="4000" dirty="0">
+              <a:solidFill>
+                <a:srgbClr val="F2F2EF"/>
+              </a:solidFill>
+            </a:endParaRPr>
+          </a:p>
+        </p:txBody>
+      </p:sp>
+    </p:spTree>
+    <p:extLst>
+      <p:ext uri="{BB962C8B-B14F-4D97-AF65-F5344CB8AC3E}">
+        <p14:creationId xmlns:p14="http://schemas.microsoft.com/office/powerpoint/2010/main" val="1688265000"/>
+      </p:ext>
+    </p:extLst>
+  </p:cSld>
+  <p:clrMapOvr>
+    <a:masterClrMapping/>
+  </p:clrMapOvr>
+  <p:transition>
+    <p:push/>
+  </p:transition>
+  <p:timing>
+    <p:tnLst>
+      <p:par>
+        <p:cTn id="1" dur="indefinite" restart="never" nodeType="tmRoot"/>
+      </p:par>
+    </p:tnLst>
+  </p:timing>
+</p:sld>
+</file>
+
+<file path=ppt/slides/slide6.xml><?xml version="1.0" encoding="utf-8"?>
 <p:sld xmlns:a="http://schemas.openxmlformats.org/drawingml/2006/main" xmlns:r="http://schemas.openxmlformats.org/officeDocument/2006/relationships" xmlns:p="http://schemas.openxmlformats.org/presentationml/2006/main">
   <p:cSld>
     <p:spTree>
@@ -4862,8 +9604,8 @@
         </p:nvSpPr>
         <p:spPr>
           <a:xfrm>
-            <a:off x="2636886" y="3142915"/>
-            <a:ext cx="845103" cy="369332"/>
+            <a:off x="2485402" y="3142915"/>
+            <a:ext cx="1189749" cy="369332"/>
           </a:xfrm>
           <a:prstGeom prst="rect">
             <a:avLst/>
@@ -4900,7 +9642,7 @@
                   <a:schemeClr val="accent1"/>
                 </a:solidFill>
               </a:rPr>
-              <a:t>MySQL</a:t>
+              <a:t>MySQL 5.6</a:t>
             </a:r>
             <a:endParaRPr lang="en-US" dirty="0">
               <a:solidFill>
@@ -5493,1935 +10235,20 @@
   <p:clrMapOvr>
     <a:masterClrMapping/>
   </p:clrMapOvr>
-  <p:transition spd="slow">
+  <p:transition>
     <p:push/>
   </p:transition>
   <p:timing>
     <p:tnLst>
       <p:par>
-        <p:cTn id="1" dur="indefinite" restart="never" nodeType="tmRoot">
-          <p:childTnLst>
-            <p:seq concurrent="1" nextAc="seek">
-              <p:cTn id="2" dur="indefinite" nodeType="mainSeq">
-                <p:childTnLst>
-                  <p:par>
-                    <p:cTn id="3" fill="hold">
-                      <p:stCondLst>
-                        <p:cond delay="indefinite"/>
-                        <p:cond evt="onBegin" delay="0">
-                          <p:tn val="2"/>
-                        </p:cond>
-                      </p:stCondLst>
-                      <p:childTnLst>
-                        <p:par>
-                          <p:cTn id="4" fill="hold">
-                            <p:stCondLst>
-                              <p:cond delay="0"/>
-                            </p:stCondLst>
-                            <p:childTnLst>
-                              <p:par>
-                                <p:cTn id="5" presetID="31" presetClass="entr" presetSubtype="0" fill="hold" nodeType="withEffect">
-                                  <p:stCondLst>
-                                    <p:cond delay="0"/>
-                                  </p:stCondLst>
-                                  <p:childTnLst>
-                                    <p:set>
-                                      <p:cBhvr>
-                                        <p:cTn id="6" dur="1" fill="hold">
-                                          <p:stCondLst>
-                                            <p:cond delay="0"/>
-                                          </p:stCondLst>
-                                        </p:cTn>
-                                        <p:tgtEl>
-                                          <p:spTgt spid="3"/>
-                                        </p:tgtEl>
-                                        <p:attrNameLst>
-                                          <p:attrName>style.visibility</p:attrName>
-                                        </p:attrNameLst>
-                                      </p:cBhvr>
-                                      <p:to>
-                                        <p:strVal val="visible"/>
-                                      </p:to>
-                                    </p:set>
-                                    <p:anim calcmode="lin" valueType="num">
-                                      <p:cBhvr>
-                                        <p:cTn id="7" dur="1000" fill="hold"/>
-                                        <p:tgtEl>
-                                          <p:spTgt spid="3"/>
-                                        </p:tgtEl>
-                                        <p:attrNameLst>
-                                          <p:attrName>ppt_w</p:attrName>
-                                        </p:attrNameLst>
-                                      </p:cBhvr>
-                                      <p:tavLst>
-                                        <p:tav tm="0">
-                                          <p:val>
-                                            <p:fltVal val="0"/>
-                                          </p:val>
-                                        </p:tav>
-                                        <p:tav tm="100000">
-                                          <p:val>
-                                            <p:strVal val="#ppt_w"/>
-                                          </p:val>
-                                        </p:tav>
-                                      </p:tavLst>
-                                    </p:anim>
-                                    <p:anim calcmode="lin" valueType="num">
-                                      <p:cBhvr>
-                                        <p:cTn id="8" dur="1000" fill="hold"/>
-                                        <p:tgtEl>
-                                          <p:spTgt spid="3"/>
-                                        </p:tgtEl>
-                                        <p:attrNameLst>
-                                          <p:attrName>ppt_h</p:attrName>
-                                        </p:attrNameLst>
-                                      </p:cBhvr>
-                                      <p:tavLst>
-                                        <p:tav tm="0">
-                                          <p:val>
-                                            <p:fltVal val="0"/>
-                                          </p:val>
-                                        </p:tav>
-                                        <p:tav tm="100000">
-                                          <p:val>
-                                            <p:strVal val="#ppt_h"/>
-                                          </p:val>
-                                        </p:tav>
-                                      </p:tavLst>
-                                    </p:anim>
-                                    <p:anim calcmode="lin" valueType="num">
-                                      <p:cBhvr>
-                                        <p:cTn id="9" dur="1000" fill="hold"/>
-                                        <p:tgtEl>
-                                          <p:spTgt spid="3"/>
-                                        </p:tgtEl>
-                                        <p:attrNameLst>
-                                          <p:attrName>style.rotation</p:attrName>
-                                        </p:attrNameLst>
-                                      </p:cBhvr>
-                                      <p:tavLst>
-                                        <p:tav tm="0">
-                                          <p:val>
-                                            <p:fltVal val="90"/>
-                                          </p:val>
-                                        </p:tav>
-                                        <p:tav tm="100000">
-                                          <p:val>
-                                            <p:fltVal val="0"/>
-                                          </p:val>
-                                        </p:tav>
-                                      </p:tavLst>
-                                    </p:anim>
-                                    <p:animEffect transition="in" filter="fade">
-                                      <p:cBhvr>
-                                        <p:cTn id="10" dur="1000"/>
-                                        <p:tgtEl>
-                                          <p:spTgt spid="3"/>
-                                        </p:tgtEl>
-                                      </p:cBhvr>
-                                    </p:animEffect>
-                                  </p:childTnLst>
-                                </p:cTn>
-                              </p:par>
-                              <p:par>
-                                <p:cTn id="11" presetID="31" presetClass="entr" presetSubtype="0" fill="hold" nodeType="withEffect">
-                                  <p:stCondLst>
-                                    <p:cond delay="0"/>
-                                  </p:stCondLst>
-                                  <p:childTnLst>
-                                    <p:set>
-                                      <p:cBhvr>
-                                        <p:cTn id="12" dur="1" fill="hold">
-                                          <p:stCondLst>
-                                            <p:cond delay="0"/>
-                                          </p:stCondLst>
-                                        </p:cTn>
-                                        <p:tgtEl>
-                                          <p:spTgt spid="4"/>
-                                        </p:tgtEl>
-                                        <p:attrNameLst>
-                                          <p:attrName>style.visibility</p:attrName>
-                                        </p:attrNameLst>
-                                      </p:cBhvr>
-                                      <p:to>
-                                        <p:strVal val="visible"/>
-                                      </p:to>
-                                    </p:set>
-                                    <p:anim calcmode="lin" valueType="num">
-                                      <p:cBhvr>
-                                        <p:cTn id="13" dur="1000" fill="hold"/>
-                                        <p:tgtEl>
-                                          <p:spTgt spid="4"/>
-                                        </p:tgtEl>
-                                        <p:attrNameLst>
-                                          <p:attrName>ppt_w</p:attrName>
-                                        </p:attrNameLst>
-                                      </p:cBhvr>
-                                      <p:tavLst>
-                                        <p:tav tm="0">
-                                          <p:val>
-                                            <p:fltVal val="0"/>
-                                          </p:val>
-                                        </p:tav>
-                                        <p:tav tm="100000">
-                                          <p:val>
-                                            <p:strVal val="#ppt_w"/>
-                                          </p:val>
-                                        </p:tav>
-                                      </p:tavLst>
-                                    </p:anim>
-                                    <p:anim calcmode="lin" valueType="num">
-                                      <p:cBhvr>
-                                        <p:cTn id="14" dur="1000" fill="hold"/>
-                                        <p:tgtEl>
-                                          <p:spTgt spid="4"/>
-                                        </p:tgtEl>
-                                        <p:attrNameLst>
-                                          <p:attrName>ppt_h</p:attrName>
-                                        </p:attrNameLst>
-                                      </p:cBhvr>
-                                      <p:tavLst>
-                                        <p:tav tm="0">
-                                          <p:val>
-                                            <p:fltVal val="0"/>
-                                          </p:val>
-                                        </p:tav>
-                                        <p:tav tm="100000">
-                                          <p:val>
-                                            <p:strVal val="#ppt_h"/>
-                                          </p:val>
-                                        </p:tav>
-                                      </p:tavLst>
-                                    </p:anim>
-                                    <p:anim calcmode="lin" valueType="num">
-                                      <p:cBhvr>
-                                        <p:cTn id="15" dur="1000" fill="hold"/>
-                                        <p:tgtEl>
-                                          <p:spTgt spid="4"/>
-                                        </p:tgtEl>
-                                        <p:attrNameLst>
-                                          <p:attrName>style.rotation</p:attrName>
-                                        </p:attrNameLst>
-                                      </p:cBhvr>
-                                      <p:tavLst>
-                                        <p:tav tm="0">
-                                          <p:val>
-                                            <p:fltVal val="90"/>
-                                          </p:val>
-                                        </p:tav>
-                                        <p:tav tm="100000">
-                                          <p:val>
-                                            <p:fltVal val="0"/>
-                                          </p:val>
-                                        </p:tav>
-                                      </p:tavLst>
-                                    </p:anim>
-                                    <p:animEffect transition="in" filter="fade">
-                                      <p:cBhvr>
-                                        <p:cTn id="16" dur="1000"/>
-                                        <p:tgtEl>
-                                          <p:spTgt spid="4"/>
-                                        </p:tgtEl>
-                                      </p:cBhvr>
-                                    </p:animEffect>
-                                  </p:childTnLst>
-                                </p:cTn>
-                              </p:par>
-                              <p:par>
-                                <p:cTn id="17" presetID="31" presetClass="entr" presetSubtype="0" fill="hold" nodeType="withEffect">
-                                  <p:stCondLst>
-                                    <p:cond delay="0"/>
-                                  </p:stCondLst>
-                                  <p:childTnLst>
-                                    <p:set>
-                                      <p:cBhvr>
-                                        <p:cTn id="18" dur="1" fill="hold">
-                                          <p:stCondLst>
-                                            <p:cond delay="0"/>
-                                          </p:stCondLst>
-                                        </p:cTn>
-                                        <p:tgtEl>
-                                          <p:spTgt spid="6"/>
-                                        </p:tgtEl>
-                                        <p:attrNameLst>
-                                          <p:attrName>style.visibility</p:attrName>
-                                        </p:attrNameLst>
-                                      </p:cBhvr>
-                                      <p:to>
-                                        <p:strVal val="visible"/>
-                                      </p:to>
-                                    </p:set>
-                                    <p:anim calcmode="lin" valueType="num">
-                                      <p:cBhvr>
-                                        <p:cTn id="19" dur="1000" fill="hold"/>
-                                        <p:tgtEl>
-                                          <p:spTgt spid="6"/>
-                                        </p:tgtEl>
-                                        <p:attrNameLst>
-                                          <p:attrName>ppt_w</p:attrName>
-                                        </p:attrNameLst>
-                                      </p:cBhvr>
-                                      <p:tavLst>
-                                        <p:tav tm="0">
-                                          <p:val>
-                                            <p:fltVal val="0"/>
-                                          </p:val>
-                                        </p:tav>
-                                        <p:tav tm="100000">
-                                          <p:val>
-                                            <p:strVal val="#ppt_w"/>
-                                          </p:val>
-                                        </p:tav>
-                                      </p:tavLst>
-                                    </p:anim>
-                                    <p:anim calcmode="lin" valueType="num">
-                                      <p:cBhvr>
-                                        <p:cTn id="20" dur="1000" fill="hold"/>
-                                        <p:tgtEl>
-                                          <p:spTgt spid="6"/>
-                                        </p:tgtEl>
-                                        <p:attrNameLst>
-                                          <p:attrName>ppt_h</p:attrName>
-                                        </p:attrNameLst>
-                                      </p:cBhvr>
-                                      <p:tavLst>
-                                        <p:tav tm="0">
-                                          <p:val>
-                                            <p:fltVal val="0"/>
-                                          </p:val>
-                                        </p:tav>
-                                        <p:tav tm="100000">
-                                          <p:val>
-                                            <p:strVal val="#ppt_h"/>
-                                          </p:val>
-                                        </p:tav>
-                                      </p:tavLst>
-                                    </p:anim>
-                                    <p:anim calcmode="lin" valueType="num">
-                                      <p:cBhvr>
-                                        <p:cTn id="21" dur="1000" fill="hold"/>
-                                        <p:tgtEl>
-                                          <p:spTgt spid="6"/>
-                                        </p:tgtEl>
-                                        <p:attrNameLst>
-                                          <p:attrName>style.rotation</p:attrName>
-                                        </p:attrNameLst>
-                                      </p:cBhvr>
-                                      <p:tavLst>
-                                        <p:tav tm="0">
-                                          <p:val>
-                                            <p:fltVal val="90"/>
-                                          </p:val>
-                                        </p:tav>
-                                        <p:tav tm="100000">
-                                          <p:val>
-                                            <p:fltVal val="0"/>
-                                          </p:val>
-                                        </p:tav>
-                                      </p:tavLst>
-                                    </p:anim>
-                                    <p:animEffect transition="in" filter="fade">
-                                      <p:cBhvr>
-                                        <p:cTn id="22" dur="1000"/>
-                                        <p:tgtEl>
-                                          <p:spTgt spid="6"/>
-                                        </p:tgtEl>
-                                      </p:cBhvr>
-                                    </p:animEffect>
-                                  </p:childTnLst>
-                                </p:cTn>
-                              </p:par>
-                              <p:par>
-                                <p:cTn id="23" presetID="31" presetClass="entr" presetSubtype="0" fill="hold" nodeType="withEffect">
-                                  <p:stCondLst>
-                                    <p:cond delay="0"/>
-                                  </p:stCondLst>
-                                  <p:childTnLst>
-                                    <p:set>
-                                      <p:cBhvr>
-                                        <p:cTn id="24" dur="1" fill="hold">
-                                          <p:stCondLst>
-                                            <p:cond delay="0"/>
-                                          </p:stCondLst>
-                                        </p:cTn>
-                                        <p:tgtEl>
-                                          <p:spTgt spid="11"/>
-                                        </p:tgtEl>
-                                        <p:attrNameLst>
-                                          <p:attrName>style.visibility</p:attrName>
-                                        </p:attrNameLst>
-                                      </p:cBhvr>
-                                      <p:to>
-                                        <p:strVal val="visible"/>
-                                      </p:to>
-                                    </p:set>
-                                    <p:anim calcmode="lin" valueType="num">
-                                      <p:cBhvr>
-                                        <p:cTn id="25" dur="1000" fill="hold"/>
-                                        <p:tgtEl>
-                                          <p:spTgt spid="11"/>
-                                        </p:tgtEl>
-                                        <p:attrNameLst>
-                                          <p:attrName>ppt_w</p:attrName>
-                                        </p:attrNameLst>
-                                      </p:cBhvr>
-                                      <p:tavLst>
-                                        <p:tav tm="0">
-                                          <p:val>
-                                            <p:fltVal val="0"/>
-                                          </p:val>
-                                        </p:tav>
-                                        <p:tav tm="100000">
-                                          <p:val>
-                                            <p:strVal val="#ppt_w"/>
-                                          </p:val>
-                                        </p:tav>
-                                      </p:tavLst>
-                                    </p:anim>
-                                    <p:anim calcmode="lin" valueType="num">
-                                      <p:cBhvr>
-                                        <p:cTn id="26" dur="1000" fill="hold"/>
-                                        <p:tgtEl>
-                                          <p:spTgt spid="11"/>
-                                        </p:tgtEl>
-                                        <p:attrNameLst>
-                                          <p:attrName>ppt_h</p:attrName>
-                                        </p:attrNameLst>
-                                      </p:cBhvr>
-                                      <p:tavLst>
-                                        <p:tav tm="0">
-                                          <p:val>
-                                            <p:fltVal val="0"/>
-                                          </p:val>
-                                        </p:tav>
-                                        <p:tav tm="100000">
-                                          <p:val>
-                                            <p:strVal val="#ppt_h"/>
-                                          </p:val>
-                                        </p:tav>
-                                      </p:tavLst>
-                                    </p:anim>
-                                    <p:anim calcmode="lin" valueType="num">
-                                      <p:cBhvr>
-                                        <p:cTn id="27" dur="1000" fill="hold"/>
-                                        <p:tgtEl>
-                                          <p:spTgt spid="11"/>
-                                        </p:tgtEl>
-                                        <p:attrNameLst>
-                                          <p:attrName>style.rotation</p:attrName>
-                                        </p:attrNameLst>
-                                      </p:cBhvr>
-                                      <p:tavLst>
-                                        <p:tav tm="0">
-                                          <p:val>
-                                            <p:fltVal val="90"/>
-                                          </p:val>
-                                        </p:tav>
-                                        <p:tav tm="100000">
-                                          <p:val>
-                                            <p:fltVal val="0"/>
-                                          </p:val>
-                                        </p:tav>
-                                      </p:tavLst>
-                                    </p:anim>
-                                    <p:animEffect transition="in" filter="fade">
-                                      <p:cBhvr>
-                                        <p:cTn id="28" dur="1000"/>
-                                        <p:tgtEl>
-                                          <p:spTgt spid="11"/>
-                                        </p:tgtEl>
-                                      </p:cBhvr>
-                                    </p:animEffect>
-                                  </p:childTnLst>
-                                </p:cTn>
-                              </p:par>
-                              <p:par>
-                                <p:cTn id="29" presetID="31" presetClass="entr" presetSubtype="0" fill="hold" nodeType="withEffect">
-                                  <p:stCondLst>
-                                    <p:cond delay="0"/>
-                                  </p:stCondLst>
-                                  <p:childTnLst>
-                                    <p:set>
-                                      <p:cBhvr>
-                                        <p:cTn id="30" dur="1" fill="hold">
-                                          <p:stCondLst>
-                                            <p:cond delay="0"/>
-                                          </p:stCondLst>
-                                        </p:cTn>
-                                        <p:tgtEl>
-                                          <p:spTgt spid="8"/>
-                                        </p:tgtEl>
-                                        <p:attrNameLst>
-                                          <p:attrName>style.visibility</p:attrName>
-                                        </p:attrNameLst>
-                                      </p:cBhvr>
-                                      <p:to>
-                                        <p:strVal val="visible"/>
-                                      </p:to>
-                                    </p:set>
-                                    <p:anim calcmode="lin" valueType="num">
-                                      <p:cBhvr>
-                                        <p:cTn id="31" dur="1000" fill="hold"/>
-                                        <p:tgtEl>
-                                          <p:spTgt spid="8"/>
-                                        </p:tgtEl>
-                                        <p:attrNameLst>
-                                          <p:attrName>ppt_w</p:attrName>
-                                        </p:attrNameLst>
-                                      </p:cBhvr>
-                                      <p:tavLst>
-                                        <p:tav tm="0">
-                                          <p:val>
-                                            <p:fltVal val="0"/>
-                                          </p:val>
-                                        </p:tav>
-                                        <p:tav tm="100000">
-                                          <p:val>
-                                            <p:strVal val="#ppt_w"/>
-                                          </p:val>
-                                        </p:tav>
-                                      </p:tavLst>
-                                    </p:anim>
-                                    <p:anim calcmode="lin" valueType="num">
-                                      <p:cBhvr>
-                                        <p:cTn id="32" dur="1000" fill="hold"/>
-                                        <p:tgtEl>
-                                          <p:spTgt spid="8"/>
-                                        </p:tgtEl>
-                                        <p:attrNameLst>
-                                          <p:attrName>ppt_h</p:attrName>
-                                        </p:attrNameLst>
-                                      </p:cBhvr>
-                                      <p:tavLst>
-                                        <p:tav tm="0">
-                                          <p:val>
-                                            <p:fltVal val="0"/>
-                                          </p:val>
-                                        </p:tav>
-                                        <p:tav tm="100000">
-                                          <p:val>
-                                            <p:strVal val="#ppt_h"/>
-                                          </p:val>
-                                        </p:tav>
-                                      </p:tavLst>
-                                    </p:anim>
-                                    <p:anim calcmode="lin" valueType="num">
-                                      <p:cBhvr>
-                                        <p:cTn id="33" dur="1000" fill="hold"/>
-                                        <p:tgtEl>
-                                          <p:spTgt spid="8"/>
-                                        </p:tgtEl>
-                                        <p:attrNameLst>
-                                          <p:attrName>style.rotation</p:attrName>
-                                        </p:attrNameLst>
-                                      </p:cBhvr>
-                                      <p:tavLst>
-                                        <p:tav tm="0">
-                                          <p:val>
-                                            <p:fltVal val="90"/>
-                                          </p:val>
-                                        </p:tav>
-                                        <p:tav tm="100000">
-                                          <p:val>
-                                            <p:fltVal val="0"/>
-                                          </p:val>
-                                        </p:tav>
-                                      </p:tavLst>
-                                    </p:anim>
-                                    <p:animEffect transition="in" filter="fade">
-                                      <p:cBhvr>
-                                        <p:cTn id="34" dur="1000"/>
-                                        <p:tgtEl>
-                                          <p:spTgt spid="8"/>
-                                        </p:tgtEl>
-                                      </p:cBhvr>
-                                    </p:animEffect>
-                                  </p:childTnLst>
-                                </p:cTn>
-                              </p:par>
-                              <p:par>
-                                <p:cTn id="35" presetID="31" presetClass="entr" presetSubtype="0" fill="hold" nodeType="withEffect">
-                                  <p:stCondLst>
-                                    <p:cond delay="0"/>
-                                  </p:stCondLst>
-                                  <p:childTnLst>
-                                    <p:set>
-                                      <p:cBhvr>
-                                        <p:cTn id="36" dur="1" fill="hold">
-                                          <p:stCondLst>
-                                            <p:cond delay="0"/>
-                                          </p:stCondLst>
-                                        </p:cTn>
-                                        <p:tgtEl>
-                                          <p:spTgt spid="5"/>
-                                        </p:tgtEl>
-                                        <p:attrNameLst>
-                                          <p:attrName>style.visibility</p:attrName>
-                                        </p:attrNameLst>
-                                      </p:cBhvr>
-                                      <p:to>
-                                        <p:strVal val="visible"/>
-                                      </p:to>
-                                    </p:set>
-                                    <p:anim calcmode="lin" valueType="num">
-                                      <p:cBhvr>
-                                        <p:cTn id="37" dur="1000" fill="hold"/>
-                                        <p:tgtEl>
-                                          <p:spTgt spid="5"/>
-                                        </p:tgtEl>
-                                        <p:attrNameLst>
-                                          <p:attrName>ppt_w</p:attrName>
-                                        </p:attrNameLst>
-                                      </p:cBhvr>
-                                      <p:tavLst>
-                                        <p:tav tm="0">
-                                          <p:val>
-                                            <p:fltVal val="0"/>
-                                          </p:val>
-                                        </p:tav>
-                                        <p:tav tm="100000">
-                                          <p:val>
-                                            <p:strVal val="#ppt_w"/>
-                                          </p:val>
-                                        </p:tav>
-                                      </p:tavLst>
-                                    </p:anim>
-                                    <p:anim calcmode="lin" valueType="num">
-                                      <p:cBhvr>
-                                        <p:cTn id="38" dur="1000" fill="hold"/>
-                                        <p:tgtEl>
-                                          <p:spTgt spid="5"/>
-                                        </p:tgtEl>
-                                        <p:attrNameLst>
-                                          <p:attrName>ppt_h</p:attrName>
-                                        </p:attrNameLst>
-                                      </p:cBhvr>
-                                      <p:tavLst>
-                                        <p:tav tm="0">
-                                          <p:val>
-                                            <p:fltVal val="0"/>
-                                          </p:val>
-                                        </p:tav>
-                                        <p:tav tm="100000">
-                                          <p:val>
-                                            <p:strVal val="#ppt_h"/>
-                                          </p:val>
-                                        </p:tav>
-                                      </p:tavLst>
-                                    </p:anim>
-                                    <p:anim calcmode="lin" valueType="num">
-                                      <p:cBhvr>
-                                        <p:cTn id="39" dur="1000" fill="hold"/>
-                                        <p:tgtEl>
-                                          <p:spTgt spid="5"/>
-                                        </p:tgtEl>
-                                        <p:attrNameLst>
-                                          <p:attrName>style.rotation</p:attrName>
-                                        </p:attrNameLst>
-                                      </p:cBhvr>
-                                      <p:tavLst>
-                                        <p:tav tm="0">
-                                          <p:val>
-                                            <p:fltVal val="90"/>
-                                          </p:val>
-                                        </p:tav>
-                                        <p:tav tm="100000">
-                                          <p:val>
-                                            <p:fltVal val="0"/>
-                                          </p:val>
-                                        </p:tav>
-                                      </p:tavLst>
-                                    </p:anim>
-                                    <p:animEffect transition="in" filter="fade">
-                                      <p:cBhvr>
-                                        <p:cTn id="40" dur="1000"/>
-                                        <p:tgtEl>
-                                          <p:spTgt spid="5"/>
-                                        </p:tgtEl>
-                                      </p:cBhvr>
-                                    </p:animEffect>
-                                  </p:childTnLst>
-                                </p:cTn>
-                              </p:par>
-                              <p:par>
-                                <p:cTn id="41" presetID="31" presetClass="entr" presetSubtype="0" fill="hold" nodeType="withEffect">
-                                  <p:stCondLst>
-                                    <p:cond delay="0"/>
-                                  </p:stCondLst>
-                                  <p:childTnLst>
-                                    <p:set>
-                                      <p:cBhvr>
-                                        <p:cTn id="42" dur="1" fill="hold">
-                                          <p:stCondLst>
-                                            <p:cond delay="0"/>
-                                          </p:stCondLst>
-                                        </p:cTn>
-                                        <p:tgtEl>
-                                          <p:spTgt spid="13"/>
-                                        </p:tgtEl>
-                                        <p:attrNameLst>
-                                          <p:attrName>style.visibility</p:attrName>
-                                        </p:attrNameLst>
-                                      </p:cBhvr>
-                                      <p:to>
-                                        <p:strVal val="visible"/>
-                                      </p:to>
-                                    </p:set>
-                                    <p:anim calcmode="lin" valueType="num">
-                                      <p:cBhvr>
-                                        <p:cTn id="43" dur="1000" fill="hold"/>
-                                        <p:tgtEl>
-                                          <p:spTgt spid="13"/>
-                                        </p:tgtEl>
-                                        <p:attrNameLst>
-                                          <p:attrName>ppt_w</p:attrName>
-                                        </p:attrNameLst>
-                                      </p:cBhvr>
-                                      <p:tavLst>
-                                        <p:tav tm="0">
-                                          <p:val>
-                                            <p:fltVal val="0"/>
-                                          </p:val>
-                                        </p:tav>
-                                        <p:tav tm="100000">
-                                          <p:val>
-                                            <p:strVal val="#ppt_w"/>
-                                          </p:val>
-                                        </p:tav>
-                                      </p:tavLst>
-                                    </p:anim>
-                                    <p:anim calcmode="lin" valueType="num">
-                                      <p:cBhvr>
-                                        <p:cTn id="44" dur="1000" fill="hold"/>
-                                        <p:tgtEl>
-                                          <p:spTgt spid="13"/>
-                                        </p:tgtEl>
-                                        <p:attrNameLst>
-                                          <p:attrName>ppt_h</p:attrName>
-                                        </p:attrNameLst>
-                                      </p:cBhvr>
-                                      <p:tavLst>
-                                        <p:tav tm="0">
-                                          <p:val>
-                                            <p:fltVal val="0"/>
-                                          </p:val>
-                                        </p:tav>
-                                        <p:tav tm="100000">
-                                          <p:val>
-                                            <p:strVal val="#ppt_h"/>
-                                          </p:val>
-                                        </p:tav>
-                                      </p:tavLst>
-                                    </p:anim>
-                                    <p:anim calcmode="lin" valueType="num">
-                                      <p:cBhvr>
-                                        <p:cTn id="45" dur="1000" fill="hold"/>
-                                        <p:tgtEl>
-                                          <p:spTgt spid="13"/>
-                                        </p:tgtEl>
-                                        <p:attrNameLst>
-                                          <p:attrName>style.rotation</p:attrName>
-                                        </p:attrNameLst>
-                                      </p:cBhvr>
-                                      <p:tavLst>
-                                        <p:tav tm="0">
-                                          <p:val>
-                                            <p:fltVal val="90"/>
-                                          </p:val>
-                                        </p:tav>
-                                        <p:tav tm="100000">
-                                          <p:val>
-                                            <p:fltVal val="0"/>
-                                          </p:val>
-                                        </p:tav>
-                                      </p:tavLst>
-                                    </p:anim>
-                                    <p:animEffect transition="in" filter="fade">
-                                      <p:cBhvr>
-                                        <p:cTn id="46" dur="1000"/>
-                                        <p:tgtEl>
-                                          <p:spTgt spid="13"/>
-                                        </p:tgtEl>
-                                      </p:cBhvr>
-                                    </p:animEffect>
-                                  </p:childTnLst>
-                                </p:cTn>
-                              </p:par>
-                              <p:par>
-                                <p:cTn id="47" presetID="31" presetClass="entr" presetSubtype="0" fill="hold" nodeType="withEffect">
-                                  <p:stCondLst>
-                                    <p:cond delay="0"/>
-                                  </p:stCondLst>
-                                  <p:childTnLst>
-                                    <p:set>
-                                      <p:cBhvr>
-                                        <p:cTn id="48" dur="1" fill="hold">
-                                          <p:stCondLst>
-                                            <p:cond delay="0"/>
-                                          </p:stCondLst>
-                                        </p:cTn>
-                                        <p:tgtEl>
-                                          <p:spTgt spid="10"/>
-                                        </p:tgtEl>
-                                        <p:attrNameLst>
-                                          <p:attrName>style.visibility</p:attrName>
-                                        </p:attrNameLst>
-                                      </p:cBhvr>
-                                      <p:to>
-                                        <p:strVal val="visible"/>
-                                      </p:to>
-                                    </p:set>
-                                    <p:anim calcmode="lin" valueType="num">
-                                      <p:cBhvr>
-                                        <p:cTn id="49" dur="1000" fill="hold"/>
-                                        <p:tgtEl>
-                                          <p:spTgt spid="10"/>
-                                        </p:tgtEl>
-                                        <p:attrNameLst>
-                                          <p:attrName>ppt_w</p:attrName>
-                                        </p:attrNameLst>
-                                      </p:cBhvr>
-                                      <p:tavLst>
-                                        <p:tav tm="0">
-                                          <p:val>
-                                            <p:fltVal val="0"/>
-                                          </p:val>
-                                        </p:tav>
-                                        <p:tav tm="100000">
-                                          <p:val>
-                                            <p:strVal val="#ppt_w"/>
-                                          </p:val>
-                                        </p:tav>
-                                      </p:tavLst>
-                                    </p:anim>
-                                    <p:anim calcmode="lin" valueType="num">
-                                      <p:cBhvr>
-                                        <p:cTn id="50" dur="1000" fill="hold"/>
-                                        <p:tgtEl>
-                                          <p:spTgt spid="10"/>
-                                        </p:tgtEl>
-                                        <p:attrNameLst>
-                                          <p:attrName>ppt_h</p:attrName>
-                                        </p:attrNameLst>
-                                      </p:cBhvr>
-                                      <p:tavLst>
-                                        <p:tav tm="0">
-                                          <p:val>
-                                            <p:fltVal val="0"/>
-                                          </p:val>
-                                        </p:tav>
-                                        <p:tav tm="100000">
-                                          <p:val>
-                                            <p:strVal val="#ppt_h"/>
-                                          </p:val>
-                                        </p:tav>
-                                      </p:tavLst>
-                                    </p:anim>
-                                    <p:anim calcmode="lin" valueType="num">
-                                      <p:cBhvr>
-                                        <p:cTn id="51" dur="1000" fill="hold"/>
-                                        <p:tgtEl>
-                                          <p:spTgt spid="10"/>
-                                        </p:tgtEl>
-                                        <p:attrNameLst>
-                                          <p:attrName>style.rotation</p:attrName>
-                                        </p:attrNameLst>
-                                      </p:cBhvr>
-                                      <p:tavLst>
-                                        <p:tav tm="0">
-                                          <p:val>
-                                            <p:fltVal val="90"/>
-                                          </p:val>
-                                        </p:tav>
-                                        <p:tav tm="100000">
-                                          <p:val>
-                                            <p:fltVal val="0"/>
-                                          </p:val>
-                                        </p:tav>
-                                      </p:tavLst>
-                                    </p:anim>
-                                    <p:animEffect transition="in" filter="fade">
-                                      <p:cBhvr>
-                                        <p:cTn id="52" dur="1000"/>
-                                        <p:tgtEl>
-                                          <p:spTgt spid="10"/>
-                                        </p:tgtEl>
-                                      </p:cBhvr>
-                                    </p:animEffect>
-                                  </p:childTnLst>
-                                </p:cTn>
-                              </p:par>
-                              <p:par>
-                                <p:cTn id="53" presetID="31" presetClass="entr" presetSubtype="0" fill="hold" nodeType="withEffect">
-                                  <p:stCondLst>
-                                    <p:cond delay="0"/>
-                                  </p:stCondLst>
-                                  <p:childTnLst>
-                                    <p:set>
-                                      <p:cBhvr>
-                                        <p:cTn id="54" dur="1" fill="hold">
-                                          <p:stCondLst>
-                                            <p:cond delay="0"/>
-                                          </p:stCondLst>
-                                        </p:cTn>
-                                        <p:tgtEl>
-                                          <p:spTgt spid="24"/>
-                                        </p:tgtEl>
-                                        <p:attrNameLst>
-                                          <p:attrName>style.visibility</p:attrName>
-                                        </p:attrNameLst>
-                                      </p:cBhvr>
-                                      <p:to>
-                                        <p:strVal val="visible"/>
-                                      </p:to>
-                                    </p:set>
-                                    <p:anim calcmode="lin" valueType="num">
-                                      <p:cBhvr>
-                                        <p:cTn id="55" dur="1000" fill="hold"/>
-                                        <p:tgtEl>
-                                          <p:spTgt spid="24"/>
-                                        </p:tgtEl>
-                                        <p:attrNameLst>
-                                          <p:attrName>ppt_w</p:attrName>
-                                        </p:attrNameLst>
-                                      </p:cBhvr>
-                                      <p:tavLst>
-                                        <p:tav tm="0">
-                                          <p:val>
-                                            <p:fltVal val="0"/>
-                                          </p:val>
-                                        </p:tav>
-                                        <p:tav tm="100000">
-                                          <p:val>
-                                            <p:strVal val="#ppt_w"/>
-                                          </p:val>
-                                        </p:tav>
-                                      </p:tavLst>
-                                    </p:anim>
-                                    <p:anim calcmode="lin" valueType="num">
-                                      <p:cBhvr>
-                                        <p:cTn id="56" dur="1000" fill="hold"/>
-                                        <p:tgtEl>
-                                          <p:spTgt spid="24"/>
-                                        </p:tgtEl>
-                                        <p:attrNameLst>
-                                          <p:attrName>ppt_h</p:attrName>
-                                        </p:attrNameLst>
-                                      </p:cBhvr>
-                                      <p:tavLst>
-                                        <p:tav tm="0">
-                                          <p:val>
-                                            <p:fltVal val="0"/>
-                                          </p:val>
-                                        </p:tav>
-                                        <p:tav tm="100000">
-                                          <p:val>
-                                            <p:strVal val="#ppt_h"/>
-                                          </p:val>
-                                        </p:tav>
-                                      </p:tavLst>
-                                    </p:anim>
-                                    <p:anim calcmode="lin" valueType="num">
-                                      <p:cBhvr>
-                                        <p:cTn id="57" dur="1000" fill="hold"/>
-                                        <p:tgtEl>
-                                          <p:spTgt spid="24"/>
-                                        </p:tgtEl>
-                                        <p:attrNameLst>
-                                          <p:attrName>style.rotation</p:attrName>
-                                        </p:attrNameLst>
-                                      </p:cBhvr>
-                                      <p:tavLst>
-                                        <p:tav tm="0">
-                                          <p:val>
-                                            <p:fltVal val="90"/>
-                                          </p:val>
-                                        </p:tav>
-                                        <p:tav tm="100000">
-                                          <p:val>
-                                            <p:fltVal val="0"/>
-                                          </p:val>
-                                        </p:tav>
-                                      </p:tavLst>
-                                    </p:anim>
-                                    <p:animEffect transition="in" filter="fade">
-                                      <p:cBhvr>
-                                        <p:cTn id="58" dur="1000"/>
-                                        <p:tgtEl>
-                                          <p:spTgt spid="24"/>
-                                        </p:tgtEl>
-                                      </p:cBhvr>
-                                    </p:animEffect>
-                                  </p:childTnLst>
-                                </p:cTn>
-                              </p:par>
-                              <p:par>
-                                <p:cTn id="59" presetID="31" presetClass="entr" presetSubtype="0" fill="hold" nodeType="withEffect">
-                                  <p:stCondLst>
-                                    <p:cond delay="0"/>
-                                  </p:stCondLst>
-                                  <p:childTnLst>
-                                    <p:set>
-                                      <p:cBhvr>
-                                        <p:cTn id="60" dur="1" fill="hold">
-                                          <p:stCondLst>
-                                            <p:cond delay="0"/>
-                                          </p:stCondLst>
-                                        </p:cTn>
-                                        <p:tgtEl>
-                                          <p:spTgt spid="25"/>
-                                        </p:tgtEl>
-                                        <p:attrNameLst>
-                                          <p:attrName>style.visibility</p:attrName>
-                                        </p:attrNameLst>
-                                      </p:cBhvr>
-                                      <p:to>
-                                        <p:strVal val="visible"/>
-                                      </p:to>
-                                    </p:set>
-                                    <p:anim calcmode="lin" valueType="num">
-                                      <p:cBhvr>
-                                        <p:cTn id="61" dur="1000" fill="hold"/>
-                                        <p:tgtEl>
-                                          <p:spTgt spid="25"/>
-                                        </p:tgtEl>
-                                        <p:attrNameLst>
-                                          <p:attrName>ppt_w</p:attrName>
-                                        </p:attrNameLst>
-                                      </p:cBhvr>
-                                      <p:tavLst>
-                                        <p:tav tm="0">
-                                          <p:val>
-                                            <p:fltVal val="0"/>
-                                          </p:val>
-                                        </p:tav>
-                                        <p:tav tm="100000">
-                                          <p:val>
-                                            <p:strVal val="#ppt_w"/>
-                                          </p:val>
-                                        </p:tav>
-                                      </p:tavLst>
-                                    </p:anim>
-                                    <p:anim calcmode="lin" valueType="num">
-                                      <p:cBhvr>
-                                        <p:cTn id="62" dur="1000" fill="hold"/>
-                                        <p:tgtEl>
-                                          <p:spTgt spid="25"/>
-                                        </p:tgtEl>
-                                        <p:attrNameLst>
-                                          <p:attrName>ppt_h</p:attrName>
-                                        </p:attrNameLst>
-                                      </p:cBhvr>
-                                      <p:tavLst>
-                                        <p:tav tm="0">
-                                          <p:val>
-                                            <p:fltVal val="0"/>
-                                          </p:val>
-                                        </p:tav>
-                                        <p:tav tm="100000">
-                                          <p:val>
-                                            <p:strVal val="#ppt_h"/>
-                                          </p:val>
-                                        </p:tav>
-                                      </p:tavLst>
-                                    </p:anim>
-                                    <p:anim calcmode="lin" valueType="num">
-                                      <p:cBhvr>
-                                        <p:cTn id="63" dur="1000" fill="hold"/>
-                                        <p:tgtEl>
-                                          <p:spTgt spid="25"/>
-                                        </p:tgtEl>
-                                        <p:attrNameLst>
-                                          <p:attrName>style.rotation</p:attrName>
-                                        </p:attrNameLst>
-                                      </p:cBhvr>
-                                      <p:tavLst>
-                                        <p:tav tm="0">
-                                          <p:val>
-                                            <p:fltVal val="90"/>
-                                          </p:val>
-                                        </p:tav>
-                                        <p:tav tm="100000">
-                                          <p:val>
-                                            <p:fltVal val="0"/>
-                                          </p:val>
-                                        </p:tav>
-                                      </p:tavLst>
-                                    </p:anim>
-                                    <p:animEffect transition="in" filter="fade">
-                                      <p:cBhvr>
-                                        <p:cTn id="64" dur="1000"/>
-                                        <p:tgtEl>
-                                          <p:spTgt spid="25"/>
-                                        </p:tgtEl>
-                                      </p:cBhvr>
-                                    </p:animEffect>
-                                  </p:childTnLst>
-                                </p:cTn>
-                              </p:par>
-                            </p:childTnLst>
-                          </p:cTn>
-                        </p:par>
-                        <p:par>
-                          <p:cTn id="65" fill="hold">
-                            <p:stCondLst>
-                              <p:cond delay="1000"/>
-                            </p:stCondLst>
-                            <p:childTnLst>
-                              <p:par>
-                                <p:cTn id="66" presetID="45" presetClass="entr" presetSubtype="0" fill="hold" grpId="0" nodeType="afterEffect">
-                                  <p:stCondLst>
-                                    <p:cond delay="0"/>
-                                  </p:stCondLst>
-                                  <p:childTnLst>
-                                    <p:set>
-                                      <p:cBhvr>
-                                        <p:cTn id="67" dur="1" fill="hold">
-                                          <p:stCondLst>
-                                            <p:cond delay="0"/>
-                                          </p:stCondLst>
-                                        </p:cTn>
-                                        <p:tgtEl>
-                                          <p:spTgt spid="18"/>
-                                        </p:tgtEl>
-                                        <p:attrNameLst>
-                                          <p:attrName>style.visibility</p:attrName>
-                                        </p:attrNameLst>
-                                      </p:cBhvr>
-                                      <p:to>
-                                        <p:strVal val="visible"/>
-                                      </p:to>
-                                    </p:set>
-                                    <p:animEffect transition="in" filter="fade">
-                                      <p:cBhvr>
-                                        <p:cTn id="68" dur="1500"/>
-                                        <p:tgtEl>
-                                          <p:spTgt spid="18"/>
-                                        </p:tgtEl>
-                                      </p:cBhvr>
-                                    </p:animEffect>
-                                    <p:anim calcmode="lin" valueType="num">
-                                      <p:cBhvr>
-                                        <p:cTn id="69" dur="1500" fill="hold"/>
-                                        <p:tgtEl>
-                                          <p:spTgt spid="18"/>
-                                        </p:tgtEl>
-                                        <p:attrNameLst>
-                                          <p:attrName>ppt_w</p:attrName>
-                                        </p:attrNameLst>
-                                      </p:cBhvr>
-                                      <p:tavLst>
-                                        <p:tav tm="0" fmla="#ppt_w*sin(2.5*pi*$)">
-                                          <p:val>
-                                            <p:fltVal val="0"/>
-                                          </p:val>
-                                        </p:tav>
-                                        <p:tav tm="100000">
-                                          <p:val>
-                                            <p:fltVal val="1"/>
-                                          </p:val>
-                                        </p:tav>
-                                      </p:tavLst>
-                                    </p:anim>
-                                    <p:anim calcmode="lin" valueType="num">
-                                      <p:cBhvr>
-                                        <p:cTn id="70" dur="1500" fill="hold"/>
-                                        <p:tgtEl>
-                                          <p:spTgt spid="18"/>
-                                        </p:tgtEl>
-                                        <p:attrNameLst>
-                                          <p:attrName>ppt_h</p:attrName>
-                                        </p:attrNameLst>
-                                      </p:cBhvr>
-                                      <p:tavLst>
-                                        <p:tav tm="0">
-                                          <p:val>
-                                            <p:strVal val="#ppt_h"/>
-                                          </p:val>
-                                        </p:tav>
-                                        <p:tav tm="100000">
-                                          <p:val>
-                                            <p:strVal val="#ppt_h"/>
-                                          </p:val>
-                                        </p:tav>
-                                      </p:tavLst>
-                                    </p:anim>
-                                  </p:childTnLst>
-                                </p:cTn>
-                              </p:par>
-                              <p:par>
-                                <p:cTn id="71" presetID="45" presetClass="entr" presetSubtype="0" fill="hold" grpId="0" nodeType="withEffect">
-                                  <p:stCondLst>
-                                    <p:cond delay="0"/>
-                                  </p:stCondLst>
-                                  <p:childTnLst>
-                                    <p:set>
-                                      <p:cBhvr>
-                                        <p:cTn id="72" dur="1" fill="hold">
-                                          <p:stCondLst>
-                                            <p:cond delay="0"/>
-                                          </p:stCondLst>
-                                        </p:cTn>
-                                        <p:tgtEl>
-                                          <p:spTgt spid="17"/>
-                                        </p:tgtEl>
-                                        <p:attrNameLst>
-                                          <p:attrName>style.visibility</p:attrName>
-                                        </p:attrNameLst>
-                                      </p:cBhvr>
-                                      <p:to>
-                                        <p:strVal val="visible"/>
-                                      </p:to>
-                                    </p:set>
-                                    <p:animEffect transition="in" filter="fade">
-                                      <p:cBhvr>
-                                        <p:cTn id="73" dur="1500"/>
-                                        <p:tgtEl>
-                                          <p:spTgt spid="17"/>
-                                        </p:tgtEl>
-                                      </p:cBhvr>
-                                    </p:animEffect>
-                                    <p:anim calcmode="lin" valueType="num">
-                                      <p:cBhvr>
-                                        <p:cTn id="74" dur="1500" fill="hold"/>
-                                        <p:tgtEl>
-                                          <p:spTgt spid="17"/>
-                                        </p:tgtEl>
-                                        <p:attrNameLst>
-                                          <p:attrName>ppt_w</p:attrName>
-                                        </p:attrNameLst>
-                                      </p:cBhvr>
-                                      <p:tavLst>
-                                        <p:tav tm="0" fmla="#ppt_w*sin(2.5*pi*$)">
-                                          <p:val>
-                                            <p:fltVal val="0"/>
-                                          </p:val>
-                                        </p:tav>
-                                        <p:tav tm="100000">
-                                          <p:val>
-                                            <p:fltVal val="1"/>
-                                          </p:val>
-                                        </p:tav>
-                                      </p:tavLst>
-                                    </p:anim>
-                                    <p:anim calcmode="lin" valueType="num">
-                                      <p:cBhvr>
-                                        <p:cTn id="75" dur="1500" fill="hold"/>
-                                        <p:tgtEl>
-                                          <p:spTgt spid="17"/>
-                                        </p:tgtEl>
-                                        <p:attrNameLst>
-                                          <p:attrName>ppt_h</p:attrName>
-                                        </p:attrNameLst>
-                                      </p:cBhvr>
-                                      <p:tavLst>
-                                        <p:tav tm="0">
-                                          <p:val>
-                                            <p:strVal val="#ppt_h"/>
-                                          </p:val>
-                                        </p:tav>
-                                        <p:tav tm="100000">
-                                          <p:val>
-                                            <p:strVal val="#ppt_h"/>
-                                          </p:val>
-                                        </p:tav>
-                                      </p:tavLst>
-                                    </p:anim>
-                                  </p:childTnLst>
-                                </p:cTn>
-                              </p:par>
-                              <p:par>
-                                <p:cTn id="76" presetID="45" presetClass="entr" presetSubtype="0" fill="hold" grpId="0" nodeType="withEffect">
-                                  <p:stCondLst>
-                                    <p:cond delay="0"/>
-                                  </p:stCondLst>
-                                  <p:childTnLst>
-                                    <p:set>
-                                      <p:cBhvr>
-                                        <p:cTn id="77" dur="1" fill="hold">
-                                          <p:stCondLst>
-                                            <p:cond delay="0"/>
-                                          </p:stCondLst>
-                                        </p:cTn>
-                                        <p:tgtEl>
-                                          <p:spTgt spid="16"/>
-                                        </p:tgtEl>
-                                        <p:attrNameLst>
-                                          <p:attrName>style.visibility</p:attrName>
-                                        </p:attrNameLst>
-                                      </p:cBhvr>
-                                      <p:to>
-                                        <p:strVal val="visible"/>
-                                      </p:to>
-                                    </p:set>
-                                    <p:animEffect transition="in" filter="fade">
-                                      <p:cBhvr>
-                                        <p:cTn id="78" dur="1500"/>
-                                        <p:tgtEl>
-                                          <p:spTgt spid="16"/>
-                                        </p:tgtEl>
-                                      </p:cBhvr>
-                                    </p:animEffect>
-                                    <p:anim calcmode="lin" valueType="num">
-                                      <p:cBhvr>
-                                        <p:cTn id="79" dur="1500" fill="hold"/>
-                                        <p:tgtEl>
-                                          <p:spTgt spid="16"/>
-                                        </p:tgtEl>
-                                        <p:attrNameLst>
-                                          <p:attrName>ppt_w</p:attrName>
-                                        </p:attrNameLst>
-                                      </p:cBhvr>
-                                      <p:tavLst>
-                                        <p:tav tm="0" fmla="#ppt_w*sin(2.5*pi*$)">
-                                          <p:val>
-                                            <p:fltVal val="0"/>
-                                          </p:val>
-                                        </p:tav>
-                                        <p:tav tm="100000">
-                                          <p:val>
-                                            <p:fltVal val="1"/>
-                                          </p:val>
-                                        </p:tav>
-                                      </p:tavLst>
-                                    </p:anim>
-                                    <p:anim calcmode="lin" valueType="num">
-                                      <p:cBhvr>
-                                        <p:cTn id="80" dur="1500" fill="hold"/>
-                                        <p:tgtEl>
-                                          <p:spTgt spid="16"/>
-                                        </p:tgtEl>
-                                        <p:attrNameLst>
-                                          <p:attrName>ppt_h</p:attrName>
-                                        </p:attrNameLst>
-                                      </p:cBhvr>
-                                      <p:tavLst>
-                                        <p:tav tm="0">
-                                          <p:val>
-                                            <p:strVal val="#ppt_h"/>
-                                          </p:val>
-                                        </p:tav>
-                                        <p:tav tm="100000">
-                                          <p:val>
-                                            <p:strVal val="#ppt_h"/>
-                                          </p:val>
-                                        </p:tav>
-                                      </p:tavLst>
-                                    </p:anim>
-                                  </p:childTnLst>
-                                </p:cTn>
-                              </p:par>
-                              <p:par>
-                                <p:cTn id="81" presetID="45" presetClass="entr" presetSubtype="0" fill="hold" grpId="0" nodeType="withEffect">
-                                  <p:stCondLst>
-                                    <p:cond delay="0"/>
-                                  </p:stCondLst>
-                                  <p:childTnLst>
-                                    <p:set>
-                                      <p:cBhvr>
-                                        <p:cTn id="82" dur="1" fill="hold">
-                                          <p:stCondLst>
-                                            <p:cond delay="0"/>
-                                          </p:stCondLst>
-                                        </p:cTn>
-                                        <p:tgtEl>
-                                          <p:spTgt spid="15"/>
-                                        </p:tgtEl>
-                                        <p:attrNameLst>
-                                          <p:attrName>style.visibility</p:attrName>
-                                        </p:attrNameLst>
-                                      </p:cBhvr>
-                                      <p:to>
-                                        <p:strVal val="visible"/>
-                                      </p:to>
-                                    </p:set>
-                                    <p:animEffect transition="in" filter="fade">
-                                      <p:cBhvr>
-                                        <p:cTn id="83" dur="1500"/>
-                                        <p:tgtEl>
-                                          <p:spTgt spid="15"/>
-                                        </p:tgtEl>
-                                      </p:cBhvr>
-                                    </p:animEffect>
-                                    <p:anim calcmode="lin" valueType="num">
-                                      <p:cBhvr>
-                                        <p:cTn id="84" dur="1500" fill="hold"/>
-                                        <p:tgtEl>
-                                          <p:spTgt spid="15"/>
-                                        </p:tgtEl>
-                                        <p:attrNameLst>
-                                          <p:attrName>ppt_w</p:attrName>
-                                        </p:attrNameLst>
-                                      </p:cBhvr>
-                                      <p:tavLst>
-                                        <p:tav tm="0" fmla="#ppt_w*sin(2.5*pi*$)">
-                                          <p:val>
-                                            <p:fltVal val="0"/>
-                                          </p:val>
-                                        </p:tav>
-                                        <p:tav tm="100000">
-                                          <p:val>
-                                            <p:fltVal val="1"/>
-                                          </p:val>
-                                        </p:tav>
-                                      </p:tavLst>
-                                    </p:anim>
-                                    <p:anim calcmode="lin" valueType="num">
-                                      <p:cBhvr>
-                                        <p:cTn id="85" dur="1500" fill="hold"/>
-                                        <p:tgtEl>
-                                          <p:spTgt spid="15"/>
-                                        </p:tgtEl>
-                                        <p:attrNameLst>
-                                          <p:attrName>ppt_h</p:attrName>
-                                        </p:attrNameLst>
-                                      </p:cBhvr>
-                                      <p:tavLst>
-                                        <p:tav tm="0">
-                                          <p:val>
-                                            <p:strVal val="#ppt_h"/>
-                                          </p:val>
-                                        </p:tav>
-                                        <p:tav tm="100000">
-                                          <p:val>
-                                            <p:strVal val="#ppt_h"/>
-                                          </p:val>
-                                        </p:tav>
-                                      </p:tavLst>
-                                    </p:anim>
-                                  </p:childTnLst>
-                                </p:cTn>
-                              </p:par>
-                              <p:par>
-                                <p:cTn id="86" presetID="45" presetClass="entr" presetSubtype="0" fill="hold" grpId="0" nodeType="withEffect">
-                                  <p:stCondLst>
-                                    <p:cond delay="0"/>
-                                  </p:stCondLst>
-                                  <p:childTnLst>
-                                    <p:set>
-                                      <p:cBhvr>
-                                        <p:cTn id="87" dur="1" fill="hold">
-                                          <p:stCondLst>
-                                            <p:cond delay="0"/>
-                                          </p:stCondLst>
-                                        </p:cTn>
-                                        <p:tgtEl>
-                                          <p:spTgt spid="20"/>
-                                        </p:tgtEl>
-                                        <p:attrNameLst>
-                                          <p:attrName>style.visibility</p:attrName>
-                                        </p:attrNameLst>
-                                      </p:cBhvr>
-                                      <p:to>
-                                        <p:strVal val="visible"/>
-                                      </p:to>
-                                    </p:set>
-                                    <p:animEffect transition="in" filter="fade">
-                                      <p:cBhvr>
-                                        <p:cTn id="88" dur="1500"/>
-                                        <p:tgtEl>
-                                          <p:spTgt spid="20"/>
-                                        </p:tgtEl>
-                                      </p:cBhvr>
-                                    </p:animEffect>
-                                    <p:anim calcmode="lin" valueType="num">
-                                      <p:cBhvr>
-                                        <p:cTn id="89" dur="1500" fill="hold"/>
-                                        <p:tgtEl>
-                                          <p:spTgt spid="20"/>
-                                        </p:tgtEl>
-                                        <p:attrNameLst>
-                                          <p:attrName>ppt_w</p:attrName>
-                                        </p:attrNameLst>
-                                      </p:cBhvr>
-                                      <p:tavLst>
-                                        <p:tav tm="0" fmla="#ppt_w*sin(2.5*pi*$)">
-                                          <p:val>
-                                            <p:fltVal val="0"/>
-                                          </p:val>
-                                        </p:tav>
-                                        <p:tav tm="100000">
-                                          <p:val>
-                                            <p:fltVal val="1"/>
-                                          </p:val>
-                                        </p:tav>
-                                      </p:tavLst>
-                                    </p:anim>
-                                    <p:anim calcmode="lin" valueType="num">
-                                      <p:cBhvr>
-                                        <p:cTn id="90" dur="1500" fill="hold"/>
-                                        <p:tgtEl>
-                                          <p:spTgt spid="20"/>
-                                        </p:tgtEl>
-                                        <p:attrNameLst>
-                                          <p:attrName>ppt_h</p:attrName>
-                                        </p:attrNameLst>
-                                      </p:cBhvr>
-                                      <p:tavLst>
-                                        <p:tav tm="0">
-                                          <p:val>
-                                            <p:strVal val="#ppt_h"/>
-                                          </p:val>
-                                        </p:tav>
-                                        <p:tav tm="100000">
-                                          <p:val>
-                                            <p:strVal val="#ppt_h"/>
-                                          </p:val>
-                                        </p:tav>
-                                      </p:tavLst>
-                                    </p:anim>
-                                  </p:childTnLst>
-                                </p:cTn>
-                              </p:par>
-                              <p:par>
-                                <p:cTn id="91" presetID="45" presetClass="entr" presetSubtype="0" fill="hold" grpId="0" nodeType="withEffect">
-                                  <p:stCondLst>
-                                    <p:cond delay="0"/>
-                                  </p:stCondLst>
-                                  <p:childTnLst>
-                                    <p:set>
-                                      <p:cBhvr>
-                                        <p:cTn id="92" dur="1" fill="hold">
-                                          <p:stCondLst>
-                                            <p:cond delay="0"/>
-                                          </p:stCondLst>
-                                        </p:cTn>
-                                        <p:tgtEl>
-                                          <p:spTgt spid="14"/>
-                                        </p:tgtEl>
-                                        <p:attrNameLst>
-                                          <p:attrName>style.visibility</p:attrName>
-                                        </p:attrNameLst>
-                                      </p:cBhvr>
-                                      <p:to>
-                                        <p:strVal val="visible"/>
-                                      </p:to>
-                                    </p:set>
-                                    <p:animEffect transition="in" filter="fade">
-                                      <p:cBhvr>
-                                        <p:cTn id="93" dur="1500"/>
-                                        <p:tgtEl>
-                                          <p:spTgt spid="14"/>
-                                        </p:tgtEl>
-                                      </p:cBhvr>
-                                    </p:animEffect>
-                                    <p:anim calcmode="lin" valueType="num">
-                                      <p:cBhvr>
-                                        <p:cTn id="94" dur="1500" fill="hold"/>
-                                        <p:tgtEl>
-                                          <p:spTgt spid="14"/>
-                                        </p:tgtEl>
-                                        <p:attrNameLst>
-                                          <p:attrName>ppt_w</p:attrName>
-                                        </p:attrNameLst>
-                                      </p:cBhvr>
-                                      <p:tavLst>
-                                        <p:tav tm="0" fmla="#ppt_w*sin(2.5*pi*$)">
-                                          <p:val>
-                                            <p:fltVal val="0"/>
-                                          </p:val>
-                                        </p:tav>
-                                        <p:tav tm="100000">
-                                          <p:val>
-                                            <p:fltVal val="1"/>
-                                          </p:val>
-                                        </p:tav>
-                                      </p:tavLst>
-                                    </p:anim>
-                                    <p:anim calcmode="lin" valueType="num">
-                                      <p:cBhvr>
-                                        <p:cTn id="95" dur="1500" fill="hold"/>
-                                        <p:tgtEl>
-                                          <p:spTgt spid="14"/>
-                                        </p:tgtEl>
-                                        <p:attrNameLst>
-                                          <p:attrName>ppt_h</p:attrName>
-                                        </p:attrNameLst>
-                                      </p:cBhvr>
-                                      <p:tavLst>
-                                        <p:tav tm="0">
-                                          <p:val>
-                                            <p:strVal val="#ppt_h"/>
-                                          </p:val>
-                                        </p:tav>
-                                        <p:tav tm="100000">
-                                          <p:val>
-                                            <p:strVal val="#ppt_h"/>
-                                          </p:val>
-                                        </p:tav>
-                                      </p:tavLst>
-                                    </p:anim>
-                                  </p:childTnLst>
-                                </p:cTn>
-                              </p:par>
-                              <p:par>
-                                <p:cTn id="96" presetID="45" presetClass="entr" presetSubtype="0" fill="hold" grpId="0" nodeType="withEffect">
-                                  <p:stCondLst>
-                                    <p:cond delay="0"/>
-                                  </p:stCondLst>
-                                  <p:childTnLst>
-                                    <p:set>
-                                      <p:cBhvr>
-                                        <p:cTn id="97" dur="1" fill="hold">
-                                          <p:stCondLst>
-                                            <p:cond delay="0"/>
-                                          </p:stCondLst>
-                                        </p:cTn>
-                                        <p:tgtEl>
-                                          <p:spTgt spid="19"/>
-                                        </p:tgtEl>
-                                        <p:attrNameLst>
-                                          <p:attrName>style.visibility</p:attrName>
-                                        </p:attrNameLst>
-                                      </p:cBhvr>
-                                      <p:to>
-                                        <p:strVal val="visible"/>
-                                      </p:to>
-                                    </p:set>
-                                    <p:animEffect transition="in" filter="fade">
-                                      <p:cBhvr>
-                                        <p:cTn id="98" dur="1500"/>
-                                        <p:tgtEl>
-                                          <p:spTgt spid="19"/>
-                                        </p:tgtEl>
-                                      </p:cBhvr>
-                                    </p:animEffect>
-                                    <p:anim calcmode="lin" valueType="num">
-                                      <p:cBhvr>
-                                        <p:cTn id="99" dur="1500" fill="hold"/>
-                                        <p:tgtEl>
-                                          <p:spTgt spid="19"/>
-                                        </p:tgtEl>
-                                        <p:attrNameLst>
-                                          <p:attrName>ppt_w</p:attrName>
-                                        </p:attrNameLst>
-                                      </p:cBhvr>
-                                      <p:tavLst>
-                                        <p:tav tm="0" fmla="#ppt_w*sin(2.5*pi*$)">
-                                          <p:val>
-                                            <p:fltVal val="0"/>
-                                          </p:val>
-                                        </p:tav>
-                                        <p:tav tm="100000">
-                                          <p:val>
-                                            <p:fltVal val="1"/>
-                                          </p:val>
-                                        </p:tav>
-                                      </p:tavLst>
-                                    </p:anim>
-                                    <p:anim calcmode="lin" valueType="num">
-                                      <p:cBhvr>
-                                        <p:cTn id="100" dur="1500" fill="hold"/>
-                                        <p:tgtEl>
-                                          <p:spTgt spid="19"/>
-                                        </p:tgtEl>
-                                        <p:attrNameLst>
-                                          <p:attrName>ppt_h</p:attrName>
-                                        </p:attrNameLst>
-                                      </p:cBhvr>
-                                      <p:tavLst>
-                                        <p:tav tm="0">
-                                          <p:val>
-                                            <p:strVal val="#ppt_h"/>
-                                          </p:val>
-                                        </p:tav>
-                                        <p:tav tm="100000">
-                                          <p:val>
-                                            <p:strVal val="#ppt_h"/>
-                                          </p:val>
-                                        </p:tav>
-                                      </p:tavLst>
-                                    </p:anim>
-                                  </p:childTnLst>
-                                </p:cTn>
-                              </p:par>
-                              <p:par>
-                                <p:cTn id="101" presetID="45" presetClass="entr" presetSubtype="0" fill="hold" grpId="0" nodeType="withEffect">
-                                  <p:stCondLst>
-                                    <p:cond delay="0"/>
-                                  </p:stCondLst>
-                                  <p:childTnLst>
-                                    <p:set>
-                                      <p:cBhvr>
-                                        <p:cTn id="102" dur="1" fill="hold">
-                                          <p:stCondLst>
-                                            <p:cond delay="0"/>
-                                          </p:stCondLst>
-                                        </p:cTn>
-                                        <p:tgtEl>
-                                          <p:spTgt spid="22"/>
-                                        </p:tgtEl>
-                                        <p:attrNameLst>
-                                          <p:attrName>style.visibility</p:attrName>
-                                        </p:attrNameLst>
-                                      </p:cBhvr>
-                                      <p:to>
-                                        <p:strVal val="visible"/>
-                                      </p:to>
-                                    </p:set>
-                                    <p:animEffect transition="in" filter="fade">
-                                      <p:cBhvr>
-                                        <p:cTn id="103" dur="1500"/>
-                                        <p:tgtEl>
-                                          <p:spTgt spid="22"/>
-                                        </p:tgtEl>
-                                      </p:cBhvr>
-                                    </p:animEffect>
-                                    <p:anim calcmode="lin" valueType="num">
-                                      <p:cBhvr>
-                                        <p:cTn id="104" dur="1500" fill="hold"/>
-                                        <p:tgtEl>
-                                          <p:spTgt spid="22"/>
-                                        </p:tgtEl>
-                                        <p:attrNameLst>
-                                          <p:attrName>ppt_w</p:attrName>
-                                        </p:attrNameLst>
-                                      </p:cBhvr>
-                                      <p:tavLst>
-                                        <p:tav tm="0" fmla="#ppt_w*sin(2.5*pi*$)">
-                                          <p:val>
-                                            <p:fltVal val="0"/>
-                                          </p:val>
-                                        </p:tav>
-                                        <p:tav tm="100000">
-                                          <p:val>
-                                            <p:fltVal val="1"/>
-                                          </p:val>
-                                        </p:tav>
-                                      </p:tavLst>
-                                    </p:anim>
-                                    <p:anim calcmode="lin" valueType="num">
-                                      <p:cBhvr>
-                                        <p:cTn id="105" dur="1500" fill="hold"/>
-                                        <p:tgtEl>
-                                          <p:spTgt spid="22"/>
-                                        </p:tgtEl>
-                                        <p:attrNameLst>
-                                          <p:attrName>ppt_h</p:attrName>
-                                        </p:attrNameLst>
-                                      </p:cBhvr>
-                                      <p:tavLst>
-                                        <p:tav tm="0">
-                                          <p:val>
-                                            <p:strVal val="#ppt_h"/>
-                                          </p:val>
-                                        </p:tav>
-                                        <p:tav tm="100000">
-                                          <p:val>
-                                            <p:strVal val="#ppt_h"/>
-                                          </p:val>
-                                        </p:tav>
-                                      </p:tavLst>
-                                    </p:anim>
-                                  </p:childTnLst>
-                                </p:cTn>
-                              </p:par>
-                              <p:par>
-                                <p:cTn id="106" presetID="45" presetClass="entr" presetSubtype="0" fill="hold" grpId="0" nodeType="withEffect">
-                                  <p:stCondLst>
-                                    <p:cond delay="0"/>
-                                  </p:stCondLst>
-                                  <p:childTnLst>
-                                    <p:set>
-                                      <p:cBhvr>
-                                        <p:cTn id="107" dur="1" fill="hold">
-                                          <p:stCondLst>
-                                            <p:cond delay="0"/>
-                                          </p:stCondLst>
-                                        </p:cTn>
-                                        <p:tgtEl>
-                                          <p:spTgt spid="23"/>
-                                        </p:tgtEl>
-                                        <p:attrNameLst>
-                                          <p:attrName>style.visibility</p:attrName>
-                                        </p:attrNameLst>
-                                      </p:cBhvr>
-                                      <p:to>
-                                        <p:strVal val="visible"/>
-                                      </p:to>
-                                    </p:set>
-                                    <p:animEffect transition="in" filter="fade">
-                                      <p:cBhvr>
-                                        <p:cTn id="108" dur="1500"/>
-                                        <p:tgtEl>
-                                          <p:spTgt spid="23"/>
-                                        </p:tgtEl>
-                                      </p:cBhvr>
-                                    </p:animEffect>
-                                    <p:anim calcmode="lin" valueType="num">
-                                      <p:cBhvr>
-                                        <p:cTn id="109" dur="1500" fill="hold"/>
-                                        <p:tgtEl>
-                                          <p:spTgt spid="23"/>
-                                        </p:tgtEl>
-                                        <p:attrNameLst>
-                                          <p:attrName>ppt_w</p:attrName>
-                                        </p:attrNameLst>
-                                      </p:cBhvr>
-                                      <p:tavLst>
-                                        <p:tav tm="0" fmla="#ppt_w*sin(2.5*pi*$)">
-                                          <p:val>
-                                            <p:fltVal val="0"/>
-                                          </p:val>
-                                        </p:tav>
-                                        <p:tav tm="100000">
-                                          <p:val>
-                                            <p:fltVal val="1"/>
-                                          </p:val>
-                                        </p:tav>
-                                      </p:tavLst>
-                                    </p:anim>
-                                    <p:anim calcmode="lin" valueType="num">
-                                      <p:cBhvr>
-                                        <p:cTn id="110" dur="1500" fill="hold"/>
-                                        <p:tgtEl>
-                                          <p:spTgt spid="23"/>
-                                        </p:tgtEl>
-                                        <p:attrNameLst>
-                                          <p:attrName>ppt_h</p:attrName>
-                                        </p:attrNameLst>
-                                      </p:cBhvr>
-                                      <p:tavLst>
-                                        <p:tav tm="0">
-                                          <p:val>
-                                            <p:strVal val="#ppt_h"/>
-                                          </p:val>
-                                        </p:tav>
-                                        <p:tav tm="100000">
-                                          <p:val>
-                                            <p:strVal val="#ppt_h"/>
-                                          </p:val>
-                                        </p:tav>
-                                      </p:tavLst>
-                                    </p:anim>
-                                  </p:childTnLst>
-                                </p:cTn>
-                              </p:par>
-                              <p:par>
-                                <p:cTn id="111" presetID="45" presetClass="entr" presetSubtype="0" fill="hold" grpId="0" nodeType="withEffect">
-                                  <p:stCondLst>
-                                    <p:cond delay="0"/>
-                                  </p:stCondLst>
-                                  <p:childTnLst>
-                                    <p:set>
-                                      <p:cBhvr>
-                                        <p:cTn id="112" dur="1" fill="hold">
-                                          <p:stCondLst>
-                                            <p:cond delay="0"/>
-                                          </p:stCondLst>
-                                        </p:cTn>
-                                        <p:tgtEl>
-                                          <p:spTgt spid="26"/>
-                                        </p:tgtEl>
-                                        <p:attrNameLst>
-                                          <p:attrName>style.visibility</p:attrName>
-                                        </p:attrNameLst>
-                                      </p:cBhvr>
-                                      <p:to>
-                                        <p:strVal val="visible"/>
-                                      </p:to>
-                                    </p:set>
-                                    <p:animEffect transition="in" filter="fade">
-                                      <p:cBhvr>
-                                        <p:cTn id="113" dur="1500"/>
-                                        <p:tgtEl>
-                                          <p:spTgt spid="26"/>
-                                        </p:tgtEl>
-                                      </p:cBhvr>
-                                    </p:animEffect>
-                                    <p:anim calcmode="lin" valueType="num">
-                                      <p:cBhvr>
-                                        <p:cTn id="114" dur="1500" fill="hold"/>
-                                        <p:tgtEl>
-                                          <p:spTgt spid="26"/>
-                                        </p:tgtEl>
-                                        <p:attrNameLst>
-                                          <p:attrName>ppt_w</p:attrName>
-                                        </p:attrNameLst>
-                                      </p:cBhvr>
-                                      <p:tavLst>
-                                        <p:tav tm="0" fmla="#ppt_w*sin(2.5*pi*$)">
-                                          <p:val>
-                                            <p:fltVal val="0"/>
-                                          </p:val>
-                                        </p:tav>
-                                        <p:tav tm="100000">
-                                          <p:val>
-                                            <p:fltVal val="1"/>
-                                          </p:val>
-                                        </p:tav>
-                                      </p:tavLst>
-                                    </p:anim>
-                                    <p:anim calcmode="lin" valueType="num">
-                                      <p:cBhvr>
-                                        <p:cTn id="115" dur="1500" fill="hold"/>
-                                        <p:tgtEl>
-                                          <p:spTgt spid="26"/>
-                                        </p:tgtEl>
-                                        <p:attrNameLst>
-                                          <p:attrName>ppt_h</p:attrName>
-                                        </p:attrNameLst>
-                                      </p:cBhvr>
-                                      <p:tavLst>
-                                        <p:tav tm="0">
-                                          <p:val>
-                                            <p:strVal val="#ppt_h"/>
-                                          </p:val>
-                                        </p:tav>
-                                        <p:tav tm="100000">
-                                          <p:val>
-                                            <p:strVal val="#ppt_h"/>
-                                          </p:val>
-                                        </p:tav>
-                                      </p:tavLst>
-                                    </p:anim>
-                                  </p:childTnLst>
-                                </p:cTn>
-                              </p:par>
-                            </p:childTnLst>
-                          </p:cTn>
-                        </p:par>
-                      </p:childTnLst>
-                    </p:cTn>
-                  </p:par>
-                </p:childTnLst>
-              </p:cTn>
-              <p:prevCondLst>
-                <p:cond evt="onPrev" delay="0">
-                  <p:tgtEl>
-                    <p:sldTgt/>
-                  </p:tgtEl>
-                </p:cond>
-              </p:prevCondLst>
-              <p:nextCondLst>
-                <p:cond evt="onNext" delay="0">
-                  <p:tgtEl>
-                    <p:sldTgt/>
-                  </p:tgtEl>
-                </p:cond>
-              </p:nextCondLst>
-            </p:seq>
-          </p:childTnLst>
-        </p:cTn>
+        <p:cTn id="1" dur="indefinite" restart="never" nodeType="tmRoot"/>
       </p:par>
     </p:tnLst>
-    <p:bldLst>
-      <p:bldP spid="14" grpId="0" animBg="1"/>
-      <p:bldP spid="15" grpId="0" animBg="1"/>
-      <p:bldP spid="16" grpId="0" animBg="1"/>
-      <p:bldP spid="17" grpId="0" animBg="1"/>
-      <p:bldP spid="18" grpId="0" animBg="1"/>
-      <p:bldP spid="19" grpId="0" animBg="1"/>
-      <p:bldP spid="20" grpId="0" animBg="1"/>
-      <p:bldP spid="22" grpId="0" animBg="1"/>
-      <p:bldP spid="23" grpId="0" animBg="1"/>
-      <p:bldP spid="26" grpId="0" animBg="1"/>
-    </p:bldLst>
   </p:timing>
 </p:sld>
 </file>
 
-<file path=ppt/slides/slide4.xml><?xml version="1.0" encoding="utf-8"?>
+<file path=ppt/slides/slide7.xml><?xml version="1.0" encoding="utf-8"?>
 <p:sld xmlns:a="http://schemas.openxmlformats.org/drawingml/2006/main" xmlns:r="http://schemas.openxmlformats.org/officeDocument/2006/relationships" xmlns:p="http://schemas.openxmlformats.org/presentationml/2006/main">
   <p:cSld>
     <p:spTree>
